--- a/en/ProgrammingLessons/Accelerate.pptx
+++ b/en/ProgrammingLessons/Accelerate.pptx
@@ -3,26 +3,27 @@
 <p:presentation xmlns:a="http://schemas.openxmlformats.org/drawingml/2006/main" xmlns:r="http://schemas.openxmlformats.org/officeDocument/2006/relationships" xmlns:p="http://schemas.openxmlformats.org/presentationml/2006/main" showSpecialPlsOnTitleSld="0" saveSubsetFonts="1">
   <p:sldMasterIdLst>
     <p:sldMasterId id="2147483845" r:id="rId1"/>
+    <p:sldMasterId id="2147483857" r:id="rId2"/>
   </p:sldMasterIdLst>
   <p:notesMasterIdLst>
-    <p:notesMasterId r:id="rId14"/>
+    <p:notesMasterId r:id="rId15"/>
   </p:notesMasterIdLst>
   <p:handoutMasterIdLst>
-    <p:handoutMasterId r:id="rId15"/>
+    <p:handoutMasterId r:id="rId16"/>
   </p:handoutMasterIdLst>
   <p:sldIdLst>
-    <p:sldId id="299" r:id="rId2"/>
-    <p:sldId id="289" r:id="rId3"/>
-    <p:sldId id="290" r:id="rId4"/>
-    <p:sldId id="293" r:id="rId5"/>
-    <p:sldId id="294" r:id="rId6"/>
-    <p:sldId id="283" r:id="rId7"/>
-    <p:sldId id="285" r:id="rId8"/>
-    <p:sldId id="297" r:id="rId9"/>
-    <p:sldId id="298" r:id="rId10"/>
-    <p:sldId id="286" r:id="rId11"/>
-    <p:sldId id="296" r:id="rId12"/>
-    <p:sldId id="300" r:id="rId13"/>
+    <p:sldId id="299" r:id="rId3"/>
+    <p:sldId id="289" r:id="rId4"/>
+    <p:sldId id="290" r:id="rId5"/>
+    <p:sldId id="293" r:id="rId6"/>
+    <p:sldId id="294" r:id="rId7"/>
+    <p:sldId id="283" r:id="rId8"/>
+    <p:sldId id="285" r:id="rId9"/>
+    <p:sldId id="297" r:id="rId10"/>
+    <p:sldId id="298" r:id="rId11"/>
+    <p:sldId id="286" r:id="rId12"/>
+    <p:sldId id="296" r:id="rId13"/>
+    <p:sldId id="300" r:id="rId14"/>
   </p:sldIdLst>
   <p:sldSz cx="9144000" cy="6858000" type="screen4x3"/>
   <p:notesSz cx="6858000" cy="9144000"/>
@@ -210,7 +211,7 @@
               <a:cs typeface="+mn-cs"/>
             </a:defRPr>
           </a:pPr>
-          <a:endParaRPr lang="es-419"/>
+          <a:endParaRPr lang="en-US"/>
         </a:p>
       </c:txPr>
     </c:title>
@@ -3360,7 +3361,7 @@
                   <a:cs typeface="+mn-cs"/>
                 </a:defRPr>
               </a:pPr>
-              <a:endParaRPr lang="es-419"/>
+              <a:endParaRPr lang="en-US"/>
             </a:p>
           </c:txPr>
         </c:title>
@@ -3398,7 +3399,7 @@
                 <a:cs typeface="+mn-cs"/>
               </a:defRPr>
             </a:pPr>
-            <a:endParaRPr lang="es-419"/>
+            <a:endParaRPr lang="en-US"/>
           </a:p>
         </c:txPr>
         <c:crossAx val="544457936"/>
@@ -3477,7 +3478,7 @@
                   <a:cs typeface="+mn-cs"/>
                 </a:defRPr>
               </a:pPr>
-              <a:endParaRPr lang="es-419"/>
+              <a:endParaRPr lang="en-US"/>
             </a:p>
           </c:txPr>
         </c:title>
@@ -3515,7 +3516,7 @@
                 <a:cs typeface="+mn-cs"/>
               </a:defRPr>
             </a:pPr>
-            <a:endParaRPr lang="es-419"/>
+            <a:endParaRPr lang="en-US"/>
           </a:p>
         </c:txPr>
         <c:crossAx val="840817984"/>
@@ -3555,7 +3556,7 @@
       <a:pPr>
         <a:defRPr/>
       </a:pPr>
-      <a:endParaRPr lang="es-419"/>
+      <a:endParaRPr lang="en-US"/>
     </a:p>
   </c:txPr>
   <c:externalData r:id="rId3">
@@ -4202,7 +4203,7 @@
           <a:p>
             <a:fld id="{E354B44E-40A3-0E46-B16A-9BF1250A248B}" type="datetimeFigureOut">
               <a:rPr lang="en-US" smtClean="0"/>
-              <a:t>6/1/2020</a:t>
+              <a:t>12/17/20</a:t>
             </a:fld>
             <a:endParaRPr lang="en-US"/>
           </a:p>
@@ -4368,7 +4369,7 @@
           <a:p>
             <a:fld id="{C86AD16C-2DB4-6642-BAD4-9ED973A087A0}" type="datetimeFigureOut">
               <a:rPr lang="en-US" smtClean="0"/>
-              <a:t>6/1/2020</a:t>
+              <a:t>12/17/20</a:t>
             </a:fld>
             <a:endParaRPr lang="en-US"/>
           </a:p>
@@ -5728,7 +5729,7 @@
           <a:p>
             <a:r>
               <a:rPr lang="en-US"/>
-              <a:t>Copyright © 2020 SPIKE Prime Lessons (primelessons.org) CC-BY-NC-SA.  (Last edit: 5/30/2020)</a:t>
+              <a:t>Copyright © 2020 Prime Lessons (primelessons.org) CC-BY-NC-SA.  (Last edit: 5/30/2020)</a:t>
             </a:r>
             <a:endParaRPr lang="en-US" dirty="0"/>
           </a:p>
@@ -5982,7 +5983,7 @@
           <a:p>
             <a:r>
               <a:rPr lang="en-US"/>
-              <a:t>Copyright © 2020 SPIKE Prime Lessons (primelessons.org) CC-BY-NC-SA.  (Last edit: 5/30/2020)</a:t>
+              <a:t>Copyright © 2020 Prime Lessons (primelessons.org) CC-BY-NC-SA.  (Last edit: 5/30/2020)</a:t>
             </a:r>
             <a:endParaRPr lang="en-US" dirty="0"/>
           </a:p>
@@ -6043,7 +6044,819 @@
 </p:sldLayout>
 </file>
 
-<file path=ppt/slideLayouts/slideLayout2.xml><?xml version="1.0" encoding="utf-8"?>
+<file path=ppt/slideLayouts/slideLayout12.xml><?xml version="1.0" encoding="utf-8"?>
+<p:sldLayout xmlns:a="http://schemas.openxmlformats.org/drawingml/2006/main" xmlns:r="http://schemas.openxmlformats.org/officeDocument/2006/relationships" xmlns:p="http://schemas.openxmlformats.org/presentationml/2006/main" type="title" preserve="1">
+  <p:cSld name="Title Slide">
+    <p:spTree>
+      <p:nvGrpSpPr>
+        <p:cNvPr id="1" name=""/>
+        <p:cNvGrpSpPr/>
+        <p:nvPr/>
+      </p:nvGrpSpPr>
+      <p:grpSpPr>
+        <a:xfrm>
+          <a:off x="0" y="0"/>
+          <a:ext cx="0" cy="0"/>
+          <a:chOff x="0" y="0"/>
+          <a:chExt cx="0" cy="0"/>
+        </a:xfrm>
+      </p:grpSpPr>
+      <p:sp>
+        <p:nvSpPr>
+          <p:cNvPr id="7" name="Rectangle 6"/>
+          <p:cNvSpPr/>
+          <p:nvPr/>
+        </p:nvSpPr>
+        <p:spPr>
+          <a:xfrm>
+            <a:off x="182241" y="2579003"/>
+            <a:ext cx="8787652" cy="2468585"/>
+          </a:xfrm>
+          <a:prstGeom prst="rect">
+            <a:avLst/>
+          </a:prstGeom>
+          <a:solidFill>
+            <a:schemeClr val="accent1"/>
+          </a:solidFill>
+          <a:ln>
+            <a:noFill/>
+          </a:ln>
+          <a:effectLst/>
+        </p:spPr>
+        <p:style>
+          <a:lnRef idx="1">
+            <a:schemeClr val="accent1"/>
+          </a:lnRef>
+          <a:fillRef idx="3">
+            <a:schemeClr val="accent1"/>
+          </a:fillRef>
+          <a:effectRef idx="2">
+            <a:schemeClr val="accent1"/>
+          </a:effectRef>
+          <a:fontRef idx="minor">
+            <a:schemeClr val="lt1"/>
+          </a:fontRef>
+        </p:style>
+      </p:sp>
+      <p:sp>
+        <p:nvSpPr>
+          <p:cNvPr id="2" name="Title 1"/>
+          <p:cNvSpPr>
+            <a:spLocks noGrp="1"/>
+          </p:cNvSpPr>
+          <p:nvPr>
+            <p:ph type="ctrTitle"/>
+          </p:nvPr>
+        </p:nvSpPr>
+        <p:spPr>
+          <a:xfrm>
+            <a:off x="242754" y="2676578"/>
+            <a:ext cx="8584534" cy="1504844"/>
+          </a:xfrm>
+          <a:effectLst/>
+        </p:spPr>
+        <p:txBody>
+          <a:bodyPr anchor="b">
+            <a:normAutofit/>
+          </a:bodyPr>
+          <a:lstStyle>
+            <a:lvl1pPr>
+              <a:defRPr sz="3600">
+                <a:solidFill>
+                  <a:schemeClr val="tx1"/>
+                </a:solidFill>
+              </a:defRPr>
+            </a:lvl1pPr>
+          </a:lstStyle>
+          <a:p>
+            <a:r>
+              <a:rPr lang="en-US"/>
+              <a:t>Click to edit Master title style</a:t>
+            </a:r>
+            <a:endParaRPr lang="en-US" dirty="0"/>
+          </a:p>
+        </p:txBody>
+      </p:sp>
+      <p:sp>
+        <p:nvSpPr>
+          <p:cNvPr id="3" name="Subtitle 2"/>
+          <p:cNvSpPr>
+            <a:spLocks noGrp="1"/>
+          </p:cNvSpPr>
+          <p:nvPr>
+            <p:ph type="subTitle" idx="1" hasCustomPrompt="1"/>
+          </p:nvPr>
+        </p:nvSpPr>
+        <p:spPr>
+          <a:xfrm>
+            <a:off x="316712" y="4176248"/>
+            <a:ext cx="5741894" cy="590321"/>
+          </a:xfrm>
+        </p:spPr>
+        <p:txBody>
+          <a:bodyPr anchor="t">
+            <a:normAutofit/>
+          </a:bodyPr>
+          <a:lstStyle>
+            <a:lvl1pPr marL="0" indent="0" algn="l">
+              <a:buNone/>
+              <a:defRPr sz="1600" cap="all">
+                <a:solidFill>
+                  <a:srgbClr val="0EAE9F"/>
+                </a:solidFill>
+              </a:defRPr>
+            </a:lvl1pPr>
+            <a:lvl2pPr marL="457200" indent="0" algn="ctr">
+              <a:buNone/>
+              <a:defRPr>
+                <a:solidFill>
+                  <a:schemeClr val="tx1">
+                    <a:tint val="75000"/>
+                  </a:schemeClr>
+                </a:solidFill>
+              </a:defRPr>
+            </a:lvl2pPr>
+            <a:lvl3pPr marL="914400" indent="0" algn="ctr">
+              <a:buNone/>
+              <a:defRPr>
+                <a:solidFill>
+                  <a:schemeClr val="tx1">
+                    <a:tint val="75000"/>
+                  </a:schemeClr>
+                </a:solidFill>
+              </a:defRPr>
+            </a:lvl3pPr>
+            <a:lvl4pPr marL="1371600" indent="0" algn="ctr">
+              <a:buNone/>
+              <a:defRPr>
+                <a:solidFill>
+                  <a:schemeClr val="tx1">
+                    <a:tint val="75000"/>
+                  </a:schemeClr>
+                </a:solidFill>
+              </a:defRPr>
+            </a:lvl4pPr>
+            <a:lvl5pPr marL="1828800" indent="0" algn="ctr">
+              <a:buNone/>
+              <a:defRPr>
+                <a:solidFill>
+                  <a:schemeClr val="tx1">
+                    <a:tint val="75000"/>
+                  </a:schemeClr>
+                </a:solidFill>
+              </a:defRPr>
+            </a:lvl5pPr>
+            <a:lvl6pPr marL="2286000" indent="0" algn="ctr">
+              <a:buNone/>
+              <a:defRPr>
+                <a:solidFill>
+                  <a:schemeClr val="tx1">
+                    <a:tint val="75000"/>
+                  </a:schemeClr>
+                </a:solidFill>
+              </a:defRPr>
+            </a:lvl6pPr>
+            <a:lvl7pPr marL="2743200" indent="0" algn="ctr">
+              <a:buNone/>
+              <a:defRPr>
+                <a:solidFill>
+                  <a:schemeClr val="tx1">
+                    <a:tint val="75000"/>
+                  </a:schemeClr>
+                </a:solidFill>
+              </a:defRPr>
+            </a:lvl7pPr>
+            <a:lvl8pPr marL="3200400" indent="0" algn="ctr">
+              <a:buNone/>
+              <a:defRPr>
+                <a:solidFill>
+                  <a:schemeClr val="tx1">
+                    <a:tint val="75000"/>
+                  </a:schemeClr>
+                </a:solidFill>
+              </a:defRPr>
+            </a:lvl8pPr>
+            <a:lvl9pPr marL="3657600" indent="0" algn="ctr">
+              <a:buNone/>
+              <a:defRPr>
+                <a:solidFill>
+                  <a:schemeClr val="tx1">
+                    <a:tint val="75000"/>
+                  </a:schemeClr>
+                </a:solidFill>
+              </a:defRPr>
+            </a:lvl9pPr>
+          </a:lstStyle>
+          <a:p>
+            <a:r>
+              <a:rPr lang="en-US" dirty="0"/>
+              <a:t>By Sanjay and Arvind Seshan</a:t>
+            </a:r>
+          </a:p>
+        </p:txBody>
+      </p:sp>
+      <p:sp>
+        <p:nvSpPr>
+          <p:cNvPr id="8" name="Subtitle 1">
+            <a:extLst>
+              <a:ext uri="{FF2B5EF4-FFF2-40B4-BE49-F238E27FC236}">
+                <a16:creationId xmlns:a16="http://schemas.microsoft.com/office/drawing/2014/main" id="{227F28FB-346D-45F5-A52C-A1B7DBC13191}"/>
+              </a:ext>
+            </a:extLst>
+          </p:cNvPr>
+          <p:cNvSpPr txBox="1">
+            <a:spLocks/>
+          </p:cNvSpPr>
+          <p:nvPr/>
+        </p:nvSpPr>
+        <p:spPr>
+          <a:xfrm>
+            <a:off x="4808377" y="357846"/>
+            <a:ext cx="4161516" cy="509489"/>
+          </a:xfrm>
+          <a:prstGeom prst="rect">
+            <a:avLst/>
+          </a:prstGeom>
+        </p:spPr>
+        <p:txBody>
+          <a:bodyPr vert="horz" lIns="91440" tIns="45720" rIns="91440" bIns="45720" rtlCol="0" anchor="t">
+            <a:normAutofit fontScale="92500" lnSpcReduction="10000"/>
+          </a:bodyPr>
+          <a:lstStyle>
+            <a:lvl1pPr marL="306000" indent="-306000" algn="l" defTabSz="457200" rtl="0" eaLnBrk="1" latinLnBrk="0" hangingPunct="1">
+              <a:spcBef>
+                <a:spcPct val="20000"/>
+              </a:spcBef>
+              <a:spcAft>
+                <a:spcPts val="600"/>
+              </a:spcAft>
+              <a:buClr>
+                <a:schemeClr val="accent2"/>
+              </a:buClr>
+              <a:buSzPct val="92000"/>
+              <a:buFont typeface="Wingdings 2" charset="2"/>
+              <a:buChar char=""/>
+              <a:defRPr sz="1800" kern="1200">
+                <a:solidFill>
+                  <a:schemeClr val="tx2"/>
+                </a:solidFill>
+                <a:latin typeface="+mn-lt"/>
+                <a:ea typeface="+mn-ea"/>
+                <a:cs typeface="+mn-cs"/>
+              </a:defRPr>
+            </a:lvl1pPr>
+            <a:lvl2pPr marL="630000" indent="-306000" algn="l" defTabSz="457200" rtl="0" eaLnBrk="1" latinLnBrk="0" hangingPunct="1">
+              <a:spcBef>
+                <a:spcPct val="20000"/>
+              </a:spcBef>
+              <a:spcAft>
+                <a:spcPts val="600"/>
+              </a:spcAft>
+              <a:buClr>
+                <a:schemeClr val="accent2"/>
+              </a:buClr>
+              <a:buSzPct val="92000"/>
+              <a:buFont typeface="Wingdings 2" charset="2"/>
+              <a:buChar char=""/>
+              <a:defRPr sz="1600" kern="1200">
+                <a:solidFill>
+                  <a:schemeClr val="tx2"/>
+                </a:solidFill>
+                <a:latin typeface="+mn-lt"/>
+                <a:ea typeface="+mn-ea"/>
+                <a:cs typeface="+mn-cs"/>
+              </a:defRPr>
+            </a:lvl2pPr>
+            <a:lvl3pPr marL="900000" indent="-270000" algn="l" defTabSz="457200" rtl="0" eaLnBrk="1" latinLnBrk="0" hangingPunct="1">
+              <a:spcBef>
+                <a:spcPct val="20000"/>
+              </a:spcBef>
+              <a:spcAft>
+                <a:spcPts val="600"/>
+              </a:spcAft>
+              <a:buClr>
+                <a:schemeClr val="accent2"/>
+              </a:buClr>
+              <a:buSzPct val="92000"/>
+              <a:buFont typeface="Wingdings 2" charset="2"/>
+              <a:buChar char=""/>
+              <a:defRPr sz="1400" kern="1200">
+                <a:solidFill>
+                  <a:schemeClr val="tx2"/>
+                </a:solidFill>
+                <a:latin typeface="+mn-lt"/>
+                <a:ea typeface="+mn-ea"/>
+                <a:cs typeface="+mn-cs"/>
+              </a:defRPr>
+            </a:lvl3pPr>
+            <a:lvl4pPr marL="1242000" indent="-234000" algn="l" defTabSz="457200" rtl="0" eaLnBrk="1" latinLnBrk="0" hangingPunct="1">
+              <a:spcBef>
+                <a:spcPct val="20000"/>
+              </a:spcBef>
+              <a:spcAft>
+                <a:spcPts val="600"/>
+              </a:spcAft>
+              <a:buClr>
+                <a:schemeClr val="accent2"/>
+              </a:buClr>
+              <a:buSzPct val="92000"/>
+              <a:buFont typeface="Wingdings 2" charset="2"/>
+              <a:buChar char=""/>
+              <a:defRPr sz="1200" kern="1200">
+                <a:solidFill>
+                  <a:schemeClr val="tx2"/>
+                </a:solidFill>
+                <a:latin typeface="+mn-lt"/>
+                <a:ea typeface="+mn-ea"/>
+                <a:cs typeface="+mn-cs"/>
+              </a:defRPr>
+            </a:lvl4pPr>
+            <a:lvl5pPr marL="1602000" indent="-234000" algn="l" defTabSz="457200" rtl="0" eaLnBrk="1" latinLnBrk="0" hangingPunct="1">
+              <a:spcBef>
+                <a:spcPct val="20000"/>
+              </a:spcBef>
+              <a:spcAft>
+                <a:spcPts val="600"/>
+              </a:spcAft>
+              <a:buClr>
+                <a:schemeClr val="accent2"/>
+              </a:buClr>
+              <a:buSzPct val="92000"/>
+              <a:buFont typeface="Wingdings 2" charset="2"/>
+              <a:buChar char=""/>
+              <a:defRPr sz="1200" kern="1200">
+                <a:solidFill>
+                  <a:schemeClr val="tx2"/>
+                </a:solidFill>
+                <a:latin typeface="+mn-lt"/>
+                <a:ea typeface="+mn-ea"/>
+                <a:cs typeface="+mn-cs"/>
+              </a:defRPr>
+            </a:lvl5pPr>
+            <a:lvl6pPr marL="1900000" indent="-228600" algn="l" defTabSz="457200" rtl="0" eaLnBrk="1" latinLnBrk="0" hangingPunct="1">
+              <a:spcBef>
+                <a:spcPct val="20000"/>
+              </a:spcBef>
+              <a:spcAft>
+                <a:spcPts val="600"/>
+              </a:spcAft>
+              <a:buClr>
+                <a:schemeClr val="accent2"/>
+              </a:buClr>
+              <a:buSzPct val="92000"/>
+              <a:buFont typeface="Wingdings 2" charset="2"/>
+              <a:buChar char=""/>
+              <a:defRPr sz="1200" kern="1200">
+                <a:solidFill>
+                  <a:schemeClr val="tx2"/>
+                </a:solidFill>
+                <a:latin typeface="+mn-lt"/>
+                <a:ea typeface="+mn-ea"/>
+                <a:cs typeface="+mn-cs"/>
+              </a:defRPr>
+            </a:lvl6pPr>
+            <a:lvl7pPr marL="2200000" indent="-228600" algn="l" defTabSz="457200" rtl="0" eaLnBrk="1" latinLnBrk="0" hangingPunct="1">
+              <a:spcBef>
+                <a:spcPct val="20000"/>
+              </a:spcBef>
+              <a:spcAft>
+                <a:spcPts val="600"/>
+              </a:spcAft>
+              <a:buClr>
+                <a:schemeClr val="accent2"/>
+              </a:buClr>
+              <a:buSzPct val="92000"/>
+              <a:buFont typeface="Wingdings 2" charset="2"/>
+              <a:buChar char=""/>
+              <a:defRPr sz="1200" kern="1200">
+                <a:solidFill>
+                  <a:schemeClr val="tx2"/>
+                </a:solidFill>
+                <a:latin typeface="+mn-lt"/>
+                <a:ea typeface="+mn-ea"/>
+                <a:cs typeface="+mn-cs"/>
+              </a:defRPr>
+            </a:lvl7pPr>
+            <a:lvl8pPr marL="2500000" indent="-228600" algn="l" defTabSz="457200" rtl="0" eaLnBrk="1" latinLnBrk="0" hangingPunct="1">
+              <a:spcBef>
+                <a:spcPct val="20000"/>
+              </a:spcBef>
+              <a:spcAft>
+                <a:spcPts val="600"/>
+              </a:spcAft>
+              <a:buClr>
+                <a:schemeClr val="accent2"/>
+              </a:buClr>
+              <a:buSzPct val="92000"/>
+              <a:buFont typeface="Wingdings 2" charset="2"/>
+              <a:buChar char=""/>
+              <a:defRPr sz="1200" kern="1200">
+                <a:solidFill>
+                  <a:schemeClr val="tx2"/>
+                </a:solidFill>
+                <a:latin typeface="+mn-lt"/>
+                <a:ea typeface="+mn-ea"/>
+                <a:cs typeface="+mn-cs"/>
+              </a:defRPr>
+            </a:lvl8pPr>
+            <a:lvl9pPr marL="2800000" indent="-228600" algn="l" defTabSz="457200" rtl="0" eaLnBrk="1" latinLnBrk="0" hangingPunct="1">
+              <a:spcBef>
+                <a:spcPct val="20000"/>
+              </a:spcBef>
+              <a:spcAft>
+                <a:spcPts val="600"/>
+              </a:spcAft>
+              <a:buClr>
+                <a:schemeClr val="accent2"/>
+              </a:buClr>
+              <a:buSzPct val="92000"/>
+              <a:buFont typeface="Wingdings 2" panose="05020102010507070707" pitchFamily="18" charset="2"/>
+              <a:buChar char=""/>
+              <a:defRPr sz="1200" kern="1200">
+                <a:solidFill>
+                  <a:schemeClr val="tx2"/>
+                </a:solidFill>
+                <a:latin typeface="+mn-lt"/>
+                <a:ea typeface="+mn-ea"/>
+                <a:cs typeface="+mn-cs"/>
+              </a:defRPr>
+            </a:lvl9pPr>
+          </a:lstStyle>
+          <a:p>
+            <a:pPr marL="0" indent="0" algn="r">
+              <a:buNone/>
+            </a:pPr>
+            <a:r>
+              <a:rPr lang="en-US" sz="3200" dirty="0"/>
+              <a:t>PRIME LESSONS</a:t>
+            </a:r>
+          </a:p>
+        </p:txBody>
+      </p:sp>
+      <p:sp>
+        <p:nvSpPr>
+          <p:cNvPr id="11" name="TextBox 10">
+            <a:extLst>
+              <a:ext uri="{FF2B5EF4-FFF2-40B4-BE49-F238E27FC236}">
+                <a16:creationId xmlns:a16="http://schemas.microsoft.com/office/drawing/2014/main" id="{8613C618-BE4E-4AD7-9CD9-0AB9F17BD5D4}"/>
+              </a:ext>
+            </a:extLst>
+          </p:cNvPr>
+          <p:cNvSpPr txBox="1"/>
+          <p:nvPr/>
+        </p:nvSpPr>
+        <p:spPr>
+          <a:xfrm>
+            <a:off x="6331000" y="685891"/>
+            <a:ext cx="2440110" cy="307777"/>
+          </a:xfrm>
+          <a:prstGeom prst="rect">
+            <a:avLst/>
+          </a:prstGeom>
+          <a:noFill/>
+        </p:spPr>
+        <p:txBody>
+          <a:bodyPr wrap="square" rtlCol="0">
+            <a:spAutoFit/>
+          </a:bodyPr>
+          <a:lstStyle/>
+          <a:p>
+            <a:pPr marL="0" marR="0" lvl="0" indent="0" algn="ctr" defTabSz="914400" rtl="0" eaLnBrk="1" fontAlgn="auto" latinLnBrk="0" hangingPunct="1">
+              <a:lnSpc>
+                <a:spcPct val="100000"/>
+              </a:lnSpc>
+              <a:spcBef>
+                <a:spcPts val="0"/>
+              </a:spcBef>
+              <a:spcAft>
+                <a:spcPts val="0"/>
+              </a:spcAft>
+              <a:buClrTx/>
+              <a:buSzTx/>
+              <a:buFontTx/>
+              <a:buNone/>
+              <a:tabLst/>
+              <a:defRPr/>
+            </a:pPr>
+            <a:r>
+              <a:rPr lang="en-US" sz="1400" dirty="0"/>
+              <a:t>By the Makers of EV3Lessons</a:t>
+            </a:r>
+          </a:p>
+        </p:txBody>
+      </p:sp>
+      <p:pic>
+        <p:nvPicPr>
+          <p:cNvPr id="18" name="Picture 17" descr="A picture containing application&#10;&#10;Description automatically generated">
+            <a:extLst>
+              <a:ext uri="{FF2B5EF4-FFF2-40B4-BE49-F238E27FC236}">
+                <a16:creationId xmlns:a16="http://schemas.microsoft.com/office/drawing/2014/main" id="{69DF8FC2-9ED1-BB44-8E96-5B069F6C6497}"/>
+              </a:ext>
+            </a:extLst>
+          </p:cNvPr>
+          <p:cNvPicPr>
+            <a:picLocks noChangeAspect="1"/>
+          </p:cNvPicPr>
+          <p:nvPr/>
+        </p:nvPicPr>
+        <p:blipFill>
+          <a:blip r:embed="rId2"/>
+          <a:stretch>
+            <a:fillRect/>
+          </a:stretch>
+        </p:blipFill>
+        <p:spPr>
+          <a:xfrm>
+            <a:off x="7612649" y="993668"/>
+            <a:ext cx="1158461" cy="1158461"/>
+          </a:xfrm>
+          <a:prstGeom prst="rect">
+            <a:avLst/>
+          </a:prstGeom>
+        </p:spPr>
+      </p:pic>
+      <p:pic>
+        <p:nvPicPr>
+          <p:cNvPr id="19" name="Picture 18" descr="Shape, square&#10;&#10;Description automatically generated">
+            <a:extLst>
+              <a:ext uri="{FF2B5EF4-FFF2-40B4-BE49-F238E27FC236}">
+                <a16:creationId xmlns:a16="http://schemas.microsoft.com/office/drawing/2014/main" id="{2D46D815-081F-064A-AFA6-098A6E7A3DD2}"/>
+              </a:ext>
+            </a:extLst>
+          </p:cNvPr>
+          <p:cNvPicPr>
+            <a:picLocks noChangeAspect="1"/>
+          </p:cNvPicPr>
+          <p:nvPr/>
+        </p:nvPicPr>
+        <p:blipFill>
+          <a:blip r:embed="rId3"/>
+          <a:stretch>
+            <a:fillRect/>
+          </a:stretch>
+        </p:blipFill>
+        <p:spPr>
+          <a:xfrm>
+            <a:off x="6399647" y="993669"/>
+            <a:ext cx="1158461" cy="1158461"/>
+          </a:xfrm>
+          <a:prstGeom prst="rect">
+            <a:avLst/>
+          </a:prstGeom>
+        </p:spPr>
+      </p:pic>
+      <p:sp>
+        <p:nvSpPr>
+          <p:cNvPr id="9" name="Subtitle 1">
+            <a:extLst>
+              <a:ext uri="{FF2B5EF4-FFF2-40B4-BE49-F238E27FC236}">
+                <a16:creationId xmlns:a16="http://schemas.microsoft.com/office/drawing/2014/main" id="{902D65C5-139B-A049-8C50-A59153ABB8CB}"/>
+              </a:ext>
+            </a:extLst>
+          </p:cNvPr>
+          <p:cNvSpPr txBox="1">
+            <a:spLocks/>
+          </p:cNvSpPr>
+          <p:nvPr userDrawn="1"/>
+        </p:nvSpPr>
+        <p:spPr>
+          <a:xfrm>
+            <a:off x="4808377" y="357846"/>
+            <a:ext cx="4161516" cy="509489"/>
+          </a:xfrm>
+          <a:prstGeom prst="rect">
+            <a:avLst/>
+          </a:prstGeom>
+        </p:spPr>
+        <p:txBody>
+          <a:bodyPr vert="horz" lIns="91440" tIns="45720" rIns="91440" bIns="45720" rtlCol="0" anchor="t">
+            <a:normAutofit fontScale="92500" lnSpcReduction="10000"/>
+          </a:bodyPr>
+          <a:lstStyle>
+            <a:lvl1pPr marL="306000" indent="-306000" algn="l" defTabSz="457200" rtl="0" eaLnBrk="1" latinLnBrk="0" hangingPunct="1">
+              <a:spcBef>
+                <a:spcPct val="20000"/>
+              </a:spcBef>
+              <a:spcAft>
+                <a:spcPts val="600"/>
+              </a:spcAft>
+              <a:buClr>
+                <a:schemeClr val="accent2"/>
+              </a:buClr>
+              <a:buSzPct val="92000"/>
+              <a:buFont typeface="Wingdings 2" charset="2"/>
+              <a:buChar char=""/>
+              <a:defRPr sz="1800" kern="1200">
+                <a:solidFill>
+                  <a:schemeClr val="tx2"/>
+                </a:solidFill>
+                <a:latin typeface="+mn-lt"/>
+                <a:ea typeface="+mn-ea"/>
+                <a:cs typeface="+mn-cs"/>
+              </a:defRPr>
+            </a:lvl1pPr>
+            <a:lvl2pPr marL="630000" indent="-306000" algn="l" defTabSz="457200" rtl="0" eaLnBrk="1" latinLnBrk="0" hangingPunct="1">
+              <a:spcBef>
+                <a:spcPct val="20000"/>
+              </a:spcBef>
+              <a:spcAft>
+                <a:spcPts val="600"/>
+              </a:spcAft>
+              <a:buClr>
+                <a:schemeClr val="accent2"/>
+              </a:buClr>
+              <a:buSzPct val="92000"/>
+              <a:buFont typeface="Wingdings 2" charset="2"/>
+              <a:buChar char=""/>
+              <a:defRPr sz="1600" kern="1200">
+                <a:solidFill>
+                  <a:schemeClr val="tx2"/>
+                </a:solidFill>
+                <a:latin typeface="+mn-lt"/>
+                <a:ea typeface="+mn-ea"/>
+                <a:cs typeface="+mn-cs"/>
+              </a:defRPr>
+            </a:lvl2pPr>
+            <a:lvl3pPr marL="900000" indent="-270000" algn="l" defTabSz="457200" rtl="0" eaLnBrk="1" latinLnBrk="0" hangingPunct="1">
+              <a:spcBef>
+                <a:spcPct val="20000"/>
+              </a:spcBef>
+              <a:spcAft>
+                <a:spcPts val="600"/>
+              </a:spcAft>
+              <a:buClr>
+                <a:schemeClr val="accent2"/>
+              </a:buClr>
+              <a:buSzPct val="92000"/>
+              <a:buFont typeface="Wingdings 2" charset="2"/>
+              <a:buChar char=""/>
+              <a:defRPr sz="1400" kern="1200">
+                <a:solidFill>
+                  <a:schemeClr val="tx2"/>
+                </a:solidFill>
+                <a:latin typeface="+mn-lt"/>
+                <a:ea typeface="+mn-ea"/>
+                <a:cs typeface="+mn-cs"/>
+              </a:defRPr>
+            </a:lvl3pPr>
+            <a:lvl4pPr marL="1242000" indent="-234000" algn="l" defTabSz="457200" rtl="0" eaLnBrk="1" latinLnBrk="0" hangingPunct="1">
+              <a:spcBef>
+                <a:spcPct val="20000"/>
+              </a:spcBef>
+              <a:spcAft>
+                <a:spcPts val="600"/>
+              </a:spcAft>
+              <a:buClr>
+                <a:schemeClr val="accent2"/>
+              </a:buClr>
+              <a:buSzPct val="92000"/>
+              <a:buFont typeface="Wingdings 2" charset="2"/>
+              <a:buChar char=""/>
+              <a:defRPr sz="1200" kern="1200">
+                <a:solidFill>
+                  <a:schemeClr val="tx2"/>
+                </a:solidFill>
+                <a:latin typeface="+mn-lt"/>
+                <a:ea typeface="+mn-ea"/>
+                <a:cs typeface="+mn-cs"/>
+              </a:defRPr>
+            </a:lvl4pPr>
+            <a:lvl5pPr marL="1602000" indent="-234000" algn="l" defTabSz="457200" rtl="0" eaLnBrk="1" latinLnBrk="0" hangingPunct="1">
+              <a:spcBef>
+                <a:spcPct val="20000"/>
+              </a:spcBef>
+              <a:spcAft>
+                <a:spcPts val="600"/>
+              </a:spcAft>
+              <a:buClr>
+                <a:schemeClr val="accent2"/>
+              </a:buClr>
+              <a:buSzPct val="92000"/>
+              <a:buFont typeface="Wingdings 2" charset="2"/>
+              <a:buChar char=""/>
+              <a:defRPr sz="1200" kern="1200">
+                <a:solidFill>
+                  <a:schemeClr val="tx2"/>
+                </a:solidFill>
+                <a:latin typeface="+mn-lt"/>
+                <a:ea typeface="+mn-ea"/>
+                <a:cs typeface="+mn-cs"/>
+              </a:defRPr>
+            </a:lvl5pPr>
+            <a:lvl6pPr marL="1900000" indent="-228600" algn="l" defTabSz="457200" rtl="0" eaLnBrk="1" latinLnBrk="0" hangingPunct="1">
+              <a:spcBef>
+                <a:spcPct val="20000"/>
+              </a:spcBef>
+              <a:spcAft>
+                <a:spcPts val="600"/>
+              </a:spcAft>
+              <a:buClr>
+                <a:schemeClr val="accent2"/>
+              </a:buClr>
+              <a:buSzPct val="92000"/>
+              <a:buFont typeface="Wingdings 2" charset="2"/>
+              <a:buChar char=""/>
+              <a:defRPr sz="1200" kern="1200">
+                <a:solidFill>
+                  <a:schemeClr val="tx2"/>
+                </a:solidFill>
+                <a:latin typeface="+mn-lt"/>
+                <a:ea typeface="+mn-ea"/>
+                <a:cs typeface="+mn-cs"/>
+              </a:defRPr>
+            </a:lvl6pPr>
+            <a:lvl7pPr marL="2200000" indent="-228600" algn="l" defTabSz="457200" rtl="0" eaLnBrk="1" latinLnBrk="0" hangingPunct="1">
+              <a:spcBef>
+                <a:spcPct val="20000"/>
+              </a:spcBef>
+              <a:spcAft>
+                <a:spcPts val="600"/>
+              </a:spcAft>
+              <a:buClr>
+                <a:schemeClr val="accent2"/>
+              </a:buClr>
+              <a:buSzPct val="92000"/>
+              <a:buFont typeface="Wingdings 2" charset="2"/>
+              <a:buChar char=""/>
+              <a:defRPr sz="1200" kern="1200">
+                <a:solidFill>
+                  <a:schemeClr val="tx2"/>
+                </a:solidFill>
+                <a:latin typeface="+mn-lt"/>
+                <a:ea typeface="+mn-ea"/>
+                <a:cs typeface="+mn-cs"/>
+              </a:defRPr>
+            </a:lvl7pPr>
+            <a:lvl8pPr marL="2500000" indent="-228600" algn="l" defTabSz="457200" rtl="0" eaLnBrk="1" latinLnBrk="0" hangingPunct="1">
+              <a:spcBef>
+                <a:spcPct val="20000"/>
+              </a:spcBef>
+              <a:spcAft>
+                <a:spcPts val="600"/>
+              </a:spcAft>
+              <a:buClr>
+                <a:schemeClr val="accent2"/>
+              </a:buClr>
+              <a:buSzPct val="92000"/>
+              <a:buFont typeface="Wingdings 2" charset="2"/>
+              <a:buChar char=""/>
+              <a:defRPr sz="1200" kern="1200">
+                <a:solidFill>
+                  <a:schemeClr val="tx2"/>
+                </a:solidFill>
+                <a:latin typeface="+mn-lt"/>
+                <a:ea typeface="+mn-ea"/>
+                <a:cs typeface="+mn-cs"/>
+              </a:defRPr>
+            </a:lvl8pPr>
+            <a:lvl9pPr marL="2800000" indent="-228600" algn="l" defTabSz="457200" rtl="0" eaLnBrk="1" latinLnBrk="0" hangingPunct="1">
+              <a:spcBef>
+                <a:spcPct val="20000"/>
+              </a:spcBef>
+              <a:spcAft>
+                <a:spcPts val="600"/>
+              </a:spcAft>
+              <a:buClr>
+                <a:schemeClr val="accent2"/>
+              </a:buClr>
+              <a:buSzPct val="92000"/>
+              <a:buFont typeface="Wingdings 2" panose="05020102010507070707" pitchFamily="18" charset="2"/>
+              <a:buChar char=""/>
+              <a:defRPr sz="1200" kern="1200">
+                <a:solidFill>
+                  <a:schemeClr val="tx2"/>
+                </a:solidFill>
+                <a:latin typeface="+mn-lt"/>
+                <a:ea typeface="+mn-ea"/>
+                <a:cs typeface="+mn-cs"/>
+              </a:defRPr>
+            </a:lvl9pPr>
+          </a:lstStyle>
+          <a:p>
+            <a:pPr marL="0" indent="0" algn="r">
+              <a:buNone/>
+            </a:pPr>
+            <a:r>
+              <a:rPr lang="en-US" sz="3200" dirty="0"/>
+              <a:t>PRIME LESSONS</a:t>
+            </a:r>
+          </a:p>
+        </p:txBody>
+      </p:sp>
+    </p:spTree>
+    <p:extLst>
+      <p:ext uri="{BB962C8B-B14F-4D97-AF65-F5344CB8AC3E}">
+        <p14:creationId xmlns:p14="http://schemas.microsoft.com/office/powerpoint/2010/main" val="1103689401"/>
+      </p:ext>
+    </p:extLst>
+  </p:cSld>
+  <p:clrMapOvr>
+    <a:masterClrMapping/>
+  </p:clrMapOvr>
+</p:sldLayout>
+</file>
+
+<file path=ppt/slideLayouts/slideLayout13.xml><?xml version="1.0" encoding="utf-8"?>
 <p:sldLayout xmlns:a="http://schemas.openxmlformats.org/drawingml/2006/main" xmlns:r="http://schemas.openxmlformats.org/officeDocument/2006/relationships" xmlns:p="http://schemas.openxmlformats.org/presentationml/2006/main" type="obj" preserve="1">
   <p:cSld name="Title and Content">
     <p:spTree>
@@ -6135,9 +6948,10 @@
           </a:lstStyle>
           <a:p>
             <a:r>
-              <a:rPr lang="en-US" dirty="0"/>
+              <a:rPr lang="en-US"/>
               <a:t>Click to edit Master title style</a:t>
             </a:r>
+            <a:endParaRPr lang="en-US" dirty="0"/>
           </a:p>
         </p:txBody>
       </p:sp>
@@ -6163,37 +6977,38 @@
           <a:p>
             <a:pPr lvl="0"/>
             <a:r>
-              <a:rPr lang="en-US" dirty="0"/>
+              <a:rPr lang="en-US"/>
               <a:t>Click to edit Master text styles</a:t>
             </a:r>
           </a:p>
           <a:p>
             <a:pPr lvl="1"/>
             <a:r>
-              <a:rPr lang="en-US" dirty="0"/>
+              <a:rPr lang="en-US"/>
               <a:t>Second level</a:t>
             </a:r>
           </a:p>
           <a:p>
             <a:pPr lvl="2"/>
             <a:r>
-              <a:rPr lang="en-US" dirty="0"/>
+              <a:rPr lang="en-US"/>
               <a:t>Third level</a:t>
             </a:r>
           </a:p>
           <a:p>
             <a:pPr lvl="3"/>
             <a:r>
-              <a:rPr lang="en-US" dirty="0"/>
+              <a:rPr lang="en-US"/>
               <a:t>Fourth level</a:t>
             </a:r>
           </a:p>
           <a:p>
             <a:pPr lvl="4"/>
             <a:r>
-              <a:rPr lang="en-US" dirty="0"/>
+              <a:rPr lang="en-US"/>
               <a:t>Fifth level</a:t>
             </a:r>
+            <a:endParaRPr lang="en-US" dirty="0"/>
           </a:p>
         </p:txBody>
       </p:sp>
@@ -6209,7 +7024,7 @@
         </p:nvSpPr>
         <p:spPr>
           <a:xfrm>
-            <a:off x="88409" y="6321349"/>
+            <a:off x="88409" y="6320275"/>
             <a:ext cx="4870585" cy="365125"/>
           </a:xfrm>
           <a:prstGeom prst="rect">
@@ -6226,7 +7041,7 @@
           <a:p>
             <a:r>
               <a:rPr lang="en-US"/>
-              <a:t>Copyright © 2020 SPIKE Prime Lessons (primelessons.org) CC-BY-NC-SA.  (Last edit: 5/30/2020)</a:t>
+              <a:t>Copyright © 2020 Prime Lessons (primelessons.org) CC-BY-NC-SA.  (Last edit: 5/30/2020)</a:t>
             </a:r>
             <a:endParaRPr lang="en-US" dirty="0"/>
           </a:p>
@@ -6244,7 +7059,7 @@
         </p:nvSpPr>
         <p:spPr>
           <a:xfrm>
-            <a:off x="8236372" y="6317217"/>
+            <a:off x="8236372" y="6316501"/>
             <a:ext cx="770468" cy="365125"/>
           </a:xfrm>
           <a:prstGeom prst="rect">
@@ -6269,6 +7084,42 @@
             <a:extLst>
               <a:ext uri="{FF2B5EF4-FFF2-40B4-BE49-F238E27FC236}">
                 <a16:creationId xmlns:a16="http://schemas.microsoft.com/office/drawing/2014/main" id="{D59C872A-C57F-4B1F-AFD0-FDF125C3C485}"/>
+              </a:ext>
+            </a:extLst>
+          </p:cNvPr>
+          <p:cNvCxnSpPr/>
+          <p:nvPr/>
+        </p:nvCxnSpPr>
+        <p:spPr>
+          <a:xfrm>
+            <a:off x="175260" y="6316935"/>
+            <a:ext cx="8831580" cy="0"/>
+          </a:xfrm>
+          <a:prstGeom prst="line">
+            <a:avLst/>
+          </a:prstGeom>
+        </p:spPr>
+        <p:style>
+          <a:lnRef idx="1">
+            <a:schemeClr val="dk1"/>
+          </a:lnRef>
+          <a:fillRef idx="0">
+            <a:schemeClr val="dk1"/>
+          </a:fillRef>
+          <a:effectRef idx="0">
+            <a:schemeClr val="dk1"/>
+          </a:effectRef>
+          <a:fontRef idx="minor">
+            <a:schemeClr val="tx1"/>
+          </a:fontRef>
+        </p:style>
+      </p:cxnSp>
+      <p:cxnSp>
+        <p:nvCxnSpPr>
+          <p:cNvPr id="8" name="Straight Connector 7">
+            <a:extLst>
+              <a:ext uri="{FF2B5EF4-FFF2-40B4-BE49-F238E27FC236}">
+                <a16:creationId xmlns:a16="http://schemas.microsoft.com/office/drawing/2014/main" id="{18571657-54E6-7044-9D02-CEB2751AF9CB}"/>
               </a:ext>
             </a:extLst>
           </p:cNvPr>
@@ -6302,7 +7153,7 @@
     </p:spTree>
     <p:extLst>
       <p:ext uri="{BB962C8B-B14F-4D97-AF65-F5344CB8AC3E}">
-        <p14:creationId xmlns:p14="http://schemas.microsoft.com/office/powerpoint/2010/main" val="1447926402"/>
+        <p14:creationId xmlns:p14="http://schemas.microsoft.com/office/powerpoint/2010/main" val="681096576"/>
       </p:ext>
     </p:extLst>
   </p:cSld>
@@ -6312,7 +7163,7 @@
 </p:sldLayout>
 </file>
 
-<file path=ppt/slideLayouts/slideLayout3.xml><?xml version="1.0" encoding="utf-8"?>
+<file path=ppt/slideLayouts/slideLayout14.xml><?xml version="1.0" encoding="utf-8"?>
 <p:sldLayout xmlns:a="http://schemas.openxmlformats.org/drawingml/2006/main" xmlns:r="http://schemas.openxmlformats.org/officeDocument/2006/relationships" xmlns:p="http://schemas.openxmlformats.org/presentationml/2006/main" type="secHead" preserve="1">
   <p:cSld name="Section Header">
     <p:spTree>
@@ -6599,7 +7450,7 @@
           <a:p>
             <a:r>
               <a:rPr lang="en-US"/>
-              <a:t>Copyright © 2020 SPIKE Prime Lessons (primelessons.org) CC-BY-NC-SA.  (Last edit: 5/30/2020)</a:t>
+              <a:t>Copyright © 2020 Prime Lessons (primelessons.org) CC-BY-NC-SA.  (Last edit: 5/30/2020)</a:t>
             </a:r>
             <a:endParaRPr lang="en-US" dirty="0"/>
           </a:p>
@@ -6659,7 +7510,7 @@
           <p:cNvSpPr>
             <a:spLocks noChangeAspect="1"/>
           </p:cNvSpPr>
-          <p:nvPr userDrawn="1"/>
+          <p:nvPr/>
         </p:nvSpPr>
         <p:spPr>
           <a:xfrm>
@@ -6711,7 +7562,7 @@
           <p:cNvSpPr txBox="1">
             <a:spLocks/>
           </p:cNvSpPr>
-          <p:nvPr userDrawn="1"/>
+          <p:nvPr/>
         </p:nvSpPr>
         <p:spPr>
           <a:xfrm>
@@ -6807,10 +7658,170 @@
           </a:p>
         </p:txBody>
       </p:sp>
+      <p:sp>
+        <p:nvSpPr>
+          <p:cNvPr id="10" name="Rectangle 9">
+            <a:extLst>
+              <a:ext uri="{FF2B5EF4-FFF2-40B4-BE49-F238E27FC236}">
+                <a16:creationId xmlns:a16="http://schemas.microsoft.com/office/drawing/2014/main" id="{44FB5753-91F0-494F-AC82-7DB0CC32F7C8}"/>
+              </a:ext>
+            </a:extLst>
+          </p:cNvPr>
+          <p:cNvSpPr>
+            <a:spLocks noChangeAspect="1"/>
+          </p:cNvSpPr>
+          <p:nvPr userDrawn="1"/>
+        </p:nvSpPr>
+        <p:spPr>
+          <a:xfrm>
+            <a:off x="142200" y="249101"/>
+            <a:ext cx="8831579" cy="840455"/>
+          </a:xfrm>
+          <a:prstGeom prst="rect">
+            <a:avLst/>
+          </a:prstGeom>
+          <a:solidFill>
+            <a:schemeClr val="accent1"/>
+          </a:solidFill>
+          <a:ln>
+            <a:noFill/>
+          </a:ln>
+          <a:effectLst/>
+        </p:spPr>
+        <p:style>
+          <a:lnRef idx="1">
+            <a:schemeClr val="accent1"/>
+          </a:lnRef>
+          <a:fillRef idx="3">
+            <a:schemeClr val="accent1"/>
+          </a:fillRef>
+          <a:effectRef idx="2">
+            <a:schemeClr val="accent1"/>
+          </a:effectRef>
+          <a:fontRef idx="minor">
+            <a:schemeClr val="lt1"/>
+          </a:fontRef>
+        </p:style>
+        <p:txBody>
+          <a:bodyPr/>
+          <a:lstStyle/>
+          <a:p>
+            <a:endParaRPr lang="en-US" dirty="0"/>
+          </a:p>
+        </p:txBody>
+      </p:sp>
+      <p:sp>
+        <p:nvSpPr>
+          <p:cNvPr id="13" name="Title 1">
+            <a:extLst>
+              <a:ext uri="{FF2B5EF4-FFF2-40B4-BE49-F238E27FC236}">
+                <a16:creationId xmlns:a16="http://schemas.microsoft.com/office/drawing/2014/main" id="{AC2F35BE-BB11-DD41-B69E-07AD568D65C1}"/>
+              </a:ext>
+            </a:extLst>
+          </p:cNvPr>
+          <p:cNvSpPr txBox="1">
+            <a:spLocks/>
+          </p:cNvSpPr>
+          <p:nvPr userDrawn="1"/>
+        </p:nvSpPr>
+        <p:spPr>
+          <a:xfrm>
+            <a:off x="175260" y="292975"/>
+            <a:ext cx="8746864" cy="752706"/>
+          </a:xfrm>
+          <a:prstGeom prst="rect">
+            <a:avLst/>
+          </a:prstGeom>
+        </p:spPr>
+        <p:txBody>
+          <a:bodyPr vert="horz" lIns="91440" tIns="45720" rIns="91440" bIns="45720" rtlCol="0" anchor="t">
+            <a:normAutofit/>
+          </a:bodyPr>
+          <a:lstStyle>
+            <a:lvl1pPr algn="l" defTabSz="457200" rtl="0" eaLnBrk="1" latinLnBrk="0" hangingPunct="1">
+              <a:spcBef>
+                <a:spcPct val="0"/>
+              </a:spcBef>
+              <a:buNone/>
+              <a:defRPr sz="2800" b="0" kern="1200" cap="all">
+                <a:solidFill>
+                  <a:schemeClr val="tx1"/>
+                </a:solidFill>
+                <a:latin typeface="+mj-lt"/>
+                <a:ea typeface="+mj-ea"/>
+                <a:cs typeface="+mj-cs"/>
+              </a:defRPr>
+            </a:lvl1pPr>
+            <a:lvl2pPr eaLnBrk="1" hangingPunct="1">
+              <a:defRPr>
+                <a:solidFill>
+                  <a:schemeClr val="tx2"/>
+                </a:solidFill>
+              </a:defRPr>
+            </a:lvl2pPr>
+            <a:lvl3pPr eaLnBrk="1" hangingPunct="1">
+              <a:defRPr>
+                <a:solidFill>
+                  <a:schemeClr val="tx2"/>
+                </a:solidFill>
+              </a:defRPr>
+            </a:lvl3pPr>
+            <a:lvl4pPr eaLnBrk="1" hangingPunct="1">
+              <a:defRPr>
+                <a:solidFill>
+                  <a:schemeClr val="tx2"/>
+                </a:solidFill>
+              </a:defRPr>
+            </a:lvl4pPr>
+            <a:lvl5pPr eaLnBrk="1" hangingPunct="1">
+              <a:defRPr>
+                <a:solidFill>
+                  <a:schemeClr val="tx2"/>
+                </a:solidFill>
+              </a:defRPr>
+            </a:lvl5pPr>
+            <a:lvl6pPr eaLnBrk="1" hangingPunct="1">
+              <a:defRPr>
+                <a:solidFill>
+                  <a:schemeClr val="tx2"/>
+                </a:solidFill>
+              </a:defRPr>
+            </a:lvl6pPr>
+            <a:lvl7pPr eaLnBrk="1" hangingPunct="1">
+              <a:defRPr>
+                <a:solidFill>
+                  <a:schemeClr val="tx2"/>
+                </a:solidFill>
+              </a:defRPr>
+            </a:lvl7pPr>
+            <a:lvl8pPr eaLnBrk="1" hangingPunct="1">
+              <a:defRPr>
+                <a:solidFill>
+                  <a:schemeClr val="tx2"/>
+                </a:solidFill>
+              </a:defRPr>
+            </a:lvl8pPr>
+            <a:lvl9pPr eaLnBrk="1" hangingPunct="1">
+              <a:defRPr>
+                <a:solidFill>
+                  <a:schemeClr val="tx2"/>
+                </a:solidFill>
+              </a:defRPr>
+            </a:lvl9pPr>
+          </a:lstStyle>
+          <a:p>
+            <a:r>
+              <a:rPr lang="en-US"/>
+              <a:t>Click to edit Master title style</a:t>
+            </a:r>
+            <a:endParaRPr lang="en-US" dirty="0"/>
+          </a:p>
+        </p:txBody>
+      </p:sp>
     </p:spTree>
     <p:extLst>
       <p:ext uri="{BB962C8B-B14F-4D97-AF65-F5344CB8AC3E}">
-        <p14:creationId xmlns:p14="http://schemas.microsoft.com/office/powerpoint/2010/main" val="4287681699"/>
+        <p14:creationId xmlns:p14="http://schemas.microsoft.com/office/powerpoint/2010/main" val="1774566121"/>
       </p:ext>
     </p:extLst>
   </p:cSld>
@@ -6820,8 +7831,8 @@
 </p:sldLayout>
 </file>
 
-<file path=ppt/slideLayouts/slideLayout4.xml><?xml version="1.0" encoding="utf-8"?>
-<p:sldLayout xmlns:a="http://schemas.openxmlformats.org/drawingml/2006/main" xmlns:r="http://schemas.openxmlformats.org/officeDocument/2006/relationships" xmlns:p="http://schemas.openxmlformats.org/presentationml/2006/main" preserve="1" userDrawn="1">
+<file path=ppt/slideLayouts/slideLayout15.xml><?xml version="1.0" encoding="utf-8"?>
+<p:sldLayout xmlns:a="http://schemas.openxmlformats.org/drawingml/2006/main" xmlns:r="http://schemas.openxmlformats.org/officeDocument/2006/relationships" xmlns:p="http://schemas.openxmlformats.org/presentationml/2006/main" preserve="1">
   <p:cSld name="Two Content">
     <p:spTree>
       <p:nvGrpSpPr>
@@ -7018,7 +8029,7 @@
           <a:p>
             <a:r>
               <a:rPr lang="en-US"/>
-              <a:t>Copyright © 2020 SPIKE Prime Lessons (primelessons.org) CC-BY-NC-SA.  (Last edit: 5/30/2020)</a:t>
+              <a:t>Copyright © 2020 Prime Lessons (primelessons.org) CC-BY-NC-SA.  (Last edit: 5/30/2020)</a:t>
             </a:r>
             <a:endParaRPr lang="en-US" dirty="0"/>
           </a:p>
@@ -7071,7 +8082,7 @@
             </a:extLst>
           </p:cNvPr>
           <p:cNvCxnSpPr/>
-          <p:nvPr userDrawn="1"/>
+          <p:nvPr/>
         </p:nvCxnSpPr>
         <p:spPr>
           <a:xfrm>
@@ -7109,7 +8120,7 @@
           <p:cNvSpPr>
             <a:spLocks noChangeAspect="1"/>
           </p:cNvSpPr>
-          <p:nvPr userDrawn="1"/>
+          <p:nvPr/>
         </p:nvSpPr>
         <p:spPr>
           <a:xfrm>
@@ -7184,16 +8195,105 @@
           </a:lstStyle>
           <a:p>
             <a:r>
-              <a:rPr lang="en-US" dirty="0"/>
+              <a:rPr lang="en-US"/>
               <a:t>Click to edit Master title style</a:t>
             </a:r>
+            <a:endParaRPr lang="en-US" dirty="0"/>
+          </a:p>
+        </p:txBody>
+      </p:sp>
+      <p:cxnSp>
+        <p:nvCxnSpPr>
+          <p:cNvPr id="12" name="Straight Connector 11">
+            <a:extLst>
+              <a:ext uri="{FF2B5EF4-FFF2-40B4-BE49-F238E27FC236}">
+                <a16:creationId xmlns:a16="http://schemas.microsoft.com/office/drawing/2014/main" id="{F370E176-05AF-1F41-97BC-29BCE6E5CF29}"/>
+              </a:ext>
+            </a:extLst>
+          </p:cNvPr>
+          <p:cNvCxnSpPr/>
+          <p:nvPr userDrawn="1"/>
+        </p:nvCxnSpPr>
+        <p:spPr>
+          <a:xfrm>
+            <a:off x="175260" y="6316935"/>
+            <a:ext cx="8831580" cy="0"/>
+          </a:xfrm>
+          <a:prstGeom prst="line">
+            <a:avLst/>
+          </a:prstGeom>
+        </p:spPr>
+        <p:style>
+          <a:lnRef idx="1">
+            <a:schemeClr val="dk1"/>
+          </a:lnRef>
+          <a:fillRef idx="0">
+            <a:schemeClr val="dk1"/>
+          </a:fillRef>
+          <a:effectRef idx="0">
+            <a:schemeClr val="dk1"/>
+          </a:effectRef>
+          <a:fontRef idx="minor">
+            <a:schemeClr val="tx1"/>
+          </a:fontRef>
+        </p:style>
+      </p:cxnSp>
+      <p:sp>
+        <p:nvSpPr>
+          <p:cNvPr id="13" name="Rectangle 12">
+            <a:extLst>
+              <a:ext uri="{FF2B5EF4-FFF2-40B4-BE49-F238E27FC236}">
+                <a16:creationId xmlns:a16="http://schemas.microsoft.com/office/drawing/2014/main" id="{93C98A50-9CB4-E749-8DFA-03CB7E793AE1}"/>
+              </a:ext>
+            </a:extLst>
+          </p:cNvPr>
+          <p:cNvSpPr>
+            <a:spLocks noChangeAspect="1"/>
+          </p:cNvSpPr>
+          <p:nvPr userDrawn="1"/>
+        </p:nvSpPr>
+        <p:spPr>
+          <a:xfrm>
+            <a:off x="142200" y="249101"/>
+            <a:ext cx="8831579" cy="840455"/>
+          </a:xfrm>
+          <a:prstGeom prst="rect">
+            <a:avLst/>
+          </a:prstGeom>
+          <a:solidFill>
+            <a:schemeClr val="accent1"/>
+          </a:solidFill>
+          <a:ln>
+            <a:noFill/>
+          </a:ln>
+          <a:effectLst/>
+        </p:spPr>
+        <p:style>
+          <a:lnRef idx="1">
+            <a:schemeClr val="accent1"/>
+          </a:lnRef>
+          <a:fillRef idx="3">
+            <a:schemeClr val="accent1"/>
+          </a:fillRef>
+          <a:effectRef idx="2">
+            <a:schemeClr val="accent1"/>
+          </a:effectRef>
+          <a:fontRef idx="minor">
+            <a:schemeClr val="lt1"/>
+          </a:fontRef>
+        </p:style>
+        <p:txBody>
+          <a:bodyPr/>
+          <a:lstStyle/>
+          <a:p>
+            <a:endParaRPr lang="en-US" dirty="0"/>
           </a:p>
         </p:txBody>
       </p:sp>
     </p:spTree>
     <p:extLst>
       <p:ext uri="{BB962C8B-B14F-4D97-AF65-F5344CB8AC3E}">
-        <p14:creationId xmlns:p14="http://schemas.microsoft.com/office/powerpoint/2010/main" val="2844952655"/>
+        <p14:creationId xmlns:p14="http://schemas.microsoft.com/office/powerpoint/2010/main" val="1700845212"/>
       </p:ext>
     </p:extLst>
   </p:cSld>
@@ -7203,8 +8303,8 @@
 </p:sldLayout>
 </file>
 
-<file path=ppt/slideLayouts/slideLayout5.xml><?xml version="1.0" encoding="utf-8"?>
-<p:sldLayout xmlns:a="http://schemas.openxmlformats.org/drawingml/2006/main" xmlns:r="http://schemas.openxmlformats.org/officeDocument/2006/relationships" xmlns:p="http://schemas.openxmlformats.org/presentationml/2006/main" preserve="1" userDrawn="1">
+<file path=ppt/slideLayouts/slideLayout16.xml><?xml version="1.0" encoding="utf-8"?>
+<p:sldLayout xmlns:a="http://schemas.openxmlformats.org/drawingml/2006/main" xmlns:r="http://schemas.openxmlformats.org/officeDocument/2006/relationships" xmlns:p="http://schemas.openxmlformats.org/presentationml/2006/main" preserve="1">
   <p:cSld name="Comparison">
     <p:spTree>
       <p:nvGrpSpPr>
@@ -7532,7 +8632,7 @@
           <a:p>
             <a:r>
               <a:rPr lang="en-US"/>
-              <a:t>Copyright © 2020 SPIKE Prime Lessons (primelessons.org) CC-BY-NC-SA.  (Last edit: 5/30/2020)</a:t>
+              <a:t>Copyright © 2020 Prime Lessons (primelessons.org) CC-BY-NC-SA.  (Last edit: 5/30/2020)</a:t>
             </a:r>
             <a:endParaRPr lang="en-US" dirty="0"/>
           </a:p>
@@ -7581,7 +8681,7 @@
           <p:cNvSpPr>
             <a:spLocks noChangeAspect="1"/>
           </p:cNvSpPr>
-          <p:nvPr userDrawn="1"/>
+          <p:nvPr/>
         </p:nvSpPr>
         <p:spPr>
           <a:xfrm>
@@ -7656,16 +8756,69 @@
           </a:lstStyle>
           <a:p>
             <a:r>
-              <a:rPr lang="en-US" dirty="0"/>
+              <a:rPr lang="en-US"/>
               <a:t>Click to edit Master title style</a:t>
             </a:r>
+            <a:endParaRPr lang="en-US" dirty="0"/>
+          </a:p>
+        </p:txBody>
+      </p:sp>
+      <p:sp>
+        <p:nvSpPr>
+          <p:cNvPr id="11" name="Rectangle 10">
+            <a:extLst>
+              <a:ext uri="{FF2B5EF4-FFF2-40B4-BE49-F238E27FC236}">
+                <a16:creationId xmlns:a16="http://schemas.microsoft.com/office/drawing/2014/main" id="{3C4781C9-AC5C-AB48-8606-99F2B4E65FB7}"/>
+              </a:ext>
+            </a:extLst>
+          </p:cNvPr>
+          <p:cNvSpPr>
+            <a:spLocks noChangeAspect="1"/>
+          </p:cNvSpPr>
+          <p:nvPr userDrawn="1"/>
+        </p:nvSpPr>
+        <p:spPr>
+          <a:xfrm>
+            <a:off x="142200" y="249101"/>
+            <a:ext cx="8831579" cy="840455"/>
+          </a:xfrm>
+          <a:prstGeom prst="rect">
+            <a:avLst/>
+          </a:prstGeom>
+          <a:solidFill>
+            <a:schemeClr val="accent1"/>
+          </a:solidFill>
+          <a:ln>
+            <a:noFill/>
+          </a:ln>
+          <a:effectLst/>
+        </p:spPr>
+        <p:style>
+          <a:lnRef idx="1">
+            <a:schemeClr val="accent1"/>
+          </a:lnRef>
+          <a:fillRef idx="3">
+            <a:schemeClr val="accent1"/>
+          </a:fillRef>
+          <a:effectRef idx="2">
+            <a:schemeClr val="accent1"/>
+          </a:effectRef>
+          <a:fontRef idx="minor">
+            <a:schemeClr val="lt1"/>
+          </a:fontRef>
+        </p:style>
+        <p:txBody>
+          <a:bodyPr/>
+          <a:lstStyle/>
+          <a:p>
+            <a:endParaRPr lang="en-US" dirty="0"/>
           </a:p>
         </p:txBody>
       </p:sp>
     </p:spTree>
     <p:extLst>
       <p:ext uri="{BB962C8B-B14F-4D97-AF65-F5344CB8AC3E}">
-        <p14:creationId xmlns:p14="http://schemas.microsoft.com/office/powerpoint/2010/main" val="3559663154"/>
+        <p14:creationId xmlns:p14="http://schemas.microsoft.com/office/powerpoint/2010/main" val="1556569105"/>
       </p:ext>
     </p:extLst>
   </p:cSld>
@@ -7675,8 +8828,8 @@
 </p:sldLayout>
 </file>
 
-<file path=ppt/slideLayouts/slideLayout6.xml><?xml version="1.0" encoding="utf-8"?>
-<p:sldLayout xmlns:a="http://schemas.openxmlformats.org/drawingml/2006/main" xmlns:r="http://schemas.openxmlformats.org/officeDocument/2006/relationships" xmlns:p="http://schemas.openxmlformats.org/presentationml/2006/main" preserve="1" userDrawn="1">
+<file path=ppt/slideLayouts/slideLayout17.xml><?xml version="1.0" encoding="utf-8"?>
+<p:sldLayout xmlns:a="http://schemas.openxmlformats.org/drawingml/2006/main" xmlns:r="http://schemas.openxmlformats.org/officeDocument/2006/relationships" xmlns:p="http://schemas.openxmlformats.org/presentationml/2006/main" preserve="1">
   <p:cSld name="Title Only">
     <p:spTree>
       <p:nvGrpSpPr>
@@ -7723,7 +8876,7 @@
           <a:p>
             <a:r>
               <a:rPr lang="en-US"/>
-              <a:t>Copyright © 2020 SPIKE Prime Lessons (primelessons.org) CC-BY-NC-SA.  (Last edit: 5/30/2020)</a:t>
+              <a:t>Copyright © 2020 Prime Lessons (primelessons.org) CC-BY-NC-SA.  (Last edit: 5/30/2020)</a:t>
             </a:r>
             <a:endParaRPr lang="en-US" dirty="0"/>
           </a:p>
@@ -7776,7 +8929,7 @@
             </a:extLst>
           </p:cNvPr>
           <p:cNvCxnSpPr/>
-          <p:nvPr userDrawn="1"/>
+          <p:nvPr/>
         </p:nvCxnSpPr>
         <p:spPr>
           <a:xfrm>
@@ -7814,7 +8967,7 @@
           <p:cNvSpPr>
             <a:spLocks noChangeAspect="1"/>
           </p:cNvSpPr>
-          <p:nvPr userDrawn="1"/>
+          <p:nvPr/>
         </p:nvSpPr>
         <p:spPr>
           <a:xfrm>
@@ -7889,16 +9042,105 @@
           </a:lstStyle>
           <a:p>
             <a:r>
-              <a:rPr lang="en-US" dirty="0"/>
+              <a:rPr lang="en-US"/>
               <a:t>Click to edit Master title style</a:t>
             </a:r>
+            <a:endParaRPr lang="en-US" dirty="0"/>
+          </a:p>
+        </p:txBody>
+      </p:sp>
+      <p:cxnSp>
+        <p:nvCxnSpPr>
+          <p:cNvPr id="10" name="Straight Connector 9">
+            <a:extLst>
+              <a:ext uri="{FF2B5EF4-FFF2-40B4-BE49-F238E27FC236}">
+                <a16:creationId xmlns:a16="http://schemas.microsoft.com/office/drawing/2014/main" id="{9A097865-ED2F-DF44-9467-26F9135353F2}"/>
+              </a:ext>
+            </a:extLst>
+          </p:cNvPr>
+          <p:cNvCxnSpPr/>
+          <p:nvPr userDrawn="1"/>
+        </p:nvCxnSpPr>
+        <p:spPr>
+          <a:xfrm>
+            <a:off x="175260" y="6316935"/>
+            <a:ext cx="8831580" cy="0"/>
+          </a:xfrm>
+          <a:prstGeom prst="line">
+            <a:avLst/>
+          </a:prstGeom>
+        </p:spPr>
+        <p:style>
+          <a:lnRef idx="1">
+            <a:schemeClr val="dk1"/>
+          </a:lnRef>
+          <a:fillRef idx="0">
+            <a:schemeClr val="dk1"/>
+          </a:fillRef>
+          <a:effectRef idx="0">
+            <a:schemeClr val="dk1"/>
+          </a:effectRef>
+          <a:fontRef idx="minor">
+            <a:schemeClr val="tx1"/>
+          </a:fontRef>
+        </p:style>
+      </p:cxnSp>
+      <p:sp>
+        <p:nvSpPr>
+          <p:cNvPr id="11" name="Rectangle 10">
+            <a:extLst>
+              <a:ext uri="{FF2B5EF4-FFF2-40B4-BE49-F238E27FC236}">
+                <a16:creationId xmlns:a16="http://schemas.microsoft.com/office/drawing/2014/main" id="{CC96A57E-841F-EE4D-B0A2-115E10074767}"/>
+              </a:ext>
+            </a:extLst>
+          </p:cNvPr>
+          <p:cNvSpPr>
+            <a:spLocks noChangeAspect="1"/>
+          </p:cNvSpPr>
+          <p:nvPr userDrawn="1"/>
+        </p:nvSpPr>
+        <p:spPr>
+          <a:xfrm>
+            <a:off x="142200" y="249101"/>
+            <a:ext cx="8831579" cy="840455"/>
+          </a:xfrm>
+          <a:prstGeom prst="rect">
+            <a:avLst/>
+          </a:prstGeom>
+          <a:solidFill>
+            <a:schemeClr val="accent1"/>
+          </a:solidFill>
+          <a:ln>
+            <a:noFill/>
+          </a:ln>
+          <a:effectLst/>
+        </p:spPr>
+        <p:style>
+          <a:lnRef idx="1">
+            <a:schemeClr val="accent1"/>
+          </a:lnRef>
+          <a:fillRef idx="3">
+            <a:schemeClr val="accent1"/>
+          </a:fillRef>
+          <a:effectRef idx="2">
+            <a:schemeClr val="accent1"/>
+          </a:effectRef>
+          <a:fontRef idx="minor">
+            <a:schemeClr val="lt1"/>
+          </a:fontRef>
+        </p:style>
+        <p:txBody>
+          <a:bodyPr/>
+          <a:lstStyle/>
+          <a:p>
+            <a:endParaRPr lang="en-US" dirty="0"/>
           </a:p>
         </p:txBody>
       </p:sp>
     </p:spTree>
     <p:extLst>
       <p:ext uri="{BB962C8B-B14F-4D97-AF65-F5344CB8AC3E}">
-        <p14:creationId xmlns:p14="http://schemas.microsoft.com/office/powerpoint/2010/main" val="3744229240"/>
+        <p14:creationId xmlns:p14="http://schemas.microsoft.com/office/powerpoint/2010/main" val="2410142699"/>
       </p:ext>
     </p:extLst>
   </p:cSld>
@@ -7908,8 +9150,8 @@
 </p:sldLayout>
 </file>
 
-<file path=ppt/slideLayouts/slideLayout7.xml><?xml version="1.0" encoding="utf-8"?>
-<p:sldLayout xmlns:a="http://schemas.openxmlformats.org/drawingml/2006/main" xmlns:r="http://schemas.openxmlformats.org/officeDocument/2006/relationships" xmlns:p="http://schemas.openxmlformats.org/presentationml/2006/main" preserve="1" userDrawn="1">
+<file path=ppt/slideLayouts/slideLayout18.xml><?xml version="1.0" encoding="utf-8"?>
+<p:sldLayout xmlns:a="http://schemas.openxmlformats.org/drawingml/2006/main" xmlns:r="http://schemas.openxmlformats.org/officeDocument/2006/relationships" xmlns:p="http://schemas.openxmlformats.org/presentationml/2006/main" preserve="1">
   <p:cSld name="Blank">
     <p:spTree>
       <p:nvGrpSpPr>
@@ -7937,7 +9179,7 @@
           <p:cNvSpPr>
             <a:spLocks noChangeAspect="1"/>
           </p:cNvSpPr>
-          <p:nvPr userDrawn="1"/>
+          <p:nvPr/>
         </p:nvSpPr>
         <p:spPr>
           <a:xfrm>
@@ -8012,9 +9254,10 @@
           </a:lstStyle>
           <a:p>
             <a:r>
-              <a:rPr lang="en-US" dirty="0"/>
+              <a:rPr lang="en-US"/>
               <a:t>Click to edit Master title style</a:t>
             </a:r>
+            <a:endParaRPr lang="en-US" dirty="0"/>
           </a:p>
         </p:txBody>
       </p:sp>
@@ -8065,7 +9308,7 @@
             </a:extLst>
           </p:cNvPr>
           <p:cNvCxnSpPr/>
-          <p:nvPr userDrawn="1"/>
+          <p:nvPr/>
         </p:nvCxnSpPr>
         <p:spPr>
           <a:xfrm>
@@ -8122,16 +9365,104 @@
           <a:p>
             <a:r>
               <a:rPr lang="en-US"/>
-              <a:t>Copyright © 2020 SPIKE Prime Lessons (primelessons.org) CC-BY-NC-SA.  (Last edit: 5/30/2020)</a:t>
+              <a:t>Copyright © 2020 Prime Lessons (primelessons.org) CC-BY-NC-SA.  (Last edit: 5/30/2020)</a:t>
             </a:r>
             <a:endParaRPr lang="en-US" dirty="0"/>
           </a:p>
         </p:txBody>
       </p:sp>
+      <p:sp>
+        <p:nvSpPr>
+          <p:cNvPr id="7" name="Rectangle 6">
+            <a:extLst>
+              <a:ext uri="{FF2B5EF4-FFF2-40B4-BE49-F238E27FC236}">
+                <a16:creationId xmlns:a16="http://schemas.microsoft.com/office/drawing/2014/main" id="{935589F9-23E3-A047-9A93-B1006A79B23B}"/>
+              </a:ext>
+            </a:extLst>
+          </p:cNvPr>
+          <p:cNvSpPr>
+            <a:spLocks noChangeAspect="1"/>
+          </p:cNvSpPr>
+          <p:nvPr userDrawn="1"/>
+        </p:nvSpPr>
+        <p:spPr>
+          <a:xfrm>
+            <a:off x="142200" y="249101"/>
+            <a:ext cx="8831579" cy="840455"/>
+          </a:xfrm>
+          <a:prstGeom prst="rect">
+            <a:avLst/>
+          </a:prstGeom>
+          <a:solidFill>
+            <a:schemeClr val="accent1"/>
+          </a:solidFill>
+          <a:ln>
+            <a:noFill/>
+          </a:ln>
+          <a:effectLst/>
+        </p:spPr>
+        <p:style>
+          <a:lnRef idx="1">
+            <a:schemeClr val="accent1"/>
+          </a:lnRef>
+          <a:fillRef idx="3">
+            <a:schemeClr val="accent1"/>
+          </a:fillRef>
+          <a:effectRef idx="2">
+            <a:schemeClr val="accent1"/>
+          </a:effectRef>
+          <a:fontRef idx="minor">
+            <a:schemeClr val="lt1"/>
+          </a:fontRef>
+        </p:style>
+        <p:txBody>
+          <a:bodyPr/>
+          <a:lstStyle/>
+          <a:p>
+            <a:endParaRPr lang="en-US" dirty="0"/>
+          </a:p>
+        </p:txBody>
+      </p:sp>
+      <p:cxnSp>
+        <p:nvCxnSpPr>
+          <p:cNvPr id="13" name="Straight Connector 12">
+            <a:extLst>
+              <a:ext uri="{FF2B5EF4-FFF2-40B4-BE49-F238E27FC236}">
+                <a16:creationId xmlns:a16="http://schemas.microsoft.com/office/drawing/2014/main" id="{2429DAE5-830C-4D42-BBE7-AC39B3ED829F}"/>
+              </a:ext>
+            </a:extLst>
+          </p:cNvPr>
+          <p:cNvCxnSpPr/>
+          <p:nvPr userDrawn="1"/>
+        </p:nvCxnSpPr>
+        <p:spPr>
+          <a:xfrm>
+            <a:off x="175260" y="6316935"/>
+            <a:ext cx="8831580" cy="0"/>
+          </a:xfrm>
+          <a:prstGeom prst="line">
+            <a:avLst/>
+          </a:prstGeom>
+        </p:spPr>
+        <p:style>
+          <a:lnRef idx="1">
+            <a:schemeClr val="dk1"/>
+          </a:lnRef>
+          <a:fillRef idx="0">
+            <a:schemeClr val="dk1"/>
+          </a:fillRef>
+          <a:effectRef idx="0">
+            <a:schemeClr val="dk1"/>
+          </a:effectRef>
+          <a:fontRef idx="minor">
+            <a:schemeClr val="tx1"/>
+          </a:fontRef>
+        </p:style>
+      </p:cxnSp>
     </p:spTree>
     <p:extLst>
       <p:ext uri="{BB962C8B-B14F-4D97-AF65-F5344CB8AC3E}">
-        <p14:creationId xmlns:p14="http://schemas.microsoft.com/office/powerpoint/2010/main" val="3483049992"/>
+        <p14:creationId xmlns:p14="http://schemas.microsoft.com/office/powerpoint/2010/main" val="979305131"/>
       </p:ext>
     </p:extLst>
   </p:cSld>
@@ -8141,7 +9472,7 @@
 </p:sldLayout>
 </file>
 
-<file path=ppt/slideLayouts/slideLayout8.xml><?xml version="1.0" encoding="utf-8"?>
+<file path=ppt/slideLayouts/slideLayout19.xml><?xml version="1.0" encoding="utf-8"?>
 <p:sldLayout xmlns:a="http://schemas.openxmlformats.org/drawingml/2006/main" xmlns:r="http://schemas.openxmlformats.org/officeDocument/2006/relationships" xmlns:p="http://schemas.openxmlformats.org/presentationml/2006/main" type="objTx" preserve="1">
   <p:cSld name="Content with Caption">
     <p:spTree>
@@ -8504,7 +9835,7 @@
           <a:p>
             <a:r>
               <a:rPr lang="en-US"/>
-              <a:t>Copyright © 2020 SPIKE Prime Lessons (primelessons.org) CC-BY-NC-SA.  (Last edit: 5/30/2020)</a:t>
+              <a:t>Copyright © 2020 Prime Lessons (primelessons.org) CC-BY-NC-SA.  (Last edit: 5/30/2020)</a:t>
             </a:r>
           </a:p>
         </p:txBody>
@@ -8554,7 +9885,7 @@
     </p:spTree>
     <p:extLst>
       <p:ext uri="{BB962C8B-B14F-4D97-AF65-F5344CB8AC3E}">
-        <p14:creationId xmlns:p14="http://schemas.microsoft.com/office/powerpoint/2010/main" val="632803792"/>
+        <p14:creationId xmlns:p14="http://schemas.microsoft.com/office/powerpoint/2010/main" val="3485726500"/>
       </p:ext>
     </p:extLst>
   </p:cSld>
@@ -8564,7 +9895,276 @@
 </p:sldLayout>
 </file>
 
-<file path=ppt/slideLayouts/slideLayout9.xml><?xml version="1.0" encoding="utf-8"?>
+<file path=ppt/slideLayouts/slideLayout2.xml><?xml version="1.0" encoding="utf-8"?>
+<p:sldLayout xmlns:a="http://schemas.openxmlformats.org/drawingml/2006/main" xmlns:r="http://schemas.openxmlformats.org/officeDocument/2006/relationships" xmlns:p="http://schemas.openxmlformats.org/presentationml/2006/main" type="obj" preserve="1">
+  <p:cSld name="Title and Content">
+    <p:spTree>
+      <p:nvGrpSpPr>
+        <p:cNvPr id="1" name=""/>
+        <p:cNvGrpSpPr/>
+        <p:nvPr/>
+      </p:nvGrpSpPr>
+      <p:grpSpPr>
+        <a:xfrm>
+          <a:off x="0" y="0"/>
+          <a:ext cx="0" cy="0"/>
+          <a:chOff x="0" y="0"/>
+          <a:chExt cx="0" cy="0"/>
+        </a:xfrm>
+      </p:grpSpPr>
+      <p:sp>
+        <p:nvSpPr>
+          <p:cNvPr id="7" name="Rectangle 6"/>
+          <p:cNvSpPr>
+            <a:spLocks noChangeAspect="1"/>
+          </p:cNvSpPr>
+          <p:nvPr/>
+        </p:nvSpPr>
+        <p:spPr>
+          <a:xfrm>
+            <a:off x="142200" y="249101"/>
+            <a:ext cx="8831579" cy="840455"/>
+          </a:xfrm>
+          <a:prstGeom prst="rect">
+            <a:avLst/>
+          </a:prstGeom>
+          <a:solidFill>
+            <a:schemeClr val="accent1"/>
+          </a:solidFill>
+          <a:ln>
+            <a:noFill/>
+          </a:ln>
+          <a:effectLst/>
+        </p:spPr>
+        <p:style>
+          <a:lnRef idx="1">
+            <a:schemeClr val="accent1"/>
+          </a:lnRef>
+          <a:fillRef idx="3">
+            <a:schemeClr val="accent1"/>
+          </a:fillRef>
+          <a:effectRef idx="2">
+            <a:schemeClr val="accent1"/>
+          </a:effectRef>
+          <a:fontRef idx="minor">
+            <a:schemeClr val="lt1"/>
+          </a:fontRef>
+        </p:style>
+        <p:txBody>
+          <a:bodyPr/>
+          <a:lstStyle/>
+          <a:p>
+            <a:endParaRPr lang="en-US" dirty="0"/>
+          </a:p>
+        </p:txBody>
+      </p:sp>
+      <p:sp>
+        <p:nvSpPr>
+          <p:cNvPr id="2" name="Title 1"/>
+          <p:cNvSpPr>
+            <a:spLocks noGrp="1"/>
+          </p:cNvSpPr>
+          <p:nvPr>
+            <p:ph type="title"/>
+          </p:nvPr>
+        </p:nvSpPr>
+        <p:spPr>
+          <a:xfrm>
+            <a:off x="175260" y="292975"/>
+            <a:ext cx="8746864" cy="752706"/>
+          </a:xfrm>
+        </p:spPr>
+        <p:txBody>
+          <a:bodyPr anchor="t"/>
+          <a:lstStyle>
+            <a:lvl1pPr>
+              <a:defRPr>
+                <a:solidFill>
+                  <a:schemeClr val="tx1"/>
+                </a:solidFill>
+              </a:defRPr>
+            </a:lvl1pPr>
+          </a:lstStyle>
+          <a:p>
+            <a:r>
+              <a:rPr lang="en-US" dirty="0"/>
+              <a:t>Click to edit Master title style</a:t>
+            </a:r>
+          </a:p>
+        </p:txBody>
+      </p:sp>
+      <p:sp>
+        <p:nvSpPr>
+          <p:cNvPr id="3" name="Content Placeholder 2"/>
+          <p:cNvSpPr>
+            <a:spLocks noGrp="1"/>
+          </p:cNvSpPr>
+          <p:nvPr>
+            <p:ph idx="1"/>
+          </p:nvPr>
+        </p:nvSpPr>
+        <p:spPr>
+          <a:xfrm>
+            <a:off x="155088" y="1140006"/>
+            <a:ext cx="8831580" cy="5082601"/>
+          </a:xfrm>
+        </p:spPr>
+        <p:txBody>
+          <a:bodyPr/>
+          <a:lstStyle/>
+          <a:p>
+            <a:pPr lvl="0"/>
+            <a:r>
+              <a:rPr lang="en-US" dirty="0"/>
+              <a:t>Click to edit Master text styles</a:t>
+            </a:r>
+          </a:p>
+          <a:p>
+            <a:pPr lvl="1"/>
+            <a:r>
+              <a:rPr lang="en-US" dirty="0"/>
+              <a:t>Second level</a:t>
+            </a:r>
+          </a:p>
+          <a:p>
+            <a:pPr lvl="2"/>
+            <a:r>
+              <a:rPr lang="en-US" dirty="0"/>
+              <a:t>Third level</a:t>
+            </a:r>
+          </a:p>
+          <a:p>
+            <a:pPr lvl="3"/>
+            <a:r>
+              <a:rPr lang="en-US" dirty="0"/>
+              <a:t>Fourth level</a:t>
+            </a:r>
+          </a:p>
+          <a:p>
+            <a:pPr lvl="4"/>
+            <a:r>
+              <a:rPr lang="en-US" dirty="0"/>
+              <a:t>Fifth level</a:t>
+            </a:r>
+          </a:p>
+        </p:txBody>
+      </p:sp>
+      <p:sp>
+        <p:nvSpPr>
+          <p:cNvPr id="5" name="Footer Placeholder 4"/>
+          <p:cNvSpPr>
+            <a:spLocks noGrp="1"/>
+          </p:cNvSpPr>
+          <p:nvPr>
+            <p:ph type="ftr" sz="quarter" idx="11"/>
+          </p:nvPr>
+        </p:nvSpPr>
+        <p:spPr>
+          <a:xfrm>
+            <a:off x="88409" y="6321349"/>
+            <a:ext cx="4870585" cy="365125"/>
+          </a:xfrm>
+          <a:prstGeom prst="rect">
+            <a:avLst/>
+          </a:prstGeom>
+        </p:spPr>
+        <p:txBody>
+          <a:bodyPr/>
+          <a:lstStyle>
+            <a:lvl1pPr>
+              <a:defRPr sz="900"/>
+            </a:lvl1pPr>
+          </a:lstStyle>
+          <a:p>
+            <a:r>
+              <a:rPr lang="en-US"/>
+              <a:t>Copyright © 2020 Prime Lessons (primelessons.org) CC-BY-NC-SA.  (Last edit: 5/30/2020)</a:t>
+            </a:r>
+            <a:endParaRPr lang="en-US" dirty="0"/>
+          </a:p>
+        </p:txBody>
+      </p:sp>
+      <p:sp>
+        <p:nvSpPr>
+          <p:cNvPr id="6" name="Slide Number Placeholder 5"/>
+          <p:cNvSpPr>
+            <a:spLocks noGrp="1"/>
+          </p:cNvSpPr>
+          <p:nvPr>
+            <p:ph type="sldNum" sz="quarter" idx="12"/>
+          </p:nvPr>
+        </p:nvSpPr>
+        <p:spPr>
+          <a:xfrm>
+            <a:off x="8236372" y="6317217"/>
+            <a:ext cx="770468" cy="365125"/>
+          </a:xfrm>
+          <a:prstGeom prst="rect">
+            <a:avLst/>
+          </a:prstGeom>
+        </p:spPr>
+        <p:txBody>
+          <a:bodyPr/>
+          <a:lstStyle/>
+          <a:p>
+            <a:fld id="{BBD74847-7BE4-4E4D-8159-51DF7B93C616}" type="slidenum">
+              <a:rPr lang="en-US" smtClean="0"/>
+              <a:t>‹#›</a:t>
+            </a:fld>
+            <a:endParaRPr lang="en-US"/>
+          </a:p>
+        </p:txBody>
+      </p:sp>
+      <p:cxnSp>
+        <p:nvCxnSpPr>
+          <p:cNvPr id="9" name="Straight Connector 8">
+            <a:extLst>
+              <a:ext uri="{FF2B5EF4-FFF2-40B4-BE49-F238E27FC236}">
+                <a16:creationId xmlns:a16="http://schemas.microsoft.com/office/drawing/2014/main" id="{D59C872A-C57F-4B1F-AFD0-FDF125C3C485}"/>
+              </a:ext>
+            </a:extLst>
+          </p:cNvPr>
+          <p:cNvCxnSpPr/>
+          <p:nvPr userDrawn="1"/>
+        </p:nvCxnSpPr>
+        <p:spPr>
+          <a:xfrm>
+            <a:off x="175260" y="6316935"/>
+            <a:ext cx="8831580" cy="0"/>
+          </a:xfrm>
+          <a:prstGeom prst="line">
+            <a:avLst/>
+          </a:prstGeom>
+        </p:spPr>
+        <p:style>
+          <a:lnRef idx="1">
+            <a:schemeClr val="dk1"/>
+          </a:lnRef>
+          <a:fillRef idx="0">
+            <a:schemeClr val="dk1"/>
+          </a:fillRef>
+          <a:effectRef idx="0">
+            <a:schemeClr val="dk1"/>
+          </a:effectRef>
+          <a:fontRef idx="minor">
+            <a:schemeClr val="tx1"/>
+          </a:fontRef>
+        </p:style>
+      </p:cxnSp>
+    </p:spTree>
+    <p:extLst>
+      <p:ext uri="{BB962C8B-B14F-4D97-AF65-F5344CB8AC3E}">
+        <p14:creationId xmlns:p14="http://schemas.microsoft.com/office/powerpoint/2010/main" val="1447926402"/>
+      </p:ext>
+    </p:extLst>
+  </p:cSld>
+  <p:clrMapOvr>
+    <a:masterClrMapping/>
+  </p:clrMapOvr>
+</p:sldLayout>
+</file>
+
+<file path=ppt/slideLayouts/slideLayout20.xml><?xml version="1.0" encoding="utf-8"?>
 <p:sldLayout xmlns:a="http://schemas.openxmlformats.org/drawingml/2006/main" xmlns:r="http://schemas.openxmlformats.org/officeDocument/2006/relationships" xmlns:p="http://schemas.openxmlformats.org/presentationml/2006/main" type="picTx" preserve="1">
   <p:cSld name="Picture with Caption">
     <p:spTree>
@@ -8805,7 +10405,3064 @@
           <a:p>
             <a:r>
               <a:rPr lang="en-US"/>
-              <a:t>Copyright © 2020 SPIKE Prime Lessons (primelessons.org) CC-BY-NC-SA.  (Last edit: 5/30/2020)</a:t>
+              <a:t>Copyright © 2020 Prime Lessons (primelessons.org) CC-BY-NC-SA.  (Last edit: 5/30/2020)</a:t>
+            </a:r>
+            <a:endParaRPr lang="en-US" dirty="0"/>
+          </a:p>
+        </p:txBody>
+      </p:sp>
+      <p:sp>
+        <p:nvSpPr>
+          <p:cNvPr id="7" name="Slide Number Placeholder 6"/>
+          <p:cNvSpPr>
+            <a:spLocks noGrp="1"/>
+          </p:cNvSpPr>
+          <p:nvPr>
+            <p:ph type="sldNum" sz="quarter" idx="12"/>
+          </p:nvPr>
+        </p:nvSpPr>
+        <p:spPr>
+          <a:xfrm>
+            <a:off x="7800476" y="5956136"/>
+            <a:ext cx="770468" cy="365125"/>
+          </a:xfrm>
+          <a:prstGeom prst="rect">
+            <a:avLst/>
+          </a:prstGeom>
+        </p:spPr>
+        <p:txBody>
+          <a:bodyPr/>
+          <a:lstStyle/>
+          <a:p>
+            <a:fld id="{BBD74847-7BE4-4E4D-8159-51DF7B93C616}" type="slidenum">
+              <a:rPr lang="en-US" smtClean="0"/>
+              <a:t>‹#›</a:t>
+            </a:fld>
+            <a:endParaRPr lang="en-US"/>
+          </a:p>
+        </p:txBody>
+      </p:sp>
+    </p:spTree>
+    <p:extLst>
+      <p:ext uri="{BB962C8B-B14F-4D97-AF65-F5344CB8AC3E}">
+        <p14:creationId xmlns:p14="http://schemas.microsoft.com/office/powerpoint/2010/main" val="680246091"/>
+      </p:ext>
+    </p:extLst>
+  </p:cSld>
+  <p:clrMapOvr>
+    <a:masterClrMapping/>
+  </p:clrMapOvr>
+</p:sldLayout>
+</file>
+
+<file path=ppt/slideLayouts/slideLayout21.xml><?xml version="1.0" encoding="utf-8"?>
+<p:sldLayout xmlns:a="http://schemas.openxmlformats.org/drawingml/2006/main" xmlns:r="http://schemas.openxmlformats.org/officeDocument/2006/relationships" xmlns:p="http://schemas.openxmlformats.org/presentationml/2006/main" type="vertTx" preserve="1">
+  <p:cSld name="Title and Vertical Text">
+    <p:spTree>
+      <p:nvGrpSpPr>
+        <p:cNvPr id="1" name=""/>
+        <p:cNvGrpSpPr/>
+        <p:nvPr/>
+      </p:nvGrpSpPr>
+      <p:grpSpPr>
+        <a:xfrm>
+          <a:off x="0" y="0"/>
+          <a:ext cx="0" cy="0"/>
+          <a:chOff x="0" y="0"/>
+          <a:chExt cx="0" cy="0"/>
+        </a:xfrm>
+      </p:grpSpPr>
+      <p:sp>
+        <p:nvSpPr>
+          <p:cNvPr id="7" name="Rectangle 6"/>
+          <p:cNvSpPr>
+            <a:spLocks noChangeAspect="1"/>
+          </p:cNvSpPr>
+          <p:nvPr/>
+        </p:nvSpPr>
+        <p:spPr>
+          <a:xfrm>
+            <a:off x="448092" y="599725"/>
+            <a:ext cx="8238707" cy="1258827"/>
+          </a:xfrm>
+          <a:prstGeom prst="rect">
+            <a:avLst/>
+          </a:prstGeom>
+          <a:solidFill>
+            <a:schemeClr val="accent1"/>
+          </a:solidFill>
+          <a:ln>
+            <a:noFill/>
+          </a:ln>
+          <a:effectLst/>
+        </p:spPr>
+        <p:style>
+          <a:lnRef idx="1">
+            <a:schemeClr val="accent1"/>
+          </a:lnRef>
+          <a:fillRef idx="3">
+            <a:schemeClr val="accent1"/>
+          </a:fillRef>
+          <a:effectRef idx="2">
+            <a:schemeClr val="accent1"/>
+          </a:effectRef>
+          <a:fontRef idx="minor">
+            <a:schemeClr val="lt1"/>
+          </a:fontRef>
+        </p:style>
+      </p:sp>
+      <p:sp>
+        <p:nvSpPr>
+          <p:cNvPr id="2" name="Title 1"/>
+          <p:cNvSpPr>
+            <a:spLocks noGrp="1"/>
+          </p:cNvSpPr>
+          <p:nvPr>
+            <p:ph type="title"/>
+          </p:nvPr>
+        </p:nvSpPr>
+        <p:spPr/>
+        <p:txBody>
+          <a:bodyPr/>
+          <a:lstStyle/>
+          <a:p>
+            <a:r>
+              <a:rPr lang="en-US"/>
+              <a:t>Click to edit Master title style</a:t>
+            </a:r>
+            <a:endParaRPr lang="en-US" dirty="0"/>
+          </a:p>
+        </p:txBody>
+      </p:sp>
+      <p:sp>
+        <p:nvSpPr>
+          <p:cNvPr id="3" name="Vertical Text Placeholder 2"/>
+          <p:cNvSpPr>
+            <a:spLocks noGrp="1"/>
+          </p:cNvSpPr>
+          <p:nvPr>
+            <p:ph type="body" orient="vert" idx="1"/>
+          </p:nvPr>
+        </p:nvSpPr>
+        <p:spPr/>
+        <p:txBody>
+          <a:bodyPr vert="eaVert" anchor="t"/>
+          <a:lstStyle>
+            <a:lvl1pPr algn="l">
+              <a:defRPr/>
+            </a:lvl1pPr>
+            <a:lvl2pPr algn="l">
+              <a:defRPr/>
+            </a:lvl2pPr>
+            <a:lvl3pPr algn="l">
+              <a:defRPr/>
+            </a:lvl3pPr>
+            <a:lvl4pPr algn="l">
+              <a:defRPr/>
+            </a:lvl4pPr>
+            <a:lvl5pPr algn="l">
+              <a:defRPr/>
+            </a:lvl5pPr>
+          </a:lstStyle>
+          <a:p>
+            <a:pPr lvl="0"/>
+            <a:r>
+              <a:rPr lang="en-US"/>
+              <a:t>Click to edit Master text styles</a:t>
+            </a:r>
+          </a:p>
+          <a:p>
+            <a:pPr lvl="1"/>
+            <a:r>
+              <a:rPr lang="en-US"/>
+              <a:t>Second level</a:t>
+            </a:r>
+          </a:p>
+          <a:p>
+            <a:pPr lvl="2"/>
+            <a:r>
+              <a:rPr lang="en-US"/>
+              <a:t>Third level</a:t>
+            </a:r>
+          </a:p>
+          <a:p>
+            <a:pPr lvl="3"/>
+            <a:r>
+              <a:rPr lang="en-US"/>
+              <a:t>Fourth level</a:t>
+            </a:r>
+          </a:p>
+          <a:p>
+            <a:pPr lvl="4"/>
+            <a:r>
+              <a:rPr lang="en-US"/>
+              <a:t>Fifth level</a:t>
+            </a:r>
+            <a:endParaRPr lang="en-US" dirty="0"/>
+          </a:p>
+        </p:txBody>
+      </p:sp>
+      <p:sp>
+        <p:nvSpPr>
+          <p:cNvPr id="4" name="Date Placeholder 3"/>
+          <p:cNvSpPr>
+            <a:spLocks noGrp="1"/>
+          </p:cNvSpPr>
+          <p:nvPr>
+            <p:ph type="dt" sz="half" idx="10"/>
+          </p:nvPr>
+        </p:nvSpPr>
+        <p:spPr>
+          <a:xfrm>
+            <a:off x="5559327" y="5956136"/>
+            <a:ext cx="2133600" cy="365125"/>
+          </a:xfrm>
+          <a:prstGeom prst="rect">
+            <a:avLst/>
+          </a:prstGeom>
+        </p:spPr>
+        <p:txBody>
+          <a:bodyPr/>
+          <a:lstStyle/>
+          <a:p>
+            <a:endParaRPr lang="en-US"/>
+          </a:p>
+        </p:txBody>
+      </p:sp>
+      <p:sp>
+        <p:nvSpPr>
+          <p:cNvPr id="5" name="Footer Placeholder 4"/>
+          <p:cNvSpPr>
+            <a:spLocks noGrp="1"/>
+          </p:cNvSpPr>
+          <p:nvPr>
+            <p:ph type="ftr" sz="quarter" idx="11"/>
+          </p:nvPr>
+        </p:nvSpPr>
+        <p:spPr>
+          <a:xfrm>
+            <a:off x="581192" y="5951810"/>
+            <a:ext cx="4870585" cy="365125"/>
+          </a:xfrm>
+          <a:prstGeom prst="rect">
+            <a:avLst/>
+          </a:prstGeom>
+        </p:spPr>
+        <p:txBody>
+          <a:bodyPr/>
+          <a:lstStyle/>
+          <a:p>
+            <a:r>
+              <a:rPr lang="en-US"/>
+              <a:t>Copyright © 2020 Prime Lessons (primelessons.org) CC-BY-NC-SA.  (Last edit: 5/30/2020)</a:t>
+            </a:r>
+            <a:endParaRPr lang="en-US" dirty="0"/>
+          </a:p>
+        </p:txBody>
+      </p:sp>
+      <p:sp>
+        <p:nvSpPr>
+          <p:cNvPr id="6" name="Slide Number Placeholder 5"/>
+          <p:cNvSpPr>
+            <a:spLocks noGrp="1"/>
+          </p:cNvSpPr>
+          <p:nvPr>
+            <p:ph type="sldNum" sz="quarter" idx="12"/>
+          </p:nvPr>
+        </p:nvSpPr>
+        <p:spPr>
+          <a:xfrm>
+            <a:off x="7800476" y="5956136"/>
+            <a:ext cx="770468" cy="365125"/>
+          </a:xfrm>
+          <a:prstGeom prst="rect">
+            <a:avLst/>
+          </a:prstGeom>
+        </p:spPr>
+        <p:txBody>
+          <a:bodyPr/>
+          <a:lstStyle/>
+          <a:p>
+            <a:fld id="{BBD74847-7BE4-4E4D-8159-51DF7B93C616}" type="slidenum">
+              <a:rPr lang="en-US" smtClean="0"/>
+              <a:t>‹#›</a:t>
+            </a:fld>
+            <a:endParaRPr lang="en-US"/>
+          </a:p>
+        </p:txBody>
+      </p:sp>
+    </p:spTree>
+    <p:extLst>
+      <p:ext uri="{BB962C8B-B14F-4D97-AF65-F5344CB8AC3E}">
+        <p14:creationId xmlns:p14="http://schemas.microsoft.com/office/powerpoint/2010/main" val="339781473"/>
+      </p:ext>
+    </p:extLst>
+  </p:cSld>
+  <p:clrMapOvr>
+    <a:masterClrMapping/>
+  </p:clrMapOvr>
+</p:sldLayout>
+</file>
+
+<file path=ppt/slideLayouts/slideLayout22.xml><?xml version="1.0" encoding="utf-8"?>
+<p:sldLayout xmlns:a="http://schemas.openxmlformats.org/drawingml/2006/main" xmlns:r="http://schemas.openxmlformats.org/officeDocument/2006/relationships" xmlns:p="http://schemas.openxmlformats.org/presentationml/2006/main" type="vertTitleAndTx" preserve="1">
+  <p:cSld name="Vertical Title and Text">
+    <p:spTree>
+      <p:nvGrpSpPr>
+        <p:cNvPr id="1" name=""/>
+        <p:cNvGrpSpPr/>
+        <p:nvPr/>
+      </p:nvGrpSpPr>
+      <p:grpSpPr>
+        <a:xfrm>
+          <a:off x="0" y="0"/>
+          <a:ext cx="0" cy="0"/>
+          <a:chOff x="0" y="0"/>
+          <a:chExt cx="0" cy="0"/>
+        </a:xfrm>
+      </p:grpSpPr>
+      <p:sp>
+        <p:nvSpPr>
+          <p:cNvPr id="7" name="Rectangle 6"/>
+          <p:cNvSpPr>
+            <a:spLocks noChangeAspect="1"/>
+          </p:cNvSpPr>
+          <p:nvPr/>
+        </p:nvSpPr>
+        <p:spPr>
+          <a:xfrm>
+            <a:off x="6629400" y="599725"/>
+            <a:ext cx="2057399" cy="5816950"/>
+          </a:xfrm>
+          <a:prstGeom prst="rect">
+            <a:avLst/>
+          </a:prstGeom>
+          <a:solidFill>
+            <a:schemeClr val="accent1"/>
+          </a:solidFill>
+          <a:ln>
+            <a:noFill/>
+          </a:ln>
+          <a:effectLst/>
+        </p:spPr>
+        <p:style>
+          <a:lnRef idx="1">
+            <a:schemeClr val="accent1"/>
+          </a:lnRef>
+          <a:fillRef idx="3">
+            <a:schemeClr val="accent1"/>
+          </a:fillRef>
+          <a:effectRef idx="2">
+            <a:schemeClr val="accent1"/>
+          </a:effectRef>
+          <a:fontRef idx="minor">
+            <a:schemeClr val="lt1"/>
+          </a:fontRef>
+        </p:style>
+      </p:sp>
+      <p:sp>
+        <p:nvSpPr>
+          <p:cNvPr id="2" name="Vertical Title 1"/>
+          <p:cNvSpPr>
+            <a:spLocks noGrp="1"/>
+          </p:cNvSpPr>
+          <p:nvPr>
+            <p:ph type="title" orient="vert"/>
+          </p:nvPr>
+        </p:nvSpPr>
+        <p:spPr>
+          <a:xfrm>
+            <a:off x="6629400" y="675725"/>
+            <a:ext cx="1503123" cy="5183073"/>
+          </a:xfrm>
+        </p:spPr>
+        <p:txBody>
+          <a:bodyPr vert="eaVert"/>
+          <a:lstStyle/>
+          <a:p>
+            <a:r>
+              <a:rPr lang="en-US"/>
+              <a:t>Click to edit Master title style</a:t>
+            </a:r>
+            <a:endParaRPr lang="en-US" dirty="0"/>
+          </a:p>
+        </p:txBody>
+      </p:sp>
+      <p:sp>
+        <p:nvSpPr>
+          <p:cNvPr id="3" name="Vertical Text Placeholder 2"/>
+          <p:cNvSpPr>
+            <a:spLocks noGrp="1"/>
+          </p:cNvSpPr>
+          <p:nvPr>
+            <p:ph type="body" orient="vert" idx="1"/>
+          </p:nvPr>
+        </p:nvSpPr>
+        <p:spPr>
+          <a:xfrm>
+            <a:off x="581192" y="675725"/>
+            <a:ext cx="5922209" cy="5183073"/>
+          </a:xfrm>
+        </p:spPr>
+        <p:txBody>
+          <a:bodyPr vert="eaVert" anchor="t"/>
+          <a:lstStyle/>
+          <a:p>
+            <a:pPr lvl="0"/>
+            <a:r>
+              <a:rPr lang="en-US"/>
+              <a:t>Click to edit Master text styles</a:t>
+            </a:r>
+          </a:p>
+          <a:p>
+            <a:pPr lvl="1"/>
+            <a:r>
+              <a:rPr lang="en-US"/>
+              <a:t>Second level</a:t>
+            </a:r>
+          </a:p>
+          <a:p>
+            <a:pPr lvl="2"/>
+            <a:r>
+              <a:rPr lang="en-US"/>
+              <a:t>Third level</a:t>
+            </a:r>
+          </a:p>
+          <a:p>
+            <a:pPr lvl="3"/>
+            <a:r>
+              <a:rPr lang="en-US"/>
+              <a:t>Fourth level</a:t>
+            </a:r>
+          </a:p>
+          <a:p>
+            <a:pPr lvl="4"/>
+            <a:r>
+              <a:rPr lang="en-US"/>
+              <a:t>Fifth level</a:t>
+            </a:r>
+            <a:endParaRPr lang="en-US" dirty="0"/>
+          </a:p>
+        </p:txBody>
+      </p:sp>
+      <p:sp>
+        <p:nvSpPr>
+          <p:cNvPr id="4" name="Date Placeholder 3"/>
+          <p:cNvSpPr>
+            <a:spLocks noGrp="1"/>
+          </p:cNvSpPr>
+          <p:nvPr>
+            <p:ph type="dt" sz="half" idx="10"/>
+          </p:nvPr>
+        </p:nvSpPr>
+        <p:spPr>
+          <a:xfrm>
+            <a:off x="6745255" y="5956136"/>
+            <a:ext cx="947672" cy="365125"/>
+          </a:xfrm>
+          <a:prstGeom prst="rect">
+            <a:avLst/>
+          </a:prstGeom>
+        </p:spPr>
+        <p:txBody>
+          <a:bodyPr/>
+          <a:lstStyle>
+            <a:lvl1pPr>
+              <a:defRPr>
+                <a:solidFill>
+                  <a:schemeClr val="accent1">
+                    <a:lumMod val="75000"/>
+                    <a:lumOff val="25000"/>
+                  </a:schemeClr>
+                </a:solidFill>
+              </a:defRPr>
+            </a:lvl1pPr>
+          </a:lstStyle>
+          <a:p>
+            <a:endParaRPr lang="en-US"/>
+          </a:p>
+        </p:txBody>
+      </p:sp>
+      <p:sp>
+        <p:nvSpPr>
+          <p:cNvPr id="5" name="Footer Placeholder 4"/>
+          <p:cNvSpPr>
+            <a:spLocks noGrp="1"/>
+          </p:cNvSpPr>
+          <p:nvPr>
+            <p:ph type="ftr" sz="quarter" idx="11"/>
+          </p:nvPr>
+        </p:nvSpPr>
+        <p:spPr>
+          <a:xfrm>
+            <a:off x="581192" y="5951810"/>
+            <a:ext cx="5922209" cy="365125"/>
+          </a:xfrm>
+          <a:prstGeom prst="rect">
+            <a:avLst/>
+          </a:prstGeom>
+        </p:spPr>
+        <p:txBody>
+          <a:bodyPr/>
+          <a:lstStyle/>
+          <a:p>
+            <a:r>
+              <a:rPr lang="en-US"/>
+              <a:t>Copyright © 2020 Prime Lessons (primelessons.org) CC-BY-NC-SA.  (Last edit: 5/30/2020)</a:t>
+            </a:r>
+            <a:endParaRPr lang="en-US" dirty="0"/>
+          </a:p>
+        </p:txBody>
+      </p:sp>
+      <p:sp>
+        <p:nvSpPr>
+          <p:cNvPr id="6" name="Slide Number Placeholder 5"/>
+          <p:cNvSpPr>
+            <a:spLocks noGrp="1"/>
+          </p:cNvSpPr>
+          <p:nvPr>
+            <p:ph type="sldNum" sz="quarter" idx="12"/>
+          </p:nvPr>
+        </p:nvSpPr>
+        <p:spPr>
+          <a:xfrm>
+            <a:off x="7800476" y="5956136"/>
+            <a:ext cx="770468" cy="365125"/>
+          </a:xfrm>
+          <a:prstGeom prst="rect">
+            <a:avLst/>
+          </a:prstGeom>
+        </p:spPr>
+        <p:txBody>
+          <a:bodyPr/>
+          <a:lstStyle>
+            <a:lvl1pPr>
+              <a:defRPr>
+                <a:solidFill>
+                  <a:schemeClr val="accent1">
+                    <a:lumMod val="75000"/>
+                    <a:lumOff val="25000"/>
+                  </a:schemeClr>
+                </a:solidFill>
+              </a:defRPr>
+            </a:lvl1pPr>
+          </a:lstStyle>
+          <a:p>
+            <a:fld id="{BBD74847-7BE4-4E4D-8159-51DF7B93C616}" type="slidenum">
+              <a:rPr lang="en-US" smtClean="0"/>
+              <a:t>‹#›</a:t>
+            </a:fld>
+            <a:endParaRPr lang="en-US"/>
+          </a:p>
+        </p:txBody>
+      </p:sp>
+    </p:spTree>
+    <p:extLst>
+      <p:ext uri="{BB962C8B-B14F-4D97-AF65-F5344CB8AC3E}">
+        <p14:creationId xmlns:p14="http://schemas.microsoft.com/office/powerpoint/2010/main" val="203632876"/>
+      </p:ext>
+    </p:extLst>
+  </p:cSld>
+  <p:clrMapOvr>
+    <a:masterClrMapping/>
+  </p:clrMapOvr>
+</p:sldLayout>
+</file>
+
+<file path=ppt/slideLayouts/slideLayout3.xml><?xml version="1.0" encoding="utf-8"?>
+<p:sldLayout xmlns:a="http://schemas.openxmlformats.org/drawingml/2006/main" xmlns:r="http://schemas.openxmlformats.org/officeDocument/2006/relationships" xmlns:p="http://schemas.openxmlformats.org/presentationml/2006/main" type="secHead" preserve="1">
+  <p:cSld name="Section Header">
+    <p:spTree>
+      <p:nvGrpSpPr>
+        <p:cNvPr id="1" name=""/>
+        <p:cNvGrpSpPr/>
+        <p:nvPr/>
+      </p:nvGrpSpPr>
+      <p:grpSpPr>
+        <a:xfrm>
+          <a:off x="0" y="0"/>
+          <a:ext cx="0" cy="0"/>
+          <a:chOff x="0" y="0"/>
+          <a:chExt cx="0" cy="0"/>
+        </a:xfrm>
+      </p:grpSpPr>
+      <p:sp>
+        <p:nvSpPr>
+          <p:cNvPr id="8" name="Rectangle 7"/>
+          <p:cNvSpPr>
+            <a:spLocks noChangeAspect="1"/>
+          </p:cNvSpPr>
+          <p:nvPr/>
+        </p:nvSpPr>
+        <p:spPr>
+          <a:xfrm>
+            <a:off x="452646" y="5141973"/>
+            <a:ext cx="8238707" cy="1258827"/>
+          </a:xfrm>
+          <a:prstGeom prst="rect">
+            <a:avLst/>
+          </a:prstGeom>
+          <a:solidFill>
+            <a:schemeClr val="accent1"/>
+          </a:solidFill>
+          <a:ln>
+            <a:noFill/>
+          </a:ln>
+          <a:effectLst/>
+        </p:spPr>
+        <p:style>
+          <a:lnRef idx="1">
+            <a:schemeClr val="accent1"/>
+          </a:lnRef>
+          <a:fillRef idx="3">
+            <a:schemeClr val="accent1"/>
+          </a:fillRef>
+          <a:effectRef idx="2">
+            <a:schemeClr val="accent1"/>
+          </a:effectRef>
+          <a:fontRef idx="minor">
+            <a:schemeClr val="lt1"/>
+          </a:fontRef>
+        </p:style>
+      </p:sp>
+      <p:sp>
+        <p:nvSpPr>
+          <p:cNvPr id="2" name="Title 1"/>
+          <p:cNvSpPr>
+            <a:spLocks noGrp="1"/>
+          </p:cNvSpPr>
+          <p:nvPr>
+            <p:ph type="title"/>
+          </p:nvPr>
+        </p:nvSpPr>
+        <p:spPr>
+          <a:xfrm>
+            <a:off x="581193" y="3036573"/>
+            <a:ext cx="7989751" cy="1504844"/>
+          </a:xfrm>
+        </p:spPr>
+        <p:txBody>
+          <a:bodyPr anchor="b">
+            <a:normAutofit/>
+          </a:bodyPr>
+          <a:lstStyle>
+            <a:lvl1pPr algn="l">
+              <a:defRPr sz="3600" b="0" cap="all">
+                <a:solidFill>
+                  <a:schemeClr val="accent1"/>
+                </a:solidFill>
+              </a:defRPr>
+            </a:lvl1pPr>
+          </a:lstStyle>
+          <a:p>
+            <a:r>
+              <a:rPr lang="en-US"/>
+              <a:t>Click to edit Master title style</a:t>
+            </a:r>
+            <a:endParaRPr lang="en-US" dirty="0"/>
+          </a:p>
+        </p:txBody>
+      </p:sp>
+      <p:sp>
+        <p:nvSpPr>
+          <p:cNvPr id="3" name="Text Placeholder 2"/>
+          <p:cNvSpPr>
+            <a:spLocks noGrp="1"/>
+          </p:cNvSpPr>
+          <p:nvPr>
+            <p:ph type="body" idx="1"/>
+          </p:nvPr>
+        </p:nvSpPr>
+        <p:spPr>
+          <a:xfrm>
+            <a:off x="581193" y="4541417"/>
+            <a:ext cx="7989751" cy="600556"/>
+          </a:xfrm>
+        </p:spPr>
+        <p:txBody>
+          <a:bodyPr anchor="t">
+            <a:normAutofit/>
+          </a:bodyPr>
+          <a:lstStyle>
+            <a:lvl1pPr marL="0" indent="0" algn="l">
+              <a:buNone/>
+              <a:defRPr sz="1800" cap="all">
+                <a:solidFill>
+                  <a:schemeClr val="accent2"/>
+                </a:solidFill>
+              </a:defRPr>
+            </a:lvl1pPr>
+            <a:lvl2pPr marL="457200" indent="0">
+              <a:buNone/>
+              <a:defRPr sz="1800">
+                <a:solidFill>
+                  <a:schemeClr val="tx1">
+                    <a:tint val="75000"/>
+                  </a:schemeClr>
+                </a:solidFill>
+              </a:defRPr>
+            </a:lvl2pPr>
+            <a:lvl3pPr marL="914400" indent="0">
+              <a:buNone/>
+              <a:defRPr sz="1600">
+                <a:solidFill>
+                  <a:schemeClr val="tx1">
+                    <a:tint val="75000"/>
+                  </a:schemeClr>
+                </a:solidFill>
+              </a:defRPr>
+            </a:lvl3pPr>
+            <a:lvl4pPr marL="1371600" indent="0">
+              <a:buNone/>
+              <a:defRPr sz="1400">
+                <a:solidFill>
+                  <a:schemeClr val="tx1">
+                    <a:tint val="75000"/>
+                  </a:schemeClr>
+                </a:solidFill>
+              </a:defRPr>
+            </a:lvl4pPr>
+            <a:lvl5pPr marL="1828800" indent="0">
+              <a:buNone/>
+              <a:defRPr sz="1400">
+                <a:solidFill>
+                  <a:schemeClr val="tx1">
+                    <a:tint val="75000"/>
+                  </a:schemeClr>
+                </a:solidFill>
+              </a:defRPr>
+            </a:lvl5pPr>
+            <a:lvl6pPr marL="2286000" indent="0">
+              <a:buNone/>
+              <a:defRPr sz="1400">
+                <a:solidFill>
+                  <a:schemeClr val="tx1">
+                    <a:tint val="75000"/>
+                  </a:schemeClr>
+                </a:solidFill>
+              </a:defRPr>
+            </a:lvl6pPr>
+            <a:lvl7pPr marL="2743200" indent="0">
+              <a:buNone/>
+              <a:defRPr sz="1400">
+                <a:solidFill>
+                  <a:schemeClr val="tx1">
+                    <a:tint val="75000"/>
+                  </a:schemeClr>
+                </a:solidFill>
+              </a:defRPr>
+            </a:lvl7pPr>
+            <a:lvl8pPr marL="3200400" indent="0">
+              <a:buNone/>
+              <a:defRPr sz="1400">
+                <a:solidFill>
+                  <a:schemeClr val="tx1">
+                    <a:tint val="75000"/>
+                  </a:schemeClr>
+                </a:solidFill>
+              </a:defRPr>
+            </a:lvl8pPr>
+            <a:lvl9pPr marL="3657600" indent="0">
+              <a:buNone/>
+              <a:defRPr sz="1400">
+                <a:solidFill>
+                  <a:schemeClr val="tx1">
+                    <a:tint val="75000"/>
+                  </a:schemeClr>
+                </a:solidFill>
+              </a:defRPr>
+            </a:lvl9pPr>
+          </a:lstStyle>
+          <a:p>
+            <a:pPr lvl="0"/>
+            <a:r>
+              <a:rPr lang="en-US"/>
+              <a:t>Click to edit Master text styles</a:t>
+            </a:r>
+          </a:p>
+        </p:txBody>
+      </p:sp>
+      <p:sp>
+        <p:nvSpPr>
+          <p:cNvPr id="4" name="Date Placeholder 3"/>
+          <p:cNvSpPr>
+            <a:spLocks noGrp="1"/>
+          </p:cNvSpPr>
+          <p:nvPr>
+            <p:ph type="dt" sz="half" idx="10"/>
+          </p:nvPr>
+        </p:nvSpPr>
+        <p:spPr>
+          <a:xfrm>
+            <a:off x="5559327" y="5956136"/>
+            <a:ext cx="2133600" cy="365125"/>
+          </a:xfrm>
+          <a:prstGeom prst="rect">
+            <a:avLst/>
+          </a:prstGeom>
+        </p:spPr>
+        <p:txBody>
+          <a:bodyPr/>
+          <a:lstStyle>
+            <a:lvl1pPr>
+              <a:defRPr>
+                <a:solidFill>
+                  <a:schemeClr val="accent1">
+                    <a:lumMod val="75000"/>
+                    <a:lumOff val="25000"/>
+                  </a:schemeClr>
+                </a:solidFill>
+              </a:defRPr>
+            </a:lvl1pPr>
+          </a:lstStyle>
+          <a:p>
+            <a:endParaRPr lang="en-US"/>
+          </a:p>
+        </p:txBody>
+      </p:sp>
+      <p:sp>
+        <p:nvSpPr>
+          <p:cNvPr id="5" name="Footer Placeholder 4"/>
+          <p:cNvSpPr>
+            <a:spLocks noGrp="1"/>
+          </p:cNvSpPr>
+          <p:nvPr>
+            <p:ph type="ftr" sz="quarter" idx="11"/>
+          </p:nvPr>
+        </p:nvSpPr>
+        <p:spPr>
+          <a:xfrm>
+            <a:off x="581192" y="5951810"/>
+            <a:ext cx="4870585" cy="365125"/>
+          </a:xfrm>
+          <a:prstGeom prst="rect">
+            <a:avLst/>
+          </a:prstGeom>
+        </p:spPr>
+        <p:txBody>
+          <a:bodyPr/>
+          <a:lstStyle>
+            <a:lvl1pPr>
+              <a:defRPr>
+                <a:solidFill>
+                  <a:schemeClr val="accent1">
+                    <a:lumMod val="75000"/>
+                    <a:lumOff val="25000"/>
+                  </a:schemeClr>
+                </a:solidFill>
+              </a:defRPr>
+            </a:lvl1pPr>
+          </a:lstStyle>
+          <a:p>
+            <a:r>
+              <a:rPr lang="en-US"/>
+              <a:t>Copyright © 2020 Prime Lessons (primelessons.org) CC-BY-NC-SA.  (Last edit: 5/30/2020)</a:t>
+            </a:r>
+            <a:endParaRPr lang="en-US" dirty="0"/>
+          </a:p>
+        </p:txBody>
+      </p:sp>
+      <p:sp>
+        <p:nvSpPr>
+          <p:cNvPr id="6" name="Slide Number Placeholder 5"/>
+          <p:cNvSpPr>
+            <a:spLocks noGrp="1"/>
+          </p:cNvSpPr>
+          <p:nvPr>
+            <p:ph type="sldNum" sz="quarter" idx="12"/>
+          </p:nvPr>
+        </p:nvSpPr>
+        <p:spPr>
+          <a:xfrm>
+            <a:off x="7800476" y="5956136"/>
+            <a:ext cx="770468" cy="365125"/>
+          </a:xfrm>
+          <a:prstGeom prst="rect">
+            <a:avLst/>
+          </a:prstGeom>
+        </p:spPr>
+        <p:txBody>
+          <a:bodyPr/>
+          <a:lstStyle>
+            <a:lvl1pPr>
+              <a:defRPr>
+                <a:solidFill>
+                  <a:schemeClr val="accent1">
+                    <a:lumMod val="75000"/>
+                    <a:lumOff val="25000"/>
+                  </a:schemeClr>
+                </a:solidFill>
+              </a:defRPr>
+            </a:lvl1pPr>
+          </a:lstStyle>
+          <a:p>
+            <a:fld id="{BBD74847-7BE4-4E4D-8159-51DF7B93C616}" type="slidenum">
+              <a:rPr lang="en-US" smtClean="0"/>
+              <a:t>‹#›</a:t>
+            </a:fld>
+            <a:endParaRPr lang="en-US"/>
+          </a:p>
+        </p:txBody>
+      </p:sp>
+      <p:sp>
+        <p:nvSpPr>
+          <p:cNvPr id="11" name="Rectangle 10">
+            <a:extLst>
+              <a:ext uri="{FF2B5EF4-FFF2-40B4-BE49-F238E27FC236}">
+                <a16:creationId xmlns:a16="http://schemas.microsoft.com/office/drawing/2014/main" id="{A9F621E0-AEE7-4799-81EB-EB99ED60C8DF}"/>
+              </a:ext>
+            </a:extLst>
+          </p:cNvPr>
+          <p:cNvSpPr>
+            <a:spLocks noChangeAspect="1"/>
+          </p:cNvSpPr>
+          <p:nvPr userDrawn="1"/>
+        </p:nvSpPr>
+        <p:spPr>
+          <a:xfrm>
+            <a:off x="142200" y="249101"/>
+            <a:ext cx="8831579" cy="840455"/>
+          </a:xfrm>
+          <a:prstGeom prst="rect">
+            <a:avLst/>
+          </a:prstGeom>
+          <a:solidFill>
+            <a:schemeClr val="accent1"/>
+          </a:solidFill>
+          <a:ln>
+            <a:noFill/>
+          </a:ln>
+          <a:effectLst/>
+        </p:spPr>
+        <p:style>
+          <a:lnRef idx="1">
+            <a:schemeClr val="accent1"/>
+          </a:lnRef>
+          <a:fillRef idx="3">
+            <a:schemeClr val="accent1"/>
+          </a:fillRef>
+          <a:effectRef idx="2">
+            <a:schemeClr val="accent1"/>
+          </a:effectRef>
+          <a:fontRef idx="minor">
+            <a:schemeClr val="lt1"/>
+          </a:fontRef>
+        </p:style>
+        <p:txBody>
+          <a:bodyPr/>
+          <a:lstStyle/>
+          <a:p>
+            <a:endParaRPr lang="en-US" dirty="0"/>
+          </a:p>
+        </p:txBody>
+      </p:sp>
+      <p:sp>
+        <p:nvSpPr>
+          <p:cNvPr id="12" name="Title 1">
+            <a:extLst>
+              <a:ext uri="{FF2B5EF4-FFF2-40B4-BE49-F238E27FC236}">
+                <a16:creationId xmlns:a16="http://schemas.microsoft.com/office/drawing/2014/main" id="{B40FAB25-E17C-4189-8846-137BC28A1EB3}"/>
+              </a:ext>
+            </a:extLst>
+          </p:cNvPr>
+          <p:cNvSpPr txBox="1">
+            <a:spLocks/>
+          </p:cNvSpPr>
+          <p:nvPr userDrawn="1"/>
+        </p:nvSpPr>
+        <p:spPr>
+          <a:xfrm>
+            <a:off x="175260" y="292975"/>
+            <a:ext cx="8746864" cy="752706"/>
+          </a:xfrm>
+          <a:prstGeom prst="rect">
+            <a:avLst/>
+          </a:prstGeom>
+        </p:spPr>
+        <p:txBody>
+          <a:bodyPr vert="horz" lIns="91440" tIns="45720" rIns="91440" bIns="45720" rtlCol="0" anchor="t">
+            <a:normAutofit/>
+          </a:bodyPr>
+          <a:lstStyle>
+            <a:lvl1pPr algn="l" defTabSz="457200" rtl="0" eaLnBrk="1" latinLnBrk="0" hangingPunct="1">
+              <a:spcBef>
+                <a:spcPct val="0"/>
+              </a:spcBef>
+              <a:buNone/>
+              <a:defRPr sz="2800" b="0" kern="1200" cap="all">
+                <a:solidFill>
+                  <a:schemeClr val="tx1"/>
+                </a:solidFill>
+                <a:latin typeface="+mj-lt"/>
+                <a:ea typeface="+mj-ea"/>
+                <a:cs typeface="+mj-cs"/>
+              </a:defRPr>
+            </a:lvl1pPr>
+            <a:lvl2pPr eaLnBrk="1" hangingPunct="1">
+              <a:defRPr>
+                <a:solidFill>
+                  <a:schemeClr val="tx2"/>
+                </a:solidFill>
+              </a:defRPr>
+            </a:lvl2pPr>
+            <a:lvl3pPr eaLnBrk="1" hangingPunct="1">
+              <a:defRPr>
+                <a:solidFill>
+                  <a:schemeClr val="tx2"/>
+                </a:solidFill>
+              </a:defRPr>
+            </a:lvl3pPr>
+            <a:lvl4pPr eaLnBrk="1" hangingPunct="1">
+              <a:defRPr>
+                <a:solidFill>
+                  <a:schemeClr val="tx2"/>
+                </a:solidFill>
+              </a:defRPr>
+            </a:lvl4pPr>
+            <a:lvl5pPr eaLnBrk="1" hangingPunct="1">
+              <a:defRPr>
+                <a:solidFill>
+                  <a:schemeClr val="tx2"/>
+                </a:solidFill>
+              </a:defRPr>
+            </a:lvl5pPr>
+            <a:lvl6pPr eaLnBrk="1" hangingPunct="1">
+              <a:defRPr>
+                <a:solidFill>
+                  <a:schemeClr val="tx2"/>
+                </a:solidFill>
+              </a:defRPr>
+            </a:lvl6pPr>
+            <a:lvl7pPr eaLnBrk="1" hangingPunct="1">
+              <a:defRPr>
+                <a:solidFill>
+                  <a:schemeClr val="tx2"/>
+                </a:solidFill>
+              </a:defRPr>
+            </a:lvl7pPr>
+            <a:lvl8pPr eaLnBrk="1" hangingPunct="1">
+              <a:defRPr>
+                <a:solidFill>
+                  <a:schemeClr val="tx2"/>
+                </a:solidFill>
+              </a:defRPr>
+            </a:lvl8pPr>
+            <a:lvl9pPr eaLnBrk="1" hangingPunct="1">
+              <a:defRPr>
+                <a:solidFill>
+                  <a:schemeClr val="tx2"/>
+                </a:solidFill>
+              </a:defRPr>
+            </a:lvl9pPr>
+          </a:lstStyle>
+          <a:p>
+            <a:r>
+              <a:rPr lang="en-US"/>
+              <a:t>Click to edit Master title style</a:t>
+            </a:r>
+            <a:endParaRPr lang="en-US" dirty="0"/>
+          </a:p>
+        </p:txBody>
+      </p:sp>
+    </p:spTree>
+    <p:extLst>
+      <p:ext uri="{BB962C8B-B14F-4D97-AF65-F5344CB8AC3E}">
+        <p14:creationId xmlns:p14="http://schemas.microsoft.com/office/powerpoint/2010/main" val="4287681699"/>
+      </p:ext>
+    </p:extLst>
+  </p:cSld>
+  <p:clrMapOvr>
+    <a:masterClrMapping/>
+  </p:clrMapOvr>
+</p:sldLayout>
+</file>
+
+<file path=ppt/slideLayouts/slideLayout4.xml><?xml version="1.0" encoding="utf-8"?>
+<p:sldLayout xmlns:a="http://schemas.openxmlformats.org/drawingml/2006/main" xmlns:r="http://schemas.openxmlformats.org/officeDocument/2006/relationships" xmlns:p="http://schemas.openxmlformats.org/presentationml/2006/main" preserve="1" userDrawn="1">
+  <p:cSld name="Two Content">
+    <p:spTree>
+      <p:nvGrpSpPr>
+        <p:cNvPr id="1" name=""/>
+        <p:cNvGrpSpPr/>
+        <p:nvPr/>
+      </p:nvGrpSpPr>
+      <p:grpSpPr>
+        <a:xfrm>
+          <a:off x="0" y="0"/>
+          <a:ext cx="0" cy="0"/>
+          <a:chOff x="0" y="0"/>
+          <a:chExt cx="0" cy="0"/>
+        </a:xfrm>
+      </p:grpSpPr>
+      <p:sp>
+        <p:nvSpPr>
+          <p:cNvPr id="3" name="Content Placeholder 2"/>
+          <p:cNvSpPr>
+            <a:spLocks noGrp="1"/>
+          </p:cNvSpPr>
+          <p:nvPr>
+            <p:ph sz="half" idx="1"/>
+          </p:nvPr>
+        </p:nvSpPr>
+        <p:spPr>
+          <a:xfrm>
+            <a:off x="142200" y="1174924"/>
+            <a:ext cx="4185204" cy="4967864"/>
+          </a:xfrm>
+        </p:spPr>
+        <p:txBody>
+          <a:bodyPr>
+            <a:normAutofit/>
+          </a:bodyPr>
+          <a:lstStyle>
+            <a:lvl1pPr algn="l">
+              <a:defRPr/>
+            </a:lvl1pPr>
+            <a:lvl2pPr algn="l">
+              <a:defRPr/>
+            </a:lvl2pPr>
+            <a:lvl3pPr algn="l">
+              <a:defRPr/>
+            </a:lvl3pPr>
+            <a:lvl4pPr algn="l">
+              <a:defRPr/>
+            </a:lvl4pPr>
+            <a:lvl5pPr algn="l">
+              <a:defRPr/>
+            </a:lvl5pPr>
+          </a:lstStyle>
+          <a:p>
+            <a:pPr lvl="0"/>
+            <a:r>
+              <a:rPr lang="en-US"/>
+              <a:t>Click to edit Master text styles</a:t>
+            </a:r>
+          </a:p>
+          <a:p>
+            <a:pPr lvl="1"/>
+            <a:r>
+              <a:rPr lang="en-US"/>
+              <a:t>Second level</a:t>
+            </a:r>
+          </a:p>
+          <a:p>
+            <a:pPr lvl="2"/>
+            <a:r>
+              <a:rPr lang="en-US"/>
+              <a:t>Third level</a:t>
+            </a:r>
+          </a:p>
+          <a:p>
+            <a:pPr lvl="3"/>
+            <a:r>
+              <a:rPr lang="en-US"/>
+              <a:t>Fourth level</a:t>
+            </a:r>
+          </a:p>
+          <a:p>
+            <a:pPr lvl="4"/>
+            <a:r>
+              <a:rPr lang="en-US"/>
+              <a:t>Fifth level</a:t>
+            </a:r>
+            <a:endParaRPr lang="en-US" dirty="0"/>
+          </a:p>
+        </p:txBody>
+      </p:sp>
+      <p:sp>
+        <p:nvSpPr>
+          <p:cNvPr id="4" name="Content Placeholder 3"/>
+          <p:cNvSpPr>
+            <a:spLocks noGrp="1"/>
+          </p:cNvSpPr>
+          <p:nvPr>
+            <p:ph sz="half" idx="2"/>
+          </p:nvPr>
+        </p:nvSpPr>
+        <p:spPr>
+          <a:xfrm>
+            <a:off x="4757752" y="1177439"/>
+            <a:ext cx="4226411" cy="4967864"/>
+          </a:xfrm>
+        </p:spPr>
+        <p:txBody>
+          <a:bodyPr>
+            <a:normAutofit/>
+          </a:bodyPr>
+          <a:lstStyle>
+            <a:lvl1pPr algn="l">
+              <a:defRPr/>
+            </a:lvl1pPr>
+            <a:lvl2pPr algn="l">
+              <a:defRPr/>
+            </a:lvl2pPr>
+            <a:lvl3pPr algn="l">
+              <a:defRPr/>
+            </a:lvl3pPr>
+            <a:lvl4pPr algn="l">
+              <a:defRPr/>
+            </a:lvl4pPr>
+            <a:lvl5pPr algn="l">
+              <a:defRPr/>
+            </a:lvl5pPr>
+          </a:lstStyle>
+          <a:p>
+            <a:pPr lvl="0"/>
+            <a:r>
+              <a:rPr lang="en-US"/>
+              <a:t>Click to edit Master text styles</a:t>
+            </a:r>
+          </a:p>
+          <a:p>
+            <a:pPr lvl="1"/>
+            <a:r>
+              <a:rPr lang="en-US"/>
+              <a:t>Second level</a:t>
+            </a:r>
+          </a:p>
+          <a:p>
+            <a:pPr lvl="2"/>
+            <a:r>
+              <a:rPr lang="en-US"/>
+              <a:t>Third level</a:t>
+            </a:r>
+          </a:p>
+          <a:p>
+            <a:pPr lvl="3"/>
+            <a:r>
+              <a:rPr lang="en-US"/>
+              <a:t>Fourth level</a:t>
+            </a:r>
+          </a:p>
+          <a:p>
+            <a:pPr lvl="4"/>
+            <a:r>
+              <a:rPr lang="en-US"/>
+              <a:t>Fifth level</a:t>
+            </a:r>
+            <a:endParaRPr lang="en-US" dirty="0"/>
+          </a:p>
+        </p:txBody>
+      </p:sp>
+      <p:sp>
+        <p:nvSpPr>
+          <p:cNvPr id="9" name="Footer Placeholder 4">
+            <a:extLst>
+              <a:ext uri="{FF2B5EF4-FFF2-40B4-BE49-F238E27FC236}">
+                <a16:creationId xmlns:a16="http://schemas.microsoft.com/office/drawing/2014/main" id="{593A4B09-24AC-454E-8A0C-D31EDE125503}"/>
+              </a:ext>
+            </a:extLst>
+          </p:cNvPr>
+          <p:cNvSpPr>
+            <a:spLocks noGrp="1"/>
+          </p:cNvSpPr>
+          <p:nvPr>
+            <p:ph type="ftr" sz="quarter" idx="11"/>
+          </p:nvPr>
+        </p:nvSpPr>
+        <p:spPr>
+          <a:xfrm>
+            <a:off x="88409" y="6266485"/>
+            <a:ext cx="4870585" cy="365125"/>
+          </a:xfrm>
+          <a:prstGeom prst="rect">
+            <a:avLst/>
+          </a:prstGeom>
+        </p:spPr>
+        <p:txBody>
+          <a:bodyPr/>
+          <a:lstStyle/>
+          <a:p>
+            <a:r>
+              <a:rPr lang="en-US"/>
+              <a:t>Copyright © 2020 Prime Lessons (primelessons.org) CC-BY-NC-SA.  (Last edit: 5/30/2020)</a:t>
+            </a:r>
+            <a:endParaRPr lang="en-US" dirty="0"/>
+          </a:p>
+        </p:txBody>
+      </p:sp>
+      <p:sp>
+        <p:nvSpPr>
+          <p:cNvPr id="10" name="Slide Number Placeholder 5">
+            <a:extLst>
+              <a:ext uri="{FF2B5EF4-FFF2-40B4-BE49-F238E27FC236}">
+                <a16:creationId xmlns:a16="http://schemas.microsoft.com/office/drawing/2014/main" id="{24EC4D01-901A-4258-A65D-27A4329F0F2D}"/>
+              </a:ext>
+            </a:extLst>
+          </p:cNvPr>
+          <p:cNvSpPr>
+            <a:spLocks noGrp="1"/>
+          </p:cNvSpPr>
+          <p:nvPr>
+            <p:ph type="sldNum" sz="quarter" idx="12"/>
+          </p:nvPr>
+        </p:nvSpPr>
+        <p:spPr>
+          <a:xfrm>
+            <a:off x="8236372" y="6280641"/>
+            <a:ext cx="770468" cy="365125"/>
+          </a:xfrm>
+          <a:prstGeom prst="rect">
+            <a:avLst/>
+          </a:prstGeom>
+        </p:spPr>
+        <p:txBody>
+          <a:bodyPr/>
+          <a:lstStyle/>
+          <a:p>
+            <a:fld id="{BBD74847-7BE4-4E4D-8159-51DF7B93C616}" type="slidenum">
+              <a:rPr lang="en-US" smtClean="0"/>
+              <a:t>‹#›</a:t>
+            </a:fld>
+            <a:endParaRPr lang="en-US"/>
+          </a:p>
+        </p:txBody>
+      </p:sp>
+      <p:cxnSp>
+        <p:nvCxnSpPr>
+          <p:cNvPr id="11" name="Straight Connector 10">
+            <a:extLst>
+              <a:ext uri="{FF2B5EF4-FFF2-40B4-BE49-F238E27FC236}">
+                <a16:creationId xmlns:a16="http://schemas.microsoft.com/office/drawing/2014/main" id="{BE3A7F9C-E99E-44C1-89A0-A6ED28ADCEF0}"/>
+              </a:ext>
+            </a:extLst>
+          </p:cNvPr>
+          <p:cNvCxnSpPr/>
+          <p:nvPr userDrawn="1"/>
+        </p:nvCxnSpPr>
+        <p:spPr>
+          <a:xfrm>
+            <a:off x="175260" y="6316935"/>
+            <a:ext cx="8831580" cy="0"/>
+          </a:xfrm>
+          <a:prstGeom prst="line">
+            <a:avLst/>
+          </a:prstGeom>
+        </p:spPr>
+        <p:style>
+          <a:lnRef idx="1">
+            <a:schemeClr val="dk1"/>
+          </a:lnRef>
+          <a:fillRef idx="0">
+            <a:schemeClr val="dk1"/>
+          </a:fillRef>
+          <a:effectRef idx="0">
+            <a:schemeClr val="dk1"/>
+          </a:effectRef>
+          <a:fontRef idx="minor">
+            <a:schemeClr val="tx1"/>
+          </a:fontRef>
+        </p:style>
+      </p:cxnSp>
+      <p:sp>
+        <p:nvSpPr>
+          <p:cNvPr id="15" name="Rectangle 14">
+            <a:extLst>
+              <a:ext uri="{FF2B5EF4-FFF2-40B4-BE49-F238E27FC236}">
+                <a16:creationId xmlns:a16="http://schemas.microsoft.com/office/drawing/2014/main" id="{8F86C8F5-3CD8-41C6-A6C4-EF53AE7214CB}"/>
+              </a:ext>
+            </a:extLst>
+          </p:cNvPr>
+          <p:cNvSpPr>
+            <a:spLocks noChangeAspect="1"/>
+          </p:cNvSpPr>
+          <p:nvPr userDrawn="1"/>
+        </p:nvSpPr>
+        <p:spPr>
+          <a:xfrm>
+            <a:off x="142200" y="249101"/>
+            <a:ext cx="8831579" cy="840455"/>
+          </a:xfrm>
+          <a:prstGeom prst="rect">
+            <a:avLst/>
+          </a:prstGeom>
+          <a:solidFill>
+            <a:schemeClr val="accent1"/>
+          </a:solidFill>
+          <a:ln>
+            <a:noFill/>
+          </a:ln>
+          <a:effectLst/>
+        </p:spPr>
+        <p:style>
+          <a:lnRef idx="1">
+            <a:schemeClr val="accent1"/>
+          </a:lnRef>
+          <a:fillRef idx="3">
+            <a:schemeClr val="accent1"/>
+          </a:fillRef>
+          <a:effectRef idx="2">
+            <a:schemeClr val="accent1"/>
+          </a:effectRef>
+          <a:fontRef idx="minor">
+            <a:schemeClr val="lt1"/>
+          </a:fontRef>
+        </p:style>
+        <p:txBody>
+          <a:bodyPr/>
+          <a:lstStyle/>
+          <a:p>
+            <a:endParaRPr lang="en-US" dirty="0"/>
+          </a:p>
+        </p:txBody>
+      </p:sp>
+      <p:sp>
+        <p:nvSpPr>
+          <p:cNvPr id="16" name="Title 1">
+            <a:extLst>
+              <a:ext uri="{FF2B5EF4-FFF2-40B4-BE49-F238E27FC236}">
+                <a16:creationId xmlns:a16="http://schemas.microsoft.com/office/drawing/2014/main" id="{389BF07E-558D-420A-943A-465BCC22754A}"/>
+              </a:ext>
+            </a:extLst>
+          </p:cNvPr>
+          <p:cNvSpPr>
+            <a:spLocks noGrp="1"/>
+          </p:cNvSpPr>
+          <p:nvPr>
+            <p:ph type="title"/>
+          </p:nvPr>
+        </p:nvSpPr>
+        <p:spPr>
+          <a:xfrm>
+            <a:off x="175260" y="292975"/>
+            <a:ext cx="8746864" cy="752706"/>
+          </a:xfrm>
+        </p:spPr>
+        <p:txBody>
+          <a:bodyPr anchor="t"/>
+          <a:lstStyle>
+            <a:lvl1pPr>
+              <a:defRPr>
+                <a:solidFill>
+                  <a:schemeClr val="tx1"/>
+                </a:solidFill>
+              </a:defRPr>
+            </a:lvl1pPr>
+          </a:lstStyle>
+          <a:p>
+            <a:r>
+              <a:rPr lang="en-US" dirty="0"/>
+              <a:t>Click to edit Master title style</a:t>
+            </a:r>
+          </a:p>
+        </p:txBody>
+      </p:sp>
+    </p:spTree>
+    <p:extLst>
+      <p:ext uri="{BB962C8B-B14F-4D97-AF65-F5344CB8AC3E}">
+        <p14:creationId xmlns:p14="http://schemas.microsoft.com/office/powerpoint/2010/main" val="2844952655"/>
+      </p:ext>
+    </p:extLst>
+  </p:cSld>
+  <p:clrMapOvr>
+    <a:masterClrMapping/>
+  </p:clrMapOvr>
+</p:sldLayout>
+</file>
+
+<file path=ppt/slideLayouts/slideLayout5.xml><?xml version="1.0" encoding="utf-8"?>
+<p:sldLayout xmlns:a="http://schemas.openxmlformats.org/drawingml/2006/main" xmlns:r="http://schemas.openxmlformats.org/officeDocument/2006/relationships" xmlns:p="http://schemas.openxmlformats.org/presentationml/2006/main" preserve="1" userDrawn="1">
+  <p:cSld name="Comparison">
+    <p:spTree>
+      <p:nvGrpSpPr>
+        <p:cNvPr id="1" name=""/>
+        <p:cNvGrpSpPr/>
+        <p:nvPr/>
+      </p:nvGrpSpPr>
+      <p:grpSpPr>
+        <a:xfrm>
+          <a:off x="0" y="0"/>
+          <a:ext cx="0" cy="0"/>
+          <a:chOff x="0" y="0"/>
+          <a:chExt cx="0" cy="0"/>
+        </a:xfrm>
+      </p:grpSpPr>
+      <p:sp>
+        <p:nvSpPr>
+          <p:cNvPr id="3" name="Text Placeholder 2"/>
+          <p:cNvSpPr>
+            <a:spLocks noGrp="1"/>
+          </p:cNvSpPr>
+          <p:nvPr>
+            <p:ph type="body" idx="1"/>
+          </p:nvPr>
+        </p:nvSpPr>
+        <p:spPr>
+          <a:xfrm>
+            <a:off x="887219" y="2228003"/>
+            <a:ext cx="3593500" cy="576262"/>
+          </a:xfrm>
+        </p:spPr>
+        <p:txBody>
+          <a:bodyPr anchor="b">
+            <a:noAutofit/>
+          </a:bodyPr>
+          <a:lstStyle>
+            <a:lvl1pPr marL="0" indent="0">
+              <a:buNone/>
+              <a:defRPr sz="2200" b="0">
+                <a:solidFill>
+                  <a:schemeClr val="accent2"/>
+                </a:solidFill>
+              </a:defRPr>
+            </a:lvl1pPr>
+            <a:lvl2pPr marL="457200" indent="0">
+              <a:buNone/>
+              <a:defRPr sz="2000" b="1"/>
+            </a:lvl2pPr>
+            <a:lvl3pPr marL="914400" indent="0">
+              <a:buNone/>
+              <a:defRPr sz="1800" b="1"/>
+            </a:lvl3pPr>
+            <a:lvl4pPr marL="1371600" indent="0">
+              <a:buNone/>
+              <a:defRPr sz="1600" b="1"/>
+            </a:lvl4pPr>
+            <a:lvl5pPr marL="1828800" indent="0">
+              <a:buNone/>
+              <a:defRPr sz="1600" b="1"/>
+            </a:lvl5pPr>
+            <a:lvl6pPr marL="2286000" indent="0">
+              <a:buNone/>
+              <a:defRPr sz="1600" b="1"/>
+            </a:lvl6pPr>
+            <a:lvl7pPr marL="2743200" indent="0">
+              <a:buNone/>
+              <a:defRPr sz="1600" b="1"/>
+            </a:lvl7pPr>
+            <a:lvl8pPr marL="3200400" indent="0">
+              <a:buNone/>
+              <a:defRPr sz="1600" b="1"/>
+            </a:lvl8pPr>
+            <a:lvl9pPr marL="3657600" indent="0">
+              <a:buNone/>
+              <a:defRPr sz="1600" b="1"/>
+            </a:lvl9pPr>
+          </a:lstStyle>
+          <a:p>
+            <a:pPr lvl="0"/>
+            <a:r>
+              <a:rPr lang="en-US"/>
+              <a:t>Click to edit Master text styles</a:t>
+            </a:r>
+          </a:p>
+        </p:txBody>
+      </p:sp>
+      <p:sp>
+        <p:nvSpPr>
+          <p:cNvPr id="4" name="Content Placeholder 3"/>
+          <p:cNvSpPr>
+            <a:spLocks noGrp="1"/>
+          </p:cNvSpPr>
+          <p:nvPr>
+            <p:ph sz="half" idx="2"/>
+          </p:nvPr>
+        </p:nvSpPr>
+        <p:spPr>
+          <a:xfrm>
+            <a:off x="581192" y="2926051"/>
+            <a:ext cx="3899527" cy="2934999"/>
+          </a:xfrm>
+        </p:spPr>
+        <p:txBody>
+          <a:bodyPr anchor="t">
+            <a:normAutofit/>
+          </a:bodyPr>
+          <a:lstStyle/>
+          <a:p>
+            <a:pPr lvl="0"/>
+            <a:r>
+              <a:rPr lang="en-US"/>
+              <a:t>Click to edit Master text styles</a:t>
+            </a:r>
+          </a:p>
+          <a:p>
+            <a:pPr lvl="1"/>
+            <a:r>
+              <a:rPr lang="en-US"/>
+              <a:t>Second level</a:t>
+            </a:r>
+          </a:p>
+          <a:p>
+            <a:pPr lvl="2"/>
+            <a:r>
+              <a:rPr lang="en-US"/>
+              <a:t>Third level</a:t>
+            </a:r>
+          </a:p>
+          <a:p>
+            <a:pPr lvl="3"/>
+            <a:r>
+              <a:rPr lang="en-US"/>
+              <a:t>Fourth level</a:t>
+            </a:r>
+          </a:p>
+          <a:p>
+            <a:pPr lvl="4"/>
+            <a:r>
+              <a:rPr lang="en-US"/>
+              <a:t>Fifth level</a:t>
+            </a:r>
+            <a:endParaRPr lang="en-US" dirty="0"/>
+          </a:p>
+        </p:txBody>
+      </p:sp>
+      <p:sp>
+        <p:nvSpPr>
+          <p:cNvPr id="5" name="Text Placeholder 4"/>
+          <p:cNvSpPr>
+            <a:spLocks noGrp="1"/>
+          </p:cNvSpPr>
+          <p:nvPr>
+            <p:ph type="body" sz="quarter" idx="3"/>
+          </p:nvPr>
+        </p:nvSpPr>
+        <p:spPr>
+          <a:xfrm>
+            <a:off x="4969308" y="2228003"/>
+            <a:ext cx="3601635" cy="576262"/>
+          </a:xfrm>
+        </p:spPr>
+        <p:txBody>
+          <a:bodyPr anchor="b">
+            <a:noAutofit/>
+          </a:bodyPr>
+          <a:lstStyle>
+            <a:lvl1pPr marL="0" indent="0">
+              <a:buNone/>
+              <a:defRPr sz="2200" b="0">
+                <a:solidFill>
+                  <a:schemeClr val="accent2"/>
+                </a:solidFill>
+              </a:defRPr>
+            </a:lvl1pPr>
+            <a:lvl2pPr marL="457200" indent="0">
+              <a:buNone/>
+              <a:defRPr sz="2000" b="1"/>
+            </a:lvl2pPr>
+            <a:lvl3pPr marL="914400" indent="0">
+              <a:buNone/>
+              <a:defRPr sz="1800" b="1"/>
+            </a:lvl3pPr>
+            <a:lvl4pPr marL="1371600" indent="0">
+              <a:buNone/>
+              <a:defRPr sz="1600" b="1"/>
+            </a:lvl4pPr>
+            <a:lvl5pPr marL="1828800" indent="0">
+              <a:buNone/>
+              <a:defRPr sz="1600" b="1"/>
+            </a:lvl5pPr>
+            <a:lvl6pPr marL="2286000" indent="0">
+              <a:buNone/>
+              <a:defRPr sz="1600" b="1"/>
+            </a:lvl6pPr>
+            <a:lvl7pPr marL="2743200" indent="0">
+              <a:buNone/>
+              <a:defRPr sz="1600" b="1"/>
+            </a:lvl7pPr>
+            <a:lvl8pPr marL="3200400" indent="0">
+              <a:buNone/>
+              <a:defRPr sz="1600" b="1"/>
+            </a:lvl8pPr>
+            <a:lvl9pPr marL="3657600" indent="0">
+              <a:buNone/>
+              <a:defRPr sz="1600" b="1"/>
+            </a:lvl9pPr>
+          </a:lstStyle>
+          <a:p>
+            <a:pPr lvl="0"/>
+            <a:r>
+              <a:rPr lang="en-US"/>
+              <a:t>Click to edit Master text styles</a:t>
+            </a:r>
+          </a:p>
+        </p:txBody>
+      </p:sp>
+      <p:sp>
+        <p:nvSpPr>
+          <p:cNvPr id="6" name="Content Placeholder 5"/>
+          <p:cNvSpPr>
+            <a:spLocks noGrp="1"/>
+          </p:cNvSpPr>
+          <p:nvPr>
+            <p:ph sz="quarter" idx="4"/>
+          </p:nvPr>
+        </p:nvSpPr>
+        <p:spPr>
+          <a:xfrm>
+            <a:off x="4663282" y="2926051"/>
+            <a:ext cx="3907662" cy="2934999"/>
+          </a:xfrm>
+        </p:spPr>
+        <p:txBody>
+          <a:bodyPr anchor="t">
+            <a:normAutofit/>
+          </a:bodyPr>
+          <a:lstStyle/>
+          <a:p>
+            <a:pPr lvl="0"/>
+            <a:r>
+              <a:rPr lang="en-US"/>
+              <a:t>Click to edit Master text styles</a:t>
+            </a:r>
+          </a:p>
+          <a:p>
+            <a:pPr lvl="1"/>
+            <a:r>
+              <a:rPr lang="en-US"/>
+              <a:t>Second level</a:t>
+            </a:r>
+          </a:p>
+          <a:p>
+            <a:pPr lvl="2"/>
+            <a:r>
+              <a:rPr lang="en-US"/>
+              <a:t>Third level</a:t>
+            </a:r>
+          </a:p>
+          <a:p>
+            <a:pPr lvl="3"/>
+            <a:r>
+              <a:rPr lang="en-US"/>
+              <a:t>Fourth level</a:t>
+            </a:r>
+          </a:p>
+          <a:p>
+            <a:pPr lvl="4"/>
+            <a:r>
+              <a:rPr lang="en-US"/>
+              <a:t>Fifth level</a:t>
+            </a:r>
+            <a:endParaRPr lang="en-US" dirty="0"/>
+          </a:p>
+        </p:txBody>
+      </p:sp>
+      <p:sp>
+        <p:nvSpPr>
+          <p:cNvPr id="7" name="Date Placeholder 6"/>
+          <p:cNvSpPr>
+            <a:spLocks noGrp="1"/>
+          </p:cNvSpPr>
+          <p:nvPr>
+            <p:ph type="dt" sz="half" idx="10"/>
+          </p:nvPr>
+        </p:nvSpPr>
+        <p:spPr>
+          <a:xfrm>
+            <a:off x="5559327" y="5956136"/>
+            <a:ext cx="2133600" cy="365125"/>
+          </a:xfrm>
+          <a:prstGeom prst="rect">
+            <a:avLst/>
+          </a:prstGeom>
+        </p:spPr>
+        <p:txBody>
+          <a:bodyPr/>
+          <a:lstStyle/>
+          <a:p>
+            <a:endParaRPr lang="en-US"/>
+          </a:p>
+        </p:txBody>
+      </p:sp>
+      <p:sp>
+        <p:nvSpPr>
+          <p:cNvPr id="8" name="Footer Placeholder 7"/>
+          <p:cNvSpPr>
+            <a:spLocks noGrp="1"/>
+          </p:cNvSpPr>
+          <p:nvPr>
+            <p:ph type="ftr" sz="quarter" idx="11"/>
+          </p:nvPr>
+        </p:nvSpPr>
+        <p:spPr>
+          <a:xfrm>
+            <a:off x="581192" y="5951810"/>
+            <a:ext cx="4870585" cy="365125"/>
+          </a:xfrm>
+          <a:prstGeom prst="rect">
+            <a:avLst/>
+          </a:prstGeom>
+        </p:spPr>
+        <p:txBody>
+          <a:bodyPr/>
+          <a:lstStyle/>
+          <a:p>
+            <a:r>
+              <a:rPr lang="en-US"/>
+              <a:t>Copyright © 2020 Prime Lessons (primelessons.org) CC-BY-NC-SA.  (Last edit: 5/30/2020)</a:t>
+            </a:r>
+            <a:endParaRPr lang="en-US" dirty="0"/>
+          </a:p>
+        </p:txBody>
+      </p:sp>
+      <p:sp>
+        <p:nvSpPr>
+          <p:cNvPr id="9" name="Slide Number Placeholder 8"/>
+          <p:cNvSpPr>
+            <a:spLocks noGrp="1"/>
+          </p:cNvSpPr>
+          <p:nvPr>
+            <p:ph type="sldNum" sz="quarter" idx="12"/>
+          </p:nvPr>
+        </p:nvSpPr>
+        <p:spPr>
+          <a:xfrm>
+            <a:off x="7800476" y="5956136"/>
+            <a:ext cx="770468" cy="365125"/>
+          </a:xfrm>
+          <a:prstGeom prst="rect">
+            <a:avLst/>
+          </a:prstGeom>
+        </p:spPr>
+        <p:txBody>
+          <a:bodyPr/>
+          <a:lstStyle/>
+          <a:p>
+            <a:fld id="{BBD74847-7BE4-4E4D-8159-51DF7B93C616}" type="slidenum">
+              <a:rPr lang="en-US" smtClean="0"/>
+              <a:t>‹#›</a:t>
+            </a:fld>
+            <a:endParaRPr lang="en-US"/>
+          </a:p>
+        </p:txBody>
+      </p:sp>
+      <p:sp>
+        <p:nvSpPr>
+          <p:cNvPr id="14" name="Rectangle 13">
+            <a:extLst>
+              <a:ext uri="{FF2B5EF4-FFF2-40B4-BE49-F238E27FC236}">
+                <a16:creationId xmlns:a16="http://schemas.microsoft.com/office/drawing/2014/main" id="{4E7E6853-34E8-4052-808F-422B5860D591}"/>
+              </a:ext>
+            </a:extLst>
+          </p:cNvPr>
+          <p:cNvSpPr>
+            <a:spLocks noChangeAspect="1"/>
+          </p:cNvSpPr>
+          <p:nvPr userDrawn="1"/>
+        </p:nvSpPr>
+        <p:spPr>
+          <a:xfrm>
+            <a:off x="142200" y="249101"/>
+            <a:ext cx="8831579" cy="840455"/>
+          </a:xfrm>
+          <a:prstGeom prst="rect">
+            <a:avLst/>
+          </a:prstGeom>
+          <a:solidFill>
+            <a:schemeClr val="accent1"/>
+          </a:solidFill>
+          <a:ln>
+            <a:noFill/>
+          </a:ln>
+          <a:effectLst/>
+        </p:spPr>
+        <p:style>
+          <a:lnRef idx="1">
+            <a:schemeClr val="accent1"/>
+          </a:lnRef>
+          <a:fillRef idx="3">
+            <a:schemeClr val="accent1"/>
+          </a:fillRef>
+          <a:effectRef idx="2">
+            <a:schemeClr val="accent1"/>
+          </a:effectRef>
+          <a:fontRef idx="minor">
+            <a:schemeClr val="lt1"/>
+          </a:fontRef>
+        </p:style>
+        <p:txBody>
+          <a:bodyPr/>
+          <a:lstStyle/>
+          <a:p>
+            <a:endParaRPr lang="en-US" dirty="0"/>
+          </a:p>
+        </p:txBody>
+      </p:sp>
+      <p:sp>
+        <p:nvSpPr>
+          <p:cNvPr id="15" name="Title 1">
+            <a:extLst>
+              <a:ext uri="{FF2B5EF4-FFF2-40B4-BE49-F238E27FC236}">
+                <a16:creationId xmlns:a16="http://schemas.microsoft.com/office/drawing/2014/main" id="{0EFA1566-CE68-450F-950A-CED460092EA8}"/>
+              </a:ext>
+            </a:extLst>
+          </p:cNvPr>
+          <p:cNvSpPr>
+            <a:spLocks noGrp="1"/>
+          </p:cNvSpPr>
+          <p:nvPr>
+            <p:ph type="title"/>
+          </p:nvPr>
+        </p:nvSpPr>
+        <p:spPr>
+          <a:xfrm>
+            <a:off x="175260" y="292975"/>
+            <a:ext cx="8746864" cy="752706"/>
+          </a:xfrm>
+        </p:spPr>
+        <p:txBody>
+          <a:bodyPr anchor="t"/>
+          <a:lstStyle>
+            <a:lvl1pPr>
+              <a:defRPr>
+                <a:solidFill>
+                  <a:schemeClr val="tx1"/>
+                </a:solidFill>
+              </a:defRPr>
+            </a:lvl1pPr>
+          </a:lstStyle>
+          <a:p>
+            <a:r>
+              <a:rPr lang="en-US" dirty="0"/>
+              <a:t>Click to edit Master title style</a:t>
+            </a:r>
+          </a:p>
+        </p:txBody>
+      </p:sp>
+    </p:spTree>
+    <p:extLst>
+      <p:ext uri="{BB962C8B-B14F-4D97-AF65-F5344CB8AC3E}">
+        <p14:creationId xmlns:p14="http://schemas.microsoft.com/office/powerpoint/2010/main" val="3559663154"/>
+      </p:ext>
+    </p:extLst>
+  </p:cSld>
+  <p:clrMapOvr>
+    <a:masterClrMapping/>
+  </p:clrMapOvr>
+</p:sldLayout>
+</file>
+
+<file path=ppt/slideLayouts/slideLayout6.xml><?xml version="1.0" encoding="utf-8"?>
+<p:sldLayout xmlns:a="http://schemas.openxmlformats.org/drawingml/2006/main" xmlns:r="http://schemas.openxmlformats.org/officeDocument/2006/relationships" xmlns:p="http://schemas.openxmlformats.org/presentationml/2006/main" preserve="1" userDrawn="1">
+  <p:cSld name="Title Only">
+    <p:spTree>
+      <p:nvGrpSpPr>
+        <p:cNvPr id="1" name=""/>
+        <p:cNvGrpSpPr/>
+        <p:nvPr/>
+      </p:nvGrpSpPr>
+      <p:grpSpPr>
+        <a:xfrm>
+          <a:off x="0" y="0"/>
+          <a:ext cx="0" cy="0"/>
+          <a:chOff x="0" y="0"/>
+          <a:chExt cx="0" cy="0"/>
+        </a:xfrm>
+      </p:grpSpPr>
+      <p:sp>
+        <p:nvSpPr>
+          <p:cNvPr id="7" name="Footer Placeholder 4">
+            <a:extLst>
+              <a:ext uri="{FF2B5EF4-FFF2-40B4-BE49-F238E27FC236}">
+                <a16:creationId xmlns:a16="http://schemas.microsoft.com/office/drawing/2014/main" id="{42632993-FC7F-42E0-9D01-6C58965FB8BB}"/>
+              </a:ext>
+            </a:extLst>
+          </p:cNvPr>
+          <p:cNvSpPr>
+            <a:spLocks noGrp="1"/>
+          </p:cNvSpPr>
+          <p:nvPr>
+            <p:ph type="ftr" sz="quarter" idx="11"/>
+          </p:nvPr>
+        </p:nvSpPr>
+        <p:spPr>
+          <a:xfrm>
+            <a:off x="88409" y="6266485"/>
+            <a:ext cx="4870585" cy="365125"/>
+          </a:xfrm>
+          <a:prstGeom prst="rect">
+            <a:avLst/>
+          </a:prstGeom>
+        </p:spPr>
+        <p:txBody>
+          <a:bodyPr/>
+          <a:lstStyle/>
+          <a:p>
+            <a:r>
+              <a:rPr lang="en-US"/>
+              <a:t>Copyright © 2020 Prime Lessons (primelessons.org) CC-BY-NC-SA.  (Last edit: 5/30/2020)</a:t>
+            </a:r>
+            <a:endParaRPr lang="en-US" dirty="0"/>
+          </a:p>
+        </p:txBody>
+      </p:sp>
+      <p:sp>
+        <p:nvSpPr>
+          <p:cNvPr id="8" name="Slide Number Placeholder 5">
+            <a:extLst>
+              <a:ext uri="{FF2B5EF4-FFF2-40B4-BE49-F238E27FC236}">
+                <a16:creationId xmlns:a16="http://schemas.microsoft.com/office/drawing/2014/main" id="{57B8D68D-165F-4007-99ED-9807B7E8CBDC}"/>
+              </a:ext>
+            </a:extLst>
+          </p:cNvPr>
+          <p:cNvSpPr>
+            <a:spLocks noGrp="1"/>
+          </p:cNvSpPr>
+          <p:nvPr>
+            <p:ph type="sldNum" sz="quarter" idx="12"/>
+          </p:nvPr>
+        </p:nvSpPr>
+        <p:spPr>
+          <a:xfrm>
+            <a:off x="8236372" y="6280641"/>
+            <a:ext cx="770468" cy="365125"/>
+          </a:xfrm>
+          <a:prstGeom prst="rect">
+            <a:avLst/>
+          </a:prstGeom>
+        </p:spPr>
+        <p:txBody>
+          <a:bodyPr/>
+          <a:lstStyle/>
+          <a:p>
+            <a:fld id="{BBD74847-7BE4-4E4D-8159-51DF7B93C616}" type="slidenum">
+              <a:rPr lang="en-US" smtClean="0"/>
+              <a:t>‹#›</a:t>
+            </a:fld>
+            <a:endParaRPr lang="en-US"/>
+          </a:p>
+        </p:txBody>
+      </p:sp>
+      <p:cxnSp>
+        <p:nvCxnSpPr>
+          <p:cNvPr id="9" name="Straight Connector 8">
+            <a:extLst>
+              <a:ext uri="{FF2B5EF4-FFF2-40B4-BE49-F238E27FC236}">
+                <a16:creationId xmlns:a16="http://schemas.microsoft.com/office/drawing/2014/main" id="{72068E05-BA91-41C0-82CA-8F2AD35C67E8}"/>
+              </a:ext>
+            </a:extLst>
+          </p:cNvPr>
+          <p:cNvCxnSpPr/>
+          <p:nvPr userDrawn="1"/>
+        </p:nvCxnSpPr>
+        <p:spPr>
+          <a:xfrm>
+            <a:off x="175260" y="6316935"/>
+            <a:ext cx="8831580" cy="0"/>
+          </a:xfrm>
+          <a:prstGeom prst="line">
+            <a:avLst/>
+          </a:prstGeom>
+        </p:spPr>
+        <p:style>
+          <a:lnRef idx="1">
+            <a:schemeClr val="dk1"/>
+          </a:lnRef>
+          <a:fillRef idx="0">
+            <a:schemeClr val="dk1"/>
+          </a:fillRef>
+          <a:effectRef idx="0">
+            <a:schemeClr val="dk1"/>
+          </a:effectRef>
+          <a:fontRef idx="minor">
+            <a:schemeClr val="tx1"/>
+          </a:fontRef>
+        </p:style>
+      </p:cxnSp>
+      <p:sp>
+        <p:nvSpPr>
+          <p:cNvPr id="13" name="Rectangle 12">
+            <a:extLst>
+              <a:ext uri="{FF2B5EF4-FFF2-40B4-BE49-F238E27FC236}">
+                <a16:creationId xmlns:a16="http://schemas.microsoft.com/office/drawing/2014/main" id="{B2971BF8-D77B-4814-931D-48F5EB38C3C1}"/>
+              </a:ext>
+            </a:extLst>
+          </p:cNvPr>
+          <p:cNvSpPr>
+            <a:spLocks noChangeAspect="1"/>
+          </p:cNvSpPr>
+          <p:nvPr userDrawn="1"/>
+        </p:nvSpPr>
+        <p:spPr>
+          <a:xfrm>
+            <a:off x="142200" y="249101"/>
+            <a:ext cx="8831579" cy="840455"/>
+          </a:xfrm>
+          <a:prstGeom prst="rect">
+            <a:avLst/>
+          </a:prstGeom>
+          <a:solidFill>
+            <a:schemeClr val="accent1"/>
+          </a:solidFill>
+          <a:ln>
+            <a:noFill/>
+          </a:ln>
+          <a:effectLst/>
+        </p:spPr>
+        <p:style>
+          <a:lnRef idx="1">
+            <a:schemeClr val="accent1"/>
+          </a:lnRef>
+          <a:fillRef idx="3">
+            <a:schemeClr val="accent1"/>
+          </a:fillRef>
+          <a:effectRef idx="2">
+            <a:schemeClr val="accent1"/>
+          </a:effectRef>
+          <a:fontRef idx="minor">
+            <a:schemeClr val="lt1"/>
+          </a:fontRef>
+        </p:style>
+        <p:txBody>
+          <a:bodyPr/>
+          <a:lstStyle/>
+          <a:p>
+            <a:endParaRPr lang="en-US" dirty="0"/>
+          </a:p>
+        </p:txBody>
+      </p:sp>
+      <p:sp>
+        <p:nvSpPr>
+          <p:cNvPr id="14" name="Title 1">
+            <a:extLst>
+              <a:ext uri="{FF2B5EF4-FFF2-40B4-BE49-F238E27FC236}">
+                <a16:creationId xmlns:a16="http://schemas.microsoft.com/office/drawing/2014/main" id="{37D59584-71E8-443A-AF13-6C99AD60823A}"/>
+              </a:ext>
+            </a:extLst>
+          </p:cNvPr>
+          <p:cNvSpPr>
+            <a:spLocks noGrp="1"/>
+          </p:cNvSpPr>
+          <p:nvPr>
+            <p:ph type="title"/>
+          </p:nvPr>
+        </p:nvSpPr>
+        <p:spPr>
+          <a:xfrm>
+            <a:off x="175260" y="292975"/>
+            <a:ext cx="8746864" cy="752706"/>
+          </a:xfrm>
+        </p:spPr>
+        <p:txBody>
+          <a:bodyPr anchor="t"/>
+          <a:lstStyle>
+            <a:lvl1pPr>
+              <a:defRPr>
+                <a:solidFill>
+                  <a:schemeClr val="tx1"/>
+                </a:solidFill>
+              </a:defRPr>
+            </a:lvl1pPr>
+          </a:lstStyle>
+          <a:p>
+            <a:r>
+              <a:rPr lang="en-US" dirty="0"/>
+              <a:t>Click to edit Master title style</a:t>
+            </a:r>
+          </a:p>
+        </p:txBody>
+      </p:sp>
+    </p:spTree>
+    <p:extLst>
+      <p:ext uri="{BB962C8B-B14F-4D97-AF65-F5344CB8AC3E}">
+        <p14:creationId xmlns:p14="http://schemas.microsoft.com/office/powerpoint/2010/main" val="3744229240"/>
+      </p:ext>
+    </p:extLst>
+  </p:cSld>
+  <p:clrMapOvr>
+    <a:masterClrMapping/>
+  </p:clrMapOvr>
+</p:sldLayout>
+</file>
+
+<file path=ppt/slideLayouts/slideLayout7.xml><?xml version="1.0" encoding="utf-8"?>
+<p:sldLayout xmlns:a="http://schemas.openxmlformats.org/drawingml/2006/main" xmlns:r="http://schemas.openxmlformats.org/officeDocument/2006/relationships" xmlns:p="http://schemas.openxmlformats.org/presentationml/2006/main" preserve="1" userDrawn="1">
+  <p:cSld name="Blank">
+    <p:spTree>
+      <p:nvGrpSpPr>
+        <p:cNvPr id="1" name=""/>
+        <p:cNvGrpSpPr/>
+        <p:nvPr/>
+      </p:nvGrpSpPr>
+      <p:grpSpPr>
+        <a:xfrm>
+          <a:off x="0" y="0"/>
+          <a:ext cx="0" cy="0"/>
+          <a:chOff x="0" y="0"/>
+          <a:chExt cx="0" cy="0"/>
+        </a:xfrm>
+      </p:grpSpPr>
+      <p:sp>
+        <p:nvSpPr>
+          <p:cNvPr id="8" name="Rectangle 7">
+            <a:extLst>
+              <a:ext uri="{FF2B5EF4-FFF2-40B4-BE49-F238E27FC236}">
+                <a16:creationId xmlns:a16="http://schemas.microsoft.com/office/drawing/2014/main" id="{8DE18750-3B08-429F-A276-D977DF7F7295}"/>
+              </a:ext>
+            </a:extLst>
+          </p:cNvPr>
+          <p:cNvSpPr>
+            <a:spLocks noChangeAspect="1"/>
+          </p:cNvSpPr>
+          <p:nvPr userDrawn="1"/>
+        </p:nvSpPr>
+        <p:spPr>
+          <a:xfrm>
+            <a:off x="142200" y="249101"/>
+            <a:ext cx="8831579" cy="840455"/>
+          </a:xfrm>
+          <a:prstGeom prst="rect">
+            <a:avLst/>
+          </a:prstGeom>
+          <a:solidFill>
+            <a:schemeClr val="accent1"/>
+          </a:solidFill>
+          <a:ln>
+            <a:noFill/>
+          </a:ln>
+          <a:effectLst/>
+        </p:spPr>
+        <p:style>
+          <a:lnRef idx="1">
+            <a:schemeClr val="accent1"/>
+          </a:lnRef>
+          <a:fillRef idx="3">
+            <a:schemeClr val="accent1"/>
+          </a:fillRef>
+          <a:effectRef idx="2">
+            <a:schemeClr val="accent1"/>
+          </a:effectRef>
+          <a:fontRef idx="minor">
+            <a:schemeClr val="lt1"/>
+          </a:fontRef>
+        </p:style>
+        <p:txBody>
+          <a:bodyPr/>
+          <a:lstStyle/>
+          <a:p>
+            <a:endParaRPr lang="en-US" dirty="0"/>
+          </a:p>
+        </p:txBody>
+      </p:sp>
+      <p:sp>
+        <p:nvSpPr>
+          <p:cNvPr id="9" name="Title 1">
+            <a:extLst>
+              <a:ext uri="{FF2B5EF4-FFF2-40B4-BE49-F238E27FC236}">
+                <a16:creationId xmlns:a16="http://schemas.microsoft.com/office/drawing/2014/main" id="{09B12976-4243-42C3-AD82-8647817437DB}"/>
+              </a:ext>
+            </a:extLst>
+          </p:cNvPr>
+          <p:cNvSpPr>
+            <a:spLocks noGrp="1"/>
+          </p:cNvSpPr>
+          <p:nvPr>
+            <p:ph type="title"/>
+          </p:nvPr>
+        </p:nvSpPr>
+        <p:spPr>
+          <a:xfrm>
+            <a:off x="175260" y="292975"/>
+            <a:ext cx="8746864" cy="752706"/>
+          </a:xfrm>
+        </p:spPr>
+        <p:txBody>
+          <a:bodyPr anchor="t"/>
+          <a:lstStyle>
+            <a:lvl1pPr>
+              <a:defRPr>
+                <a:solidFill>
+                  <a:schemeClr val="tx1"/>
+                </a:solidFill>
+              </a:defRPr>
+            </a:lvl1pPr>
+          </a:lstStyle>
+          <a:p>
+            <a:r>
+              <a:rPr lang="en-US" dirty="0"/>
+              <a:t>Click to edit Master title style</a:t>
+            </a:r>
+          </a:p>
+        </p:txBody>
+      </p:sp>
+      <p:sp>
+        <p:nvSpPr>
+          <p:cNvPr id="10" name="Slide Number Placeholder 5">
+            <a:extLst>
+              <a:ext uri="{FF2B5EF4-FFF2-40B4-BE49-F238E27FC236}">
+                <a16:creationId xmlns:a16="http://schemas.microsoft.com/office/drawing/2014/main" id="{AB5BF95A-3885-4491-876B-4C99D444A819}"/>
+              </a:ext>
+            </a:extLst>
+          </p:cNvPr>
+          <p:cNvSpPr>
+            <a:spLocks noGrp="1"/>
+          </p:cNvSpPr>
+          <p:nvPr>
+            <p:ph type="sldNum" sz="quarter" idx="12"/>
+          </p:nvPr>
+        </p:nvSpPr>
+        <p:spPr>
+          <a:xfrm>
+            <a:off x="8236372" y="6280641"/>
+            <a:ext cx="770468" cy="365125"/>
+          </a:xfrm>
+          <a:prstGeom prst="rect">
+            <a:avLst/>
+          </a:prstGeom>
+        </p:spPr>
+        <p:txBody>
+          <a:bodyPr/>
+          <a:lstStyle/>
+          <a:p>
+            <a:fld id="{BBD74847-7BE4-4E4D-8159-51DF7B93C616}" type="slidenum">
+              <a:rPr lang="en-US" smtClean="0"/>
+              <a:t>‹#›</a:t>
+            </a:fld>
+            <a:endParaRPr lang="en-US"/>
+          </a:p>
+        </p:txBody>
+      </p:sp>
+      <p:cxnSp>
+        <p:nvCxnSpPr>
+          <p:cNvPr id="11" name="Straight Connector 10">
+            <a:extLst>
+              <a:ext uri="{FF2B5EF4-FFF2-40B4-BE49-F238E27FC236}">
+                <a16:creationId xmlns:a16="http://schemas.microsoft.com/office/drawing/2014/main" id="{A625C0E0-87AD-4A9A-8CC2-D51E549C54AC}"/>
+              </a:ext>
+            </a:extLst>
+          </p:cNvPr>
+          <p:cNvCxnSpPr/>
+          <p:nvPr userDrawn="1"/>
+        </p:nvCxnSpPr>
+        <p:spPr>
+          <a:xfrm>
+            <a:off x="175260" y="6316935"/>
+            <a:ext cx="8831580" cy="0"/>
+          </a:xfrm>
+          <a:prstGeom prst="line">
+            <a:avLst/>
+          </a:prstGeom>
+        </p:spPr>
+        <p:style>
+          <a:lnRef idx="1">
+            <a:schemeClr val="dk1"/>
+          </a:lnRef>
+          <a:fillRef idx="0">
+            <a:schemeClr val="dk1"/>
+          </a:fillRef>
+          <a:effectRef idx="0">
+            <a:schemeClr val="dk1"/>
+          </a:effectRef>
+          <a:fontRef idx="minor">
+            <a:schemeClr val="tx1"/>
+          </a:fontRef>
+        </p:style>
+      </p:cxnSp>
+      <p:sp>
+        <p:nvSpPr>
+          <p:cNvPr id="12" name="Footer Placeholder 4">
+            <a:extLst>
+              <a:ext uri="{FF2B5EF4-FFF2-40B4-BE49-F238E27FC236}">
+                <a16:creationId xmlns:a16="http://schemas.microsoft.com/office/drawing/2014/main" id="{957F6DEB-B3FE-4632-A871-23BAA7FEADD1}"/>
+              </a:ext>
+            </a:extLst>
+          </p:cNvPr>
+          <p:cNvSpPr>
+            <a:spLocks noGrp="1"/>
+          </p:cNvSpPr>
+          <p:nvPr>
+            <p:ph type="ftr" sz="quarter" idx="11"/>
+          </p:nvPr>
+        </p:nvSpPr>
+        <p:spPr>
+          <a:xfrm>
+            <a:off x="88409" y="6266485"/>
+            <a:ext cx="4870585" cy="365125"/>
+          </a:xfrm>
+          <a:prstGeom prst="rect">
+            <a:avLst/>
+          </a:prstGeom>
+        </p:spPr>
+        <p:txBody>
+          <a:bodyPr/>
+          <a:lstStyle/>
+          <a:p>
+            <a:r>
+              <a:rPr lang="en-US"/>
+              <a:t>Copyright © 2020 Prime Lessons (primelessons.org) CC-BY-NC-SA.  (Last edit: 5/30/2020)</a:t>
+            </a:r>
+            <a:endParaRPr lang="en-US" dirty="0"/>
+          </a:p>
+        </p:txBody>
+      </p:sp>
+    </p:spTree>
+    <p:extLst>
+      <p:ext uri="{BB962C8B-B14F-4D97-AF65-F5344CB8AC3E}">
+        <p14:creationId xmlns:p14="http://schemas.microsoft.com/office/powerpoint/2010/main" val="3483049992"/>
+      </p:ext>
+    </p:extLst>
+  </p:cSld>
+  <p:clrMapOvr>
+    <a:masterClrMapping/>
+  </p:clrMapOvr>
+</p:sldLayout>
+</file>
+
+<file path=ppt/slideLayouts/slideLayout8.xml><?xml version="1.0" encoding="utf-8"?>
+<p:sldLayout xmlns:a="http://schemas.openxmlformats.org/drawingml/2006/main" xmlns:r="http://schemas.openxmlformats.org/officeDocument/2006/relationships" xmlns:p="http://schemas.openxmlformats.org/presentationml/2006/main" type="objTx" preserve="1">
+  <p:cSld name="Content with Caption">
+    <p:spTree>
+      <p:nvGrpSpPr>
+        <p:cNvPr id="1" name=""/>
+        <p:cNvGrpSpPr/>
+        <p:nvPr/>
+      </p:nvGrpSpPr>
+      <p:grpSpPr>
+        <a:xfrm>
+          <a:off x="0" y="0"/>
+          <a:ext cx="0" cy="0"/>
+          <a:chOff x="0" y="0"/>
+          <a:chExt cx="0" cy="0"/>
+        </a:xfrm>
+      </p:grpSpPr>
+      <p:sp>
+        <p:nvSpPr>
+          <p:cNvPr id="9" name="Rectangle 8"/>
+          <p:cNvSpPr>
+            <a:spLocks noChangeAspect="1"/>
+          </p:cNvSpPr>
+          <p:nvPr/>
+        </p:nvSpPr>
+        <p:spPr>
+          <a:xfrm>
+            <a:off x="452646" y="5141973"/>
+            <a:ext cx="8238707" cy="1274702"/>
+          </a:xfrm>
+          <a:prstGeom prst="rect">
+            <a:avLst/>
+          </a:prstGeom>
+          <a:solidFill>
+            <a:schemeClr val="accent1"/>
+          </a:solidFill>
+          <a:ln>
+            <a:noFill/>
+          </a:ln>
+          <a:effectLst/>
+        </p:spPr>
+        <p:style>
+          <a:lnRef idx="1">
+            <a:schemeClr val="accent1"/>
+          </a:lnRef>
+          <a:fillRef idx="3">
+            <a:schemeClr val="accent1"/>
+          </a:fillRef>
+          <a:effectRef idx="2">
+            <a:schemeClr val="accent1"/>
+          </a:effectRef>
+          <a:fontRef idx="minor">
+            <a:schemeClr val="lt1"/>
+          </a:fontRef>
+        </p:style>
+      </p:sp>
+      <p:sp>
+        <p:nvSpPr>
+          <p:cNvPr id="2" name="Title 1"/>
+          <p:cNvSpPr>
+            <a:spLocks noGrp="1"/>
+          </p:cNvSpPr>
+          <p:nvPr>
+            <p:ph type="title"/>
+          </p:nvPr>
+        </p:nvSpPr>
+        <p:spPr>
+          <a:xfrm>
+            <a:off x="581352" y="5262296"/>
+            <a:ext cx="3536625" cy="689514"/>
+          </a:xfrm>
+        </p:spPr>
+        <p:txBody>
+          <a:bodyPr anchor="ctr"/>
+          <a:lstStyle>
+            <a:lvl1pPr algn="l">
+              <a:defRPr sz="2000" b="0">
+                <a:solidFill>
+                  <a:schemeClr val="accent1">
+                    <a:lumMod val="75000"/>
+                    <a:lumOff val="25000"/>
+                  </a:schemeClr>
+                </a:solidFill>
+              </a:defRPr>
+            </a:lvl1pPr>
+          </a:lstStyle>
+          <a:p>
+            <a:r>
+              <a:rPr lang="en-US"/>
+              <a:t>Click to edit Master title style</a:t>
+            </a:r>
+            <a:endParaRPr lang="en-US" dirty="0"/>
+          </a:p>
+        </p:txBody>
+      </p:sp>
+      <p:sp>
+        <p:nvSpPr>
+          <p:cNvPr id="3" name="Content Placeholder 2"/>
+          <p:cNvSpPr>
+            <a:spLocks noGrp="1"/>
+          </p:cNvSpPr>
+          <p:nvPr>
+            <p:ph idx="1"/>
+          </p:nvPr>
+        </p:nvSpPr>
+        <p:spPr>
+          <a:xfrm>
+            <a:off x="446399" y="601200"/>
+            <a:ext cx="8240400" cy="4204800"/>
+          </a:xfrm>
+        </p:spPr>
+        <p:txBody>
+          <a:bodyPr anchor="ctr">
+            <a:normAutofit/>
+          </a:bodyPr>
+          <a:lstStyle>
+            <a:lvl1pPr>
+              <a:defRPr sz="2000">
+                <a:solidFill>
+                  <a:schemeClr val="tx2"/>
+                </a:solidFill>
+              </a:defRPr>
+            </a:lvl1pPr>
+            <a:lvl2pPr>
+              <a:defRPr sz="1800">
+                <a:solidFill>
+                  <a:schemeClr val="tx2"/>
+                </a:solidFill>
+              </a:defRPr>
+            </a:lvl2pPr>
+            <a:lvl3pPr>
+              <a:defRPr sz="1600">
+                <a:solidFill>
+                  <a:schemeClr val="tx2"/>
+                </a:solidFill>
+              </a:defRPr>
+            </a:lvl3pPr>
+            <a:lvl4pPr>
+              <a:defRPr sz="1400">
+                <a:solidFill>
+                  <a:schemeClr val="tx2"/>
+                </a:solidFill>
+              </a:defRPr>
+            </a:lvl4pPr>
+            <a:lvl5pPr>
+              <a:defRPr sz="1400">
+                <a:solidFill>
+                  <a:schemeClr val="tx2"/>
+                </a:solidFill>
+              </a:defRPr>
+            </a:lvl5pPr>
+            <a:lvl6pPr>
+              <a:defRPr sz="1400">
+                <a:solidFill>
+                  <a:schemeClr val="tx2"/>
+                </a:solidFill>
+              </a:defRPr>
+            </a:lvl6pPr>
+            <a:lvl7pPr>
+              <a:defRPr sz="1400">
+                <a:solidFill>
+                  <a:schemeClr val="tx2"/>
+                </a:solidFill>
+              </a:defRPr>
+            </a:lvl7pPr>
+            <a:lvl8pPr>
+              <a:defRPr sz="1400">
+                <a:solidFill>
+                  <a:schemeClr val="tx2"/>
+                </a:solidFill>
+              </a:defRPr>
+            </a:lvl8pPr>
+            <a:lvl9pPr>
+              <a:defRPr sz="1400">
+                <a:solidFill>
+                  <a:schemeClr val="tx2"/>
+                </a:solidFill>
+              </a:defRPr>
+            </a:lvl9pPr>
+          </a:lstStyle>
+          <a:p>
+            <a:pPr lvl="0"/>
+            <a:r>
+              <a:rPr lang="en-US"/>
+              <a:t>Click to edit Master text styles</a:t>
+            </a:r>
+          </a:p>
+          <a:p>
+            <a:pPr lvl="1"/>
+            <a:r>
+              <a:rPr lang="en-US"/>
+              <a:t>Second level</a:t>
+            </a:r>
+          </a:p>
+          <a:p>
+            <a:pPr lvl="2"/>
+            <a:r>
+              <a:rPr lang="en-US"/>
+              <a:t>Third level</a:t>
+            </a:r>
+          </a:p>
+          <a:p>
+            <a:pPr lvl="3"/>
+            <a:r>
+              <a:rPr lang="en-US"/>
+              <a:t>Fourth level</a:t>
+            </a:r>
+          </a:p>
+          <a:p>
+            <a:pPr lvl="4"/>
+            <a:r>
+              <a:rPr lang="en-US"/>
+              <a:t>Fifth level</a:t>
+            </a:r>
+            <a:endParaRPr lang="en-US" dirty="0"/>
+          </a:p>
+        </p:txBody>
+      </p:sp>
+      <p:sp>
+        <p:nvSpPr>
+          <p:cNvPr id="4" name="Text Placeholder 3"/>
+          <p:cNvSpPr>
+            <a:spLocks noGrp="1"/>
+          </p:cNvSpPr>
+          <p:nvPr>
+            <p:ph type="body" sz="half" idx="2"/>
+          </p:nvPr>
+        </p:nvSpPr>
+        <p:spPr>
+          <a:xfrm>
+            <a:off x="4305617" y="5262295"/>
+            <a:ext cx="4265327" cy="689515"/>
+          </a:xfrm>
+        </p:spPr>
+        <p:txBody>
+          <a:bodyPr anchor="ctr">
+            <a:normAutofit/>
+          </a:bodyPr>
+          <a:lstStyle>
+            <a:lvl1pPr marL="0" indent="0" algn="r">
+              <a:buNone/>
+              <a:defRPr sz="1100">
+                <a:solidFill>
+                  <a:schemeClr val="bg1"/>
+                </a:solidFill>
+              </a:defRPr>
+            </a:lvl1pPr>
+            <a:lvl2pPr marL="457200" indent="0">
+              <a:buNone/>
+              <a:defRPr sz="1100"/>
+            </a:lvl2pPr>
+            <a:lvl3pPr marL="914400" indent="0">
+              <a:buNone/>
+              <a:defRPr sz="1000"/>
+            </a:lvl3pPr>
+            <a:lvl4pPr marL="1371600" indent="0">
+              <a:buNone/>
+              <a:defRPr sz="900"/>
+            </a:lvl4pPr>
+            <a:lvl5pPr marL="1828800" indent="0">
+              <a:buNone/>
+              <a:defRPr sz="900"/>
+            </a:lvl5pPr>
+            <a:lvl6pPr marL="2286000" indent="0">
+              <a:buNone/>
+              <a:defRPr sz="900"/>
+            </a:lvl6pPr>
+            <a:lvl7pPr marL="2743200" indent="0">
+              <a:buNone/>
+              <a:defRPr sz="900"/>
+            </a:lvl7pPr>
+            <a:lvl8pPr marL="3200400" indent="0">
+              <a:buNone/>
+              <a:defRPr sz="900"/>
+            </a:lvl8pPr>
+            <a:lvl9pPr marL="3657600" indent="0">
+              <a:buNone/>
+              <a:defRPr sz="900"/>
+            </a:lvl9pPr>
+          </a:lstStyle>
+          <a:p>
+            <a:pPr lvl="0"/>
+            <a:r>
+              <a:rPr lang="en-US"/>
+              <a:t>Click to edit Master text styles</a:t>
+            </a:r>
+          </a:p>
+        </p:txBody>
+      </p:sp>
+      <p:sp>
+        <p:nvSpPr>
+          <p:cNvPr id="5" name="Date Placeholder 4"/>
+          <p:cNvSpPr>
+            <a:spLocks noGrp="1"/>
+          </p:cNvSpPr>
+          <p:nvPr>
+            <p:ph type="dt" sz="half" idx="10"/>
+          </p:nvPr>
+        </p:nvSpPr>
+        <p:spPr>
+          <a:xfrm>
+            <a:off x="5559327" y="5956136"/>
+            <a:ext cx="2133600" cy="365125"/>
+          </a:xfrm>
+          <a:prstGeom prst="rect">
+            <a:avLst/>
+          </a:prstGeom>
+        </p:spPr>
+        <p:txBody>
+          <a:bodyPr/>
+          <a:lstStyle>
+            <a:lvl1pPr>
+              <a:defRPr>
+                <a:solidFill>
+                  <a:schemeClr val="accent1">
+                    <a:lumMod val="75000"/>
+                    <a:lumOff val="25000"/>
+                  </a:schemeClr>
+                </a:solidFill>
+              </a:defRPr>
+            </a:lvl1pPr>
+          </a:lstStyle>
+          <a:p>
+            <a:endParaRPr lang="en-US"/>
+          </a:p>
+        </p:txBody>
+      </p:sp>
+      <p:sp>
+        <p:nvSpPr>
+          <p:cNvPr id="6" name="Footer Placeholder 5"/>
+          <p:cNvSpPr>
+            <a:spLocks noGrp="1"/>
+          </p:cNvSpPr>
+          <p:nvPr>
+            <p:ph type="ftr" sz="quarter" idx="11"/>
+          </p:nvPr>
+        </p:nvSpPr>
+        <p:spPr>
+          <a:xfrm>
+            <a:off x="581192" y="5951810"/>
+            <a:ext cx="4870585" cy="365125"/>
+          </a:xfrm>
+          <a:prstGeom prst="rect">
+            <a:avLst/>
+          </a:prstGeom>
+        </p:spPr>
+        <p:txBody>
+          <a:bodyPr/>
+          <a:lstStyle>
+            <a:lvl1pPr>
+              <a:defRPr>
+                <a:solidFill>
+                  <a:schemeClr val="accent1">
+                    <a:lumMod val="75000"/>
+                    <a:lumOff val="25000"/>
+                  </a:schemeClr>
+                </a:solidFill>
+              </a:defRPr>
+            </a:lvl1pPr>
+          </a:lstStyle>
+          <a:p>
+            <a:r>
+              <a:rPr lang="en-US"/>
+              <a:t>Copyright © 2020 Prime Lessons (primelessons.org) CC-BY-NC-SA.  (Last edit: 5/30/2020)</a:t>
+            </a:r>
+          </a:p>
+        </p:txBody>
+      </p:sp>
+      <p:sp>
+        <p:nvSpPr>
+          <p:cNvPr id="7" name="Slide Number Placeholder 6"/>
+          <p:cNvSpPr>
+            <a:spLocks noGrp="1"/>
+          </p:cNvSpPr>
+          <p:nvPr>
+            <p:ph type="sldNum" sz="quarter" idx="12"/>
+          </p:nvPr>
+        </p:nvSpPr>
+        <p:spPr>
+          <a:xfrm>
+            <a:off x="7800476" y="5956136"/>
+            <a:ext cx="770468" cy="365125"/>
+          </a:xfrm>
+          <a:prstGeom prst="rect">
+            <a:avLst/>
+          </a:prstGeom>
+        </p:spPr>
+        <p:txBody>
+          <a:bodyPr/>
+          <a:lstStyle>
+            <a:lvl1pPr>
+              <a:defRPr>
+                <a:solidFill>
+                  <a:schemeClr val="accent1">
+                    <a:lumMod val="75000"/>
+                    <a:lumOff val="25000"/>
+                  </a:schemeClr>
+                </a:solidFill>
+              </a:defRPr>
+            </a:lvl1pPr>
+          </a:lstStyle>
+          <a:p>
+            <a:fld id="{BBD74847-7BE4-4E4D-8159-51DF7B93C616}" type="slidenum">
+              <a:rPr lang="en-US" smtClean="0"/>
+              <a:t>‹#›</a:t>
+            </a:fld>
+            <a:endParaRPr lang="en-US"/>
+          </a:p>
+        </p:txBody>
+      </p:sp>
+    </p:spTree>
+    <p:extLst>
+      <p:ext uri="{BB962C8B-B14F-4D97-AF65-F5344CB8AC3E}">
+        <p14:creationId xmlns:p14="http://schemas.microsoft.com/office/powerpoint/2010/main" val="632803792"/>
+      </p:ext>
+    </p:extLst>
+  </p:cSld>
+  <p:clrMapOvr>
+    <a:masterClrMapping/>
+  </p:clrMapOvr>
+</p:sldLayout>
+</file>
+
+<file path=ppt/slideLayouts/slideLayout9.xml><?xml version="1.0" encoding="utf-8"?>
+<p:sldLayout xmlns:a="http://schemas.openxmlformats.org/drawingml/2006/main" xmlns:r="http://schemas.openxmlformats.org/officeDocument/2006/relationships" xmlns:p="http://schemas.openxmlformats.org/presentationml/2006/main" type="picTx" preserve="1">
+  <p:cSld name="Picture with Caption">
+    <p:spTree>
+      <p:nvGrpSpPr>
+        <p:cNvPr id="1" name=""/>
+        <p:cNvGrpSpPr/>
+        <p:nvPr/>
+      </p:nvGrpSpPr>
+      <p:grpSpPr>
+        <a:xfrm>
+          <a:off x="0" y="0"/>
+          <a:ext cx="0" cy="0"/>
+          <a:chOff x="0" y="0"/>
+          <a:chExt cx="0" cy="0"/>
+        </a:xfrm>
+      </p:grpSpPr>
+      <p:sp>
+        <p:nvSpPr>
+          <p:cNvPr id="2" name="Title 1"/>
+          <p:cNvSpPr>
+            <a:spLocks noGrp="1"/>
+          </p:cNvSpPr>
+          <p:nvPr>
+            <p:ph type="title"/>
+          </p:nvPr>
+        </p:nvSpPr>
+        <p:spPr>
+          <a:xfrm>
+            <a:off x="581192" y="4693389"/>
+            <a:ext cx="7989752" cy="566738"/>
+          </a:xfrm>
+        </p:spPr>
+        <p:txBody>
+          <a:bodyPr anchor="b">
+            <a:normAutofit/>
+          </a:bodyPr>
+          <a:lstStyle>
+            <a:lvl1pPr algn="l">
+              <a:defRPr sz="2400" b="0">
+                <a:solidFill>
+                  <a:schemeClr val="accent1"/>
+                </a:solidFill>
+              </a:defRPr>
+            </a:lvl1pPr>
+          </a:lstStyle>
+          <a:p>
+            <a:r>
+              <a:rPr lang="en-US"/>
+              <a:t>Click to edit Master title style</a:t>
+            </a:r>
+            <a:endParaRPr lang="en-US" dirty="0"/>
+          </a:p>
+        </p:txBody>
+      </p:sp>
+      <p:sp>
+        <p:nvSpPr>
+          <p:cNvPr id="3" name="Picture Placeholder 2"/>
+          <p:cNvSpPr>
+            <a:spLocks noGrp="1" noChangeAspect="1"/>
+          </p:cNvSpPr>
+          <p:nvPr>
+            <p:ph type="pic" idx="1"/>
+          </p:nvPr>
+        </p:nvSpPr>
+        <p:spPr>
+          <a:xfrm>
+            <a:off x="448093" y="599725"/>
+            <a:ext cx="8238706" cy="3557252"/>
+          </a:xfrm>
+        </p:spPr>
+        <p:txBody>
+          <a:bodyPr anchor="t">
+            <a:normAutofit/>
+          </a:bodyPr>
+          <a:lstStyle>
+            <a:lvl1pPr marL="0" indent="0" algn="ctr">
+              <a:buNone/>
+              <a:defRPr sz="1600"/>
+            </a:lvl1pPr>
+            <a:lvl2pPr marL="457200" indent="0">
+              <a:buNone/>
+              <a:defRPr sz="1600"/>
+            </a:lvl2pPr>
+            <a:lvl3pPr marL="914400" indent="0">
+              <a:buNone/>
+              <a:defRPr sz="1600"/>
+            </a:lvl3pPr>
+            <a:lvl4pPr marL="1371600" indent="0">
+              <a:buNone/>
+              <a:defRPr sz="1600"/>
+            </a:lvl4pPr>
+            <a:lvl5pPr marL="1828800" indent="0">
+              <a:buNone/>
+              <a:defRPr sz="1600"/>
+            </a:lvl5pPr>
+            <a:lvl6pPr marL="2286000" indent="0">
+              <a:buNone/>
+              <a:defRPr sz="1600"/>
+            </a:lvl6pPr>
+            <a:lvl7pPr marL="2743200" indent="0">
+              <a:buNone/>
+              <a:defRPr sz="1600"/>
+            </a:lvl7pPr>
+            <a:lvl8pPr marL="3200400" indent="0">
+              <a:buNone/>
+              <a:defRPr sz="1600"/>
+            </a:lvl8pPr>
+            <a:lvl9pPr marL="3657600" indent="0">
+              <a:buNone/>
+              <a:defRPr sz="1600"/>
+            </a:lvl9pPr>
+          </a:lstStyle>
+          <a:p>
+            <a:r>
+              <a:rPr lang="en-US"/>
+              <a:t>Click icon to add picture</a:t>
+            </a:r>
+            <a:endParaRPr lang="en-US" dirty="0"/>
+          </a:p>
+        </p:txBody>
+      </p:sp>
+      <p:sp>
+        <p:nvSpPr>
+          <p:cNvPr id="4" name="Text Placeholder 3"/>
+          <p:cNvSpPr>
+            <a:spLocks noGrp="1"/>
+          </p:cNvSpPr>
+          <p:nvPr>
+            <p:ph type="body" sz="half" idx="2"/>
+          </p:nvPr>
+        </p:nvSpPr>
+        <p:spPr>
+          <a:xfrm>
+            <a:off x="581192" y="5260126"/>
+            <a:ext cx="7989752" cy="598671"/>
+          </a:xfrm>
+        </p:spPr>
+        <p:txBody>
+          <a:bodyPr>
+            <a:normAutofit/>
+          </a:bodyPr>
+          <a:lstStyle>
+            <a:lvl1pPr marL="0" indent="0">
+              <a:buNone/>
+              <a:defRPr sz="1200"/>
+            </a:lvl1pPr>
+            <a:lvl2pPr marL="457200" indent="0">
+              <a:buNone/>
+              <a:defRPr sz="1200"/>
+            </a:lvl2pPr>
+            <a:lvl3pPr marL="914400" indent="0">
+              <a:buNone/>
+              <a:defRPr sz="1000"/>
+            </a:lvl3pPr>
+            <a:lvl4pPr marL="1371600" indent="0">
+              <a:buNone/>
+              <a:defRPr sz="900"/>
+            </a:lvl4pPr>
+            <a:lvl5pPr marL="1828800" indent="0">
+              <a:buNone/>
+              <a:defRPr sz="900"/>
+            </a:lvl5pPr>
+            <a:lvl6pPr marL="2286000" indent="0">
+              <a:buNone/>
+              <a:defRPr sz="900"/>
+            </a:lvl6pPr>
+            <a:lvl7pPr marL="2743200" indent="0">
+              <a:buNone/>
+              <a:defRPr sz="900"/>
+            </a:lvl7pPr>
+            <a:lvl8pPr marL="3200400" indent="0">
+              <a:buNone/>
+              <a:defRPr sz="900"/>
+            </a:lvl8pPr>
+            <a:lvl9pPr marL="3657600" indent="0">
+              <a:buNone/>
+              <a:defRPr sz="900"/>
+            </a:lvl9pPr>
+          </a:lstStyle>
+          <a:p>
+            <a:pPr lvl="0"/>
+            <a:r>
+              <a:rPr lang="en-US"/>
+              <a:t>Click to edit Master text styles</a:t>
+            </a:r>
+          </a:p>
+        </p:txBody>
+      </p:sp>
+      <p:sp>
+        <p:nvSpPr>
+          <p:cNvPr id="5" name="Date Placeholder 4"/>
+          <p:cNvSpPr>
+            <a:spLocks noGrp="1"/>
+          </p:cNvSpPr>
+          <p:nvPr>
+            <p:ph type="dt" sz="half" idx="10"/>
+          </p:nvPr>
+        </p:nvSpPr>
+        <p:spPr>
+          <a:xfrm>
+            <a:off x="5559327" y="5956136"/>
+            <a:ext cx="2133600" cy="365125"/>
+          </a:xfrm>
+          <a:prstGeom prst="rect">
+            <a:avLst/>
+          </a:prstGeom>
+        </p:spPr>
+        <p:txBody>
+          <a:bodyPr/>
+          <a:lstStyle/>
+          <a:p>
+            <a:endParaRPr lang="en-US"/>
+          </a:p>
+        </p:txBody>
+      </p:sp>
+      <p:sp>
+        <p:nvSpPr>
+          <p:cNvPr id="6" name="Footer Placeholder 5"/>
+          <p:cNvSpPr>
+            <a:spLocks noGrp="1"/>
+          </p:cNvSpPr>
+          <p:nvPr>
+            <p:ph type="ftr" sz="quarter" idx="11"/>
+          </p:nvPr>
+        </p:nvSpPr>
+        <p:spPr>
+          <a:xfrm>
+            <a:off x="581192" y="5951810"/>
+            <a:ext cx="4870585" cy="365125"/>
+          </a:xfrm>
+          <a:prstGeom prst="rect">
+            <a:avLst/>
+          </a:prstGeom>
+        </p:spPr>
+        <p:txBody>
+          <a:bodyPr/>
+          <a:lstStyle/>
+          <a:p>
+            <a:r>
+              <a:rPr lang="en-US"/>
+              <a:t>Copyright © 2020 Prime Lessons (primelessons.org) CC-BY-NC-SA.  (Last edit: 5/30/2020)</a:t>
             </a:r>
             <a:endParaRPr lang="en-US" dirty="0"/>
           </a:p>
@@ -9123,7 +13780,7 @@
           <a:p>
             <a:r>
               <a:rPr lang="en-US"/>
-              <a:t>Copyright © 2020 SPIKE Prime Lessons (primelessons.org) CC-BY-NC-SA.  (Last edit: 5/30/2020)</a:t>
+              <a:t>Copyright © 2020 Prime Lessons (primelessons.org) CC-BY-NC-SA.  (Last edit: 5/30/2020)</a:t>
             </a:r>
             <a:endParaRPr lang="en-US" dirty="0"/>
           </a:p>
@@ -9601,6 +14258,790 @@
 </p:sldMaster>
 </file>
 
+<file path=ppt/slideMasters/slideMaster2.xml><?xml version="1.0" encoding="utf-8"?>
+<p:sldMaster xmlns:a="http://schemas.openxmlformats.org/drawingml/2006/main" xmlns:r="http://schemas.openxmlformats.org/officeDocument/2006/relationships" xmlns:p="http://schemas.openxmlformats.org/presentationml/2006/main">
+  <p:cSld>
+    <p:bg>
+      <p:bgRef idx="1001">
+        <a:schemeClr val="bg1"/>
+      </p:bgRef>
+    </p:bg>
+    <p:spTree>
+      <p:nvGrpSpPr>
+        <p:cNvPr id="1" name=""/>
+        <p:cNvGrpSpPr/>
+        <p:nvPr/>
+      </p:nvGrpSpPr>
+      <p:grpSpPr>
+        <a:xfrm>
+          <a:off x="0" y="0"/>
+          <a:ext cx="0" cy="0"/>
+          <a:chOff x="0" y="0"/>
+          <a:chExt cx="0" cy="0"/>
+        </a:xfrm>
+      </p:grpSpPr>
+      <p:sp>
+        <p:nvSpPr>
+          <p:cNvPr id="2" name="Title Placeholder 1"/>
+          <p:cNvSpPr>
+            <a:spLocks noGrp="1"/>
+          </p:cNvSpPr>
+          <p:nvPr>
+            <p:ph type="title"/>
+          </p:nvPr>
+        </p:nvSpPr>
+        <p:spPr>
+          <a:xfrm>
+            <a:off x="143289" y="270616"/>
+            <a:ext cx="8834991" cy="697573"/>
+          </a:xfrm>
+          <a:prstGeom prst="rect">
+            <a:avLst/>
+          </a:prstGeom>
+        </p:spPr>
+        <p:txBody>
+          <a:bodyPr vert="horz" lIns="91440" tIns="45720" rIns="91440" bIns="45720" rtlCol="0" anchor="b">
+            <a:normAutofit/>
+          </a:bodyPr>
+          <a:lstStyle/>
+          <a:p>
+            <a:r>
+              <a:rPr lang="en-US"/>
+              <a:t>Click to edit Master title style</a:t>
+            </a:r>
+            <a:endParaRPr lang="en-US" dirty="0"/>
+          </a:p>
+        </p:txBody>
+      </p:sp>
+      <p:sp>
+        <p:nvSpPr>
+          <p:cNvPr id="3" name="Text Placeholder 2"/>
+          <p:cNvSpPr>
+            <a:spLocks noGrp="1"/>
+          </p:cNvSpPr>
+          <p:nvPr>
+            <p:ph type="body" idx="1"/>
+          </p:nvPr>
+        </p:nvSpPr>
+        <p:spPr>
+          <a:xfrm>
+            <a:off x="143289" y="1059264"/>
+            <a:ext cx="8834991" cy="4823824"/>
+          </a:xfrm>
+          <a:prstGeom prst="rect">
+            <a:avLst/>
+          </a:prstGeom>
+        </p:spPr>
+        <p:txBody>
+          <a:bodyPr vert="horz" lIns="91440" tIns="45720" rIns="91440" bIns="45720" rtlCol="0" anchor="t">
+            <a:normAutofit/>
+          </a:bodyPr>
+          <a:lstStyle/>
+          <a:p>
+            <a:pPr lvl="0"/>
+            <a:r>
+              <a:rPr lang="en-US"/>
+              <a:t>Click to edit Master text styles</a:t>
+            </a:r>
+          </a:p>
+          <a:p>
+            <a:pPr lvl="1"/>
+            <a:r>
+              <a:rPr lang="en-US"/>
+              <a:t>Second level</a:t>
+            </a:r>
+          </a:p>
+          <a:p>
+            <a:pPr lvl="2"/>
+            <a:r>
+              <a:rPr lang="en-US"/>
+              <a:t>Third level</a:t>
+            </a:r>
+          </a:p>
+          <a:p>
+            <a:pPr lvl="3"/>
+            <a:r>
+              <a:rPr lang="en-US"/>
+              <a:t>Fourth level</a:t>
+            </a:r>
+          </a:p>
+          <a:p>
+            <a:pPr lvl="4"/>
+            <a:r>
+              <a:rPr lang="en-US"/>
+              <a:t>Fifth level</a:t>
+            </a:r>
+            <a:endParaRPr lang="en-US" dirty="0"/>
+          </a:p>
+        </p:txBody>
+      </p:sp>
+      <p:sp>
+        <p:nvSpPr>
+          <p:cNvPr id="9" name="Rectangle 8"/>
+          <p:cNvSpPr/>
+          <p:nvPr/>
+        </p:nvSpPr>
+        <p:spPr>
+          <a:xfrm>
+            <a:off x="143290" y="111873"/>
+            <a:ext cx="2926080" cy="108000"/>
+          </a:xfrm>
+          <a:prstGeom prst="rect">
+            <a:avLst/>
+          </a:prstGeom>
+          <a:solidFill>
+            <a:schemeClr val="tx1"/>
+          </a:solidFill>
+          <a:ln>
+            <a:noFill/>
+          </a:ln>
+          <a:effectLst/>
+        </p:spPr>
+        <p:style>
+          <a:lnRef idx="1">
+            <a:schemeClr val="accent1"/>
+          </a:lnRef>
+          <a:fillRef idx="3">
+            <a:schemeClr val="accent1"/>
+          </a:fillRef>
+          <a:effectRef idx="2">
+            <a:schemeClr val="accent1"/>
+          </a:effectRef>
+          <a:fontRef idx="minor">
+            <a:schemeClr val="lt1"/>
+          </a:fontRef>
+        </p:style>
+        <p:txBody>
+          <a:bodyPr/>
+          <a:lstStyle/>
+          <a:p>
+            <a:endParaRPr lang="en-US" dirty="0"/>
+          </a:p>
+        </p:txBody>
+      </p:sp>
+      <p:sp>
+        <p:nvSpPr>
+          <p:cNvPr id="10" name="Rectangle 9"/>
+          <p:cNvSpPr/>
+          <p:nvPr/>
+        </p:nvSpPr>
+        <p:spPr>
+          <a:xfrm>
+            <a:off x="6052201" y="111873"/>
+            <a:ext cx="2926080" cy="108000"/>
+          </a:xfrm>
+          <a:prstGeom prst="rect">
+            <a:avLst/>
+          </a:prstGeom>
+          <a:solidFill>
+            <a:srgbClr val="0EAE9F"/>
+          </a:solidFill>
+          <a:ln>
+            <a:noFill/>
+          </a:ln>
+          <a:effectLst/>
+        </p:spPr>
+        <p:style>
+          <a:lnRef idx="1">
+            <a:schemeClr val="accent1"/>
+          </a:lnRef>
+          <a:fillRef idx="3">
+            <a:schemeClr val="accent1"/>
+          </a:fillRef>
+          <a:effectRef idx="2">
+            <a:schemeClr val="accent1"/>
+          </a:effectRef>
+          <a:fontRef idx="minor">
+            <a:schemeClr val="lt1"/>
+          </a:fontRef>
+        </p:style>
+      </p:sp>
+      <p:sp>
+        <p:nvSpPr>
+          <p:cNvPr id="11" name="Rectangle 10"/>
+          <p:cNvSpPr/>
+          <p:nvPr/>
+        </p:nvSpPr>
+        <p:spPr>
+          <a:xfrm>
+            <a:off x="3097745" y="111873"/>
+            <a:ext cx="2926080" cy="108000"/>
+          </a:xfrm>
+          <a:prstGeom prst="rect">
+            <a:avLst/>
+          </a:prstGeom>
+          <a:solidFill>
+            <a:srgbClr val="FFD500"/>
+          </a:solidFill>
+          <a:ln>
+            <a:noFill/>
+          </a:ln>
+          <a:effectLst/>
+        </p:spPr>
+        <p:style>
+          <a:lnRef idx="1">
+            <a:schemeClr val="accent1"/>
+          </a:lnRef>
+          <a:fillRef idx="3">
+            <a:schemeClr val="accent1"/>
+          </a:fillRef>
+          <a:effectRef idx="2">
+            <a:schemeClr val="accent1"/>
+          </a:effectRef>
+          <a:fontRef idx="minor">
+            <a:schemeClr val="lt1"/>
+          </a:fontRef>
+        </p:style>
+      </p:sp>
+      <p:sp>
+        <p:nvSpPr>
+          <p:cNvPr id="12" name="Footer Placeholder 4">
+            <a:extLst>
+              <a:ext uri="{FF2B5EF4-FFF2-40B4-BE49-F238E27FC236}">
+                <a16:creationId xmlns:a16="http://schemas.microsoft.com/office/drawing/2014/main" id="{9010EC07-0A4A-4C6A-950D-55707B6C7FAB}"/>
+              </a:ext>
+            </a:extLst>
+          </p:cNvPr>
+          <p:cNvSpPr>
+            <a:spLocks noGrp="1"/>
+          </p:cNvSpPr>
+          <p:nvPr>
+            <p:ph type="ftr" sz="quarter" idx="3"/>
+          </p:nvPr>
+        </p:nvSpPr>
+        <p:spPr>
+          <a:xfrm>
+            <a:off x="88409" y="6266485"/>
+            <a:ext cx="7599835" cy="365125"/>
+          </a:xfrm>
+          <a:prstGeom prst="rect">
+            <a:avLst/>
+          </a:prstGeom>
+        </p:spPr>
+        <p:txBody>
+          <a:bodyPr/>
+          <a:lstStyle>
+            <a:lvl1pPr>
+              <a:defRPr sz="1400"/>
+            </a:lvl1pPr>
+          </a:lstStyle>
+          <a:p>
+            <a:r>
+              <a:rPr lang="en-US"/>
+              <a:t>Copyright © 2020 Prime Lessons (primelessons.org) CC-BY-NC-SA.  (Last edit: 5/30/2020)</a:t>
+            </a:r>
+            <a:endParaRPr lang="en-US" dirty="0"/>
+          </a:p>
+        </p:txBody>
+      </p:sp>
+      <p:sp>
+        <p:nvSpPr>
+          <p:cNvPr id="13" name="Slide Number Placeholder 5">
+            <a:extLst>
+              <a:ext uri="{FF2B5EF4-FFF2-40B4-BE49-F238E27FC236}">
+                <a16:creationId xmlns:a16="http://schemas.microsoft.com/office/drawing/2014/main" id="{4C4CC031-9FAD-457B-A616-9F45DA2DE9A8}"/>
+              </a:ext>
+            </a:extLst>
+          </p:cNvPr>
+          <p:cNvSpPr>
+            <a:spLocks noGrp="1"/>
+          </p:cNvSpPr>
+          <p:nvPr>
+            <p:ph type="sldNum" sz="quarter" idx="4"/>
+          </p:nvPr>
+        </p:nvSpPr>
+        <p:spPr>
+          <a:xfrm>
+            <a:off x="8236372" y="6280641"/>
+            <a:ext cx="770468" cy="365125"/>
+          </a:xfrm>
+          <a:prstGeom prst="rect">
+            <a:avLst/>
+          </a:prstGeom>
+        </p:spPr>
+        <p:txBody>
+          <a:bodyPr/>
+          <a:lstStyle>
+            <a:lvl1pPr>
+              <a:defRPr sz="1400"/>
+            </a:lvl1pPr>
+          </a:lstStyle>
+          <a:p>
+            <a:fld id="{BBD74847-7BE4-4E4D-8159-51DF7B93C616}" type="slidenum">
+              <a:rPr lang="en-US" smtClean="0"/>
+              <a:pPr/>
+              <a:t>‹#›</a:t>
+            </a:fld>
+            <a:endParaRPr lang="en-US"/>
+          </a:p>
+        </p:txBody>
+      </p:sp>
+      <p:cxnSp>
+        <p:nvCxnSpPr>
+          <p:cNvPr id="14" name="Straight Connector 13">
+            <a:extLst>
+              <a:ext uri="{FF2B5EF4-FFF2-40B4-BE49-F238E27FC236}">
+                <a16:creationId xmlns:a16="http://schemas.microsoft.com/office/drawing/2014/main" id="{6AF90A68-628C-4E8F-BCF5-404070DD47EC}"/>
+              </a:ext>
+            </a:extLst>
+          </p:cNvPr>
+          <p:cNvCxnSpPr/>
+          <p:nvPr/>
+        </p:nvCxnSpPr>
+        <p:spPr>
+          <a:xfrm>
+            <a:off x="175260" y="6316935"/>
+            <a:ext cx="8831580" cy="0"/>
+          </a:xfrm>
+          <a:prstGeom prst="line">
+            <a:avLst/>
+          </a:prstGeom>
+        </p:spPr>
+        <p:style>
+          <a:lnRef idx="1">
+            <a:schemeClr val="dk1"/>
+          </a:lnRef>
+          <a:fillRef idx="0">
+            <a:schemeClr val="dk1"/>
+          </a:fillRef>
+          <a:effectRef idx="0">
+            <a:schemeClr val="dk1"/>
+          </a:effectRef>
+          <a:fontRef idx="minor">
+            <a:schemeClr val="tx1"/>
+          </a:fontRef>
+        </p:style>
+      </p:cxnSp>
+      <p:cxnSp>
+        <p:nvCxnSpPr>
+          <p:cNvPr id="15" name="Straight Connector 14">
+            <a:extLst>
+              <a:ext uri="{FF2B5EF4-FFF2-40B4-BE49-F238E27FC236}">
+                <a16:creationId xmlns:a16="http://schemas.microsoft.com/office/drawing/2014/main" id="{9E418A6D-62A7-0A4A-A150-5833333C48EC}"/>
+              </a:ext>
+            </a:extLst>
+          </p:cNvPr>
+          <p:cNvCxnSpPr/>
+          <p:nvPr userDrawn="1"/>
+        </p:nvCxnSpPr>
+        <p:spPr>
+          <a:xfrm>
+            <a:off x="175260" y="6316935"/>
+            <a:ext cx="8831580" cy="0"/>
+          </a:xfrm>
+          <a:prstGeom prst="line">
+            <a:avLst/>
+          </a:prstGeom>
+        </p:spPr>
+        <p:style>
+          <a:lnRef idx="1">
+            <a:schemeClr val="dk1"/>
+          </a:lnRef>
+          <a:fillRef idx="0">
+            <a:schemeClr val="dk1"/>
+          </a:fillRef>
+          <a:effectRef idx="0">
+            <a:schemeClr val="dk1"/>
+          </a:effectRef>
+          <a:fontRef idx="minor">
+            <a:schemeClr val="tx1"/>
+          </a:fontRef>
+        </p:style>
+      </p:cxnSp>
+    </p:spTree>
+    <p:extLst>
+      <p:ext uri="{BB962C8B-B14F-4D97-AF65-F5344CB8AC3E}">
+        <p14:creationId xmlns:p14="http://schemas.microsoft.com/office/powerpoint/2010/main" val="1917890848"/>
+      </p:ext>
+    </p:extLst>
+  </p:cSld>
+  <p:clrMap bg1="lt1" tx1="dk1" bg2="lt2" tx2="dk2" accent1="accent1" accent2="accent2" accent3="accent3" accent4="accent4" accent5="accent5" accent6="accent6" hlink="hlink" folHlink="folHlink"/>
+  <p:sldLayoutIdLst>
+    <p:sldLayoutId id="2147483858" r:id="rId1"/>
+    <p:sldLayoutId id="2147483859" r:id="rId2"/>
+    <p:sldLayoutId id="2147483860" r:id="rId3"/>
+    <p:sldLayoutId id="2147483861" r:id="rId4"/>
+    <p:sldLayoutId id="2147483862" r:id="rId5"/>
+    <p:sldLayoutId id="2147483863" r:id="rId6"/>
+    <p:sldLayoutId id="2147483864" r:id="rId7"/>
+    <p:sldLayoutId id="2147483865" r:id="rId8"/>
+    <p:sldLayoutId id="2147483866" r:id="rId9"/>
+    <p:sldLayoutId id="2147483867" r:id="rId10"/>
+    <p:sldLayoutId id="2147483868" r:id="rId11"/>
+  </p:sldLayoutIdLst>
+  <p:hf hdr="0" dt="0"/>
+  <p:txStyles>
+    <p:titleStyle>
+      <a:lvl1pPr algn="l" defTabSz="457200" rtl="0" eaLnBrk="1" latinLnBrk="0" hangingPunct="1">
+        <a:spcBef>
+          <a:spcPct val="0"/>
+        </a:spcBef>
+        <a:buNone/>
+        <a:defRPr sz="2800" b="0" kern="1200" cap="all">
+          <a:solidFill>
+            <a:schemeClr val="bg1"/>
+          </a:solidFill>
+          <a:latin typeface="+mj-lt"/>
+          <a:ea typeface="+mj-ea"/>
+          <a:cs typeface="+mj-cs"/>
+        </a:defRPr>
+      </a:lvl1pPr>
+      <a:lvl2pPr eaLnBrk="1" hangingPunct="1">
+        <a:defRPr>
+          <a:solidFill>
+            <a:schemeClr val="tx2"/>
+          </a:solidFill>
+        </a:defRPr>
+      </a:lvl2pPr>
+      <a:lvl3pPr eaLnBrk="1" hangingPunct="1">
+        <a:defRPr>
+          <a:solidFill>
+            <a:schemeClr val="tx2"/>
+          </a:solidFill>
+        </a:defRPr>
+      </a:lvl3pPr>
+      <a:lvl4pPr eaLnBrk="1" hangingPunct="1">
+        <a:defRPr>
+          <a:solidFill>
+            <a:schemeClr val="tx2"/>
+          </a:solidFill>
+        </a:defRPr>
+      </a:lvl4pPr>
+      <a:lvl5pPr eaLnBrk="1" hangingPunct="1">
+        <a:defRPr>
+          <a:solidFill>
+            <a:schemeClr val="tx2"/>
+          </a:solidFill>
+        </a:defRPr>
+      </a:lvl5pPr>
+      <a:lvl6pPr eaLnBrk="1" hangingPunct="1">
+        <a:defRPr>
+          <a:solidFill>
+            <a:schemeClr val="tx2"/>
+          </a:solidFill>
+        </a:defRPr>
+      </a:lvl6pPr>
+      <a:lvl7pPr eaLnBrk="1" hangingPunct="1">
+        <a:defRPr>
+          <a:solidFill>
+            <a:schemeClr val="tx2"/>
+          </a:solidFill>
+        </a:defRPr>
+      </a:lvl7pPr>
+      <a:lvl8pPr eaLnBrk="1" hangingPunct="1">
+        <a:defRPr>
+          <a:solidFill>
+            <a:schemeClr val="tx2"/>
+          </a:solidFill>
+        </a:defRPr>
+      </a:lvl8pPr>
+      <a:lvl9pPr eaLnBrk="1" hangingPunct="1">
+        <a:defRPr>
+          <a:solidFill>
+            <a:schemeClr val="tx2"/>
+          </a:solidFill>
+        </a:defRPr>
+      </a:lvl9pPr>
+    </p:titleStyle>
+    <p:bodyStyle>
+      <a:lvl1pPr marL="306000" indent="-306000" algn="l" defTabSz="457200" rtl="0" eaLnBrk="1" latinLnBrk="0" hangingPunct="1">
+        <a:spcBef>
+          <a:spcPct val="20000"/>
+        </a:spcBef>
+        <a:spcAft>
+          <a:spcPts val="600"/>
+        </a:spcAft>
+        <a:buClr>
+          <a:schemeClr val="accent2"/>
+        </a:buClr>
+        <a:buSzPct val="92000"/>
+        <a:buFont typeface="Wingdings 2" charset="2"/>
+        <a:buChar char=""/>
+        <a:defRPr sz="1800" kern="1200">
+          <a:solidFill>
+            <a:schemeClr val="tx2"/>
+          </a:solidFill>
+          <a:latin typeface="+mn-lt"/>
+          <a:ea typeface="+mn-ea"/>
+          <a:cs typeface="+mn-cs"/>
+        </a:defRPr>
+      </a:lvl1pPr>
+      <a:lvl2pPr marL="630000" indent="-306000" algn="l" defTabSz="457200" rtl="0" eaLnBrk="1" latinLnBrk="0" hangingPunct="1">
+        <a:spcBef>
+          <a:spcPct val="20000"/>
+        </a:spcBef>
+        <a:spcAft>
+          <a:spcPts val="600"/>
+        </a:spcAft>
+        <a:buClr>
+          <a:schemeClr val="accent2"/>
+        </a:buClr>
+        <a:buSzPct val="92000"/>
+        <a:buFont typeface="Wingdings 2" charset="2"/>
+        <a:buChar char=""/>
+        <a:defRPr sz="1600" kern="1200">
+          <a:solidFill>
+            <a:schemeClr val="tx2"/>
+          </a:solidFill>
+          <a:latin typeface="+mn-lt"/>
+          <a:ea typeface="+mn-ea"/>
+          <a:cs typeface="+mn-cs"/>
+        </a:defRPr>
+      </a:lvl2pPr>
+      <a:lvl3pPr marL="900000" indent="-270000" algn="l" defTabSz="457200" rtl="0" eaLnBrk="1" latinLnBrk="0" hangingPunct="1">
+        <a:spcBef>
+          <a:spcPct val="20000"/>
+        </a:spcBef>
+        <a:spcAft>
+          <a:spcPts val="600"/>
+        </a:spcAft>
+        <a:buClr>
+          <a:schemeClr val="accent2"/>
+        </a:buClr>
+        <a:buSzPct val="92000"/>
+        <a:buFont typeface="Wingdings 2" charset="2"/>
+        <a:buChar char=""/>
+        <a:defRPr sz="1400" kern="1200">
+          <a:solidFill>
+            <a:schemeClr val="tx2"/>
+          </a:solidFill>
+          <a:latin typeface="+mn-lt"/>
+          <a:ea typeface="+mn-ea"/>
+          <a:cs typeface="+mn-cs"/>
+        </a:defRPr>
+      </a:lvl3pPr>
+      <a:lvl4pPr marL="1242000" indent="-234000" algn="l" defTabSz="457200" rtl="0" eaLnBrk="1" latinLnBrk="0" hangingPunct="1">
+        <a:spcBef>
+          <a:spcPct val="20000"/>
+        </a:spcBef>
+        <a:spcAft>
+          <a:spcPts val="600"/>
+        </a:spcAft>
+        <a:buClr>
+          <a:schemeClr val="accent2"/>
+        </a:buClr>
+        <a:buSzPct val="92000"/>
+        <a:buFont typeface="Wingdings 2" charset="2"/>
+        <a:buChar char=""/>
+        <a:defRPr sz="1200" kern="1200">
+          <a:solidFill>
+            <a:schemeClr val="tx2"/>
+          </a:solidFill>
+          <a:latin typeface="+mn-lt"/>
+          <a:ea typeface="+mn-ea"/>
+          <a:cs typeface="+mn-cs"/>
+        </a:defRPr>
+      </a:lvl4pPr>
+      <a:lvl5pPr marL="1602000" indent="-234000" algn="l" defTabSz="457200" rtl="0" eaLnBrk="1" latinLnBrk="0" hangingPunct="1">
+        <a:spcBef>
+          <a:spcPct val="20000"/>
+        </a:spcBef>
+        <a:spcAft>
+          <a:spcPts val="600"/>
+        </a:spcAft>
+        <a:buClr>
+          <a:schemeClr val="accent2"/>
+        </a:buClr>
+        <a:buSzPct val="92000"/>
+        <a:buFont typeface="Wingdings 2" charset="2"/>
+        <a:buChar char=""/>
+        <a:defRPr sz="1200" kern="1200">
+          <a:solidFill>
+            <a:schemeClr val="tx2"/>
+          </a:solidFill>
+          <a:latin typeface="+mn-lt"/>
+          <a:ea typeface="+mn-ea"/>
+          <a:cs typeface="+mn-cs"/>
+        </a:defRPr>
+      </a:lvl5pPr>
+      <a:lvl6pPr marL="1900000" indent="-228600" algn="l" defTabSz="457200" rtl="0" eaLnBrk="1" latinLnBrk="0" hangingPunct="1">
+        <a:spcBef>
+          <a:spcPct val="20000"/>
+        </a:spcBef>
+        <a:spcAft>
+          <a:spcPts val="600"/>
+        </a:spcAft>
+        <a:buClr>
+          <a:schemeClr val="accent2"/>
+        </a:buClr>
+        <a:buSzPct val="92000"/>
+        <a:buFont typeface="Wingdings 2" charset="2"/>
+        <a:buChar char=""/>
+        <a:defRPr sz="1200" kern="1200">
+          <a:solidFill>
+            <a:schemeClr val="tx2"/>
+          </a:solidFill>
+          <a:latin typeface="+mn-lt"/>
+          <a:ea typeface="+mn-ea"/>
+          <a:cs typeface="+mn-cs"/>
+        </a:defRPr>
+      </a:lvl6pPr>
+      <a:lvl7pPr marL="2200000" indent="-228600" algn="l" defTabSz="457200" rtl="0" eaLnBrk="1" latinLnBrk="0" hangingPunct="1">
+        <a:spcBef>
+          <a:spcPct val="20000"/>
+        </a:spcBef>
+        <a:spcAft>
+          <a:spcPts val="600"/>
+        </a:spcAft>
+        <a:buClr>
+          <a:schemeClr val="accent2"/>
+        </a:buClr>
+        <a:buSzPct val="92000"/>
+        <a:buFont typeface="Wingdings 2" charset="2"/>
+        <a:buChar char=""/>
+        <a:defRPr sz="1200" kern="1200">
+          <a:solidFill>
+            <a:schemeClr val="tx2"/>
+          </a:solidFill>
+          <a:latin typeface="+mn-lt"/>
+          <a:ea typeface="+mn-ea"/>
+          <a:cs typeface="+mn-cs"/>
+        </a:defRPr>
+      </a:lvl7pPr>
+      <a:lvl8pPr marL="2500000" indent="-228600" algn="l" defTabSz="457200" rtl="0" eaLnBrk="1" latinLnBrk="0" hangingPunct="1">
+        <a:spcBef>
+          <a:spcPct val="20000"/>
+        </a:spcBef>
+        <a:spcAft>
+          <a:spcPts val="600"/>
+        </a:spcAft>
+        <a:buClr>
+          <a:schemeClr val="accent2"/>
+        </a:buClr>
+        <a:buSzPct val="92000"/>
+        <a:buFont typeface="Wingdings 2" charset="2"/>
+        <a:buChar char=""/>
+        <a:defRPr sz="1200" kern="1200">
+          <a:solidFill>
+            <a:schemeClr val="tx2"/>
+          </a:solidFill>
+          <a:latin typeface="+mn-lt"/>
+          <a:ea typeface="+mn-ea"/>
+          <a:cs typeface="+mn-cs"/>
+        </a:defRPr>
+      </a:lvl8pPr>
+      <a:lvl9pPr marL="2800000" indent="-228600" algn="l" defTabSz="457200" rtl="0" eaLnBrk="1" latinLnBrk="0" hangingPunct="1">
+        <a:spcBef>
+          <a:spcPct val="20000"/>
+        </a:spcBef>
+        <a:spcAft>
+          <a:spcPts val="600"/>
+        </a:spcAft>
+        <a:buClr>
+          <a:schemeClr val="accent2"/>
+        </a:buClr>
+        <a:buSzPct val="92000"/>
+        <a:buFont typeface="Wingdings 2" panose="05020102010507070707" pitchFamily="18" charset="2"/>
+        <a:buChar char=""/>
+        <a:defRPr sz="1200" kern="1200">
+          <a:solidFill>
+            <a:schemeClr val="tx2"/>
+          </a:solidFill>
+          <a:latin typeface="+mn-lt"/>
+          <a:ea typeface="+mn-ea"/>
+          <a:cs typeface="+mn-cs"/>
+        </a:defRPr>
+      </a:lvl9pPr>
+    </p:bodyStyle>
+    <p:otherStyle>
+      <a:defPPr>
+        <a:defRPr lang="en-US"/>
+      </a:defPPr>
+      <a:lvl1pPr marL="0" algn="l" defTabSz="457200" rtl="0" eaLnBrk="1" latinLnBrk="0" hangingPunct="1">
+        <a:defRPr sz="1800" kern="1200">
+          <a:solidFill>
+            <a:schemeClr val="tx1"/>
+          </a:solidFill>
+          <a:latin typeface="+mn-lt"/>
+          <a:ea typeface="+mn-ea"/>
+          <a:cs typeface="+mn-cs"/>
+        </a:defRPr>
+      </a:lvl1pPr>
+      <a:lvl2pPr marL="457200" algn="l" defTabSz="457200" rtl="0" eaLnBrk="1" latinLnBrk="0" hangingPunct="1">
+        <a:defRPr sz="1800" kern="1200">
+          <a:solidFill>
+            <a:schemeClr val="tx1"/>
+          </a:solidFill>
+          <a:latin typeface="+mn-lt"/>
+          <a:ea typeface="+mn-ea"/>
+          <a:cs typeface="+mn-cs"/>
+        </a:defRPr>
+      </a:lvl2pPr>
+      <a:lvl3pPr marL="914400" algn="l" defTabSz="457200" rtl="0" eaLnBrk="1" latinLnBrk="0" hangingPunct="1">
+        <a:defRPr sz="1800" kern="1200">
+          <a:solidFill>
+            <a:schemeClr val="tx1"/>
+          </a:solidFill>
+          <a:latin typeface="+mn-lt"/>
+          <a:ea typeface="+mn-ea"/>
+          <a:cs typeface="+mn-cs"/>
+        </a:defRPr>
+      </a:lvl3pPr>
+      <a:lvl4pPr marL="1371600" algn="l" defTabSz="457200" rtl="0" eaLnBrk="1" latinLnBrk="0" hangingPunct="1">
+        <a:defRPr sz="1800" kern="1200">
+          <a:solidFill>
+            <a:schemeClr val="tx1"/>
+          </a:solidFill>
+          <a:latin typeface="+mn-lt"/>
+          <a:ea typeface="+mn-ea"/>
+          <a:cs typeface="+mn-cs"/>
+        </a:defRPr>
+      </a:lvl4pPr>
+      <a:lvl5pPr marL="1828800" algn="l" defTabSz="457200" rtl="0" eaLnBrk="1" latinLnBrk="0" hangingPunct="1">
+        <a:defRPr sz="1800" kern="1200">
+          <a:solidFill>
+            <a:schemeClr val="tx1"/>
+          </a:solidFill>
+          <a:latin typeface="+mn-lt"/>
+          <a:ea typeface="+mn-ea"/>
+          <a:cs typeface="+mn-cs"/>
+        </a:defRPr>
+      </a:lvl5pPr>
+      <a:lvl6pPr marL="2286000" algn="l" defTabSz="457200" rtl="0" eaLnBrk="1" latinLnBrk="0" hangingPunct="1">
+        <a:defRPr sz="1800" kern="1200">
+          <a:solidFill>
+            <a:schemeClr val="tx1"/>
+          </a:solidFill>
+          <a:latin typeface="+mn-lt"/>
+          <a:ea typeface="+mn-ea"/>
+          <a:cs typeface="+mn-cs"/>
+        </a:defRPr>
+      </a:lvl6pPr>
+      <a:lvl7pPr marL="2743200" algn="l" defTabSz="457200" rtl="0" eaLnBrk="1" latinLnBrk="0" hangingPunct="1">
+        <a:defRPr sz="1800" kern="1200">
+          <a:solidFill>
+            <a:schemeClr val="tx1"/>
+          </a:solidFill>
+          <a:latin typeface="+mn-lt"/>
+          <a:ea typeface="+mn-ea"/>
+          <a:cs typeface="+mn-cs"/>
+        </a:defRPr>
+      </a:lvl7pPr>
+      <a:lvl8pPr marL="3200400" algn="l" defTabSz="457200" rtl="0" eaLnBrk="1" latinLnBrk="0" hangingPunct="1">
+        <a:defRPr sz="1800" kern="1200">
+          <a:solidFill>
+            <a:schemeClr val="tx1"/>
+          </a:solidFill>
+          <a:latin typeface="+mn-lt"/>
+          <a:ea typeface="+mn-ea"/>
+          <a:cs typeface="+mn-cs"/>
+        </a:defRPr>
+      </a:lvl8pPr>
+      <a:lvl9pPr marL="3657600" algn="l" defTabSz="457200" rtl="0" eaLnBrk="1" latinLnBrk="0" hangingPunct="1">
+        <a:defRPr sz="1800" kern="1200">
+          <a:solidFill>
+            <a:schemeClr val="tx1"/>
+          </a:solidFill>
+          <a:latin typeface="+mn-lt"/>
+          <a:ea typeface="+mn-ea"/>
+          <a:cs typeface="+mn-cs"/>
+        </a:defRPr>
+      </a:lvl9pPr>
+    </p:otherStyle>
+  </p:txStyles>
+</p:sldMaster>
+</file>
+
 <file path=ppt/slides/slide1.xml><?xml version="1.0" encoding="utf-8"?>
 <p:sld xmlns:a="http://schemas.openxmlformats.org/drawingml/2006/main" xmlns:r="http://schemas.openxmlformats.org/officeDocument/2006/relationships" xmlns:p="http://schemas.openxmlformats.org/presentationml/2006/main">
   <p:cSld>
@@ -9737,9 +15178,38 @@
           <a:p>
             <a:r>
               <a:rPr lang="en-US"/>
-              <a:t>Copyright © 2020 SPIKE Prime Lessons (primelessons.org) CC-BY-NC-SA.  (Last edit: 5/30/2020)</a:t>
+              <a:t>Copyright © 2020 Prime Lessons (primelessons.org) CC-BY-NC-SA.  (Last edit: 5/30/2020)</a:t>
             </a:r>
             <a:endParaRPr lang="en-US" dirty="0"/>
+          </a:p>
+        </p:txBody>
+      </p:sp>
+      <p:sp>
+        <p:nvSpPr>
+          <p:cNvPr id="6" name="Slide Number Placeholder 5">
+            <a:extLst>
+              <a:ext uri="{FF2B5EF4-FFF2-40B4-BE49-F238E27FC236}">
+                <a16:creationId xmlns:a16="http://schemas.microsoft.com/office/drawing/2014/main" id="{3F71DE98-3311-477E-AA3B-DD3D351C3E3C}"/>
+              </a:ext>
+            </a:extLst>
+          </p:cNvPr>
+          <p:cNvSpPr>
+            <a:spLocks noGrp="1"/>
+          </p:cNvSpPr>
+          <p:nvPr>
+            <p:ph type="sldNum" sz="quarter" idx="12"/>
+          </p:nvPr>
+        </p:nvSpPr>
+        <p:spPr/>
+        <p:txBody>
+          <a:bodyPr/>
+          <a:lstStyle/>
+          <a:p>
+            <a:fld id="{BBD74847-7BE4-4E4D-8159-51DF7B93C616}" type="slidenum">
+              <a:rPr lang="en-US" smtClean="0"/>
+              <a:t>10</a:t>
+            </a:fld>
+            <a:endParaRPr lang="en-US"/>
           </a:p>
         </p:txBody>
       </p:sp>
@@ -9810,35 +15280,6 @@
               <a:rPr lang="en-US" dirty="0"/>
               <a:t>This program accelerates for 2 seconds to 40% speed and moves until the color sensor (on port B) sees a black line.</a:t>
             </a:r>
-          </a:p>
-        </p:txBody>
-      </p:sp>
-      <p:sp>
-        <p:nvSpPr>
-          <p:cNvPr id="6" name="Slide Number Placeholder 5">
-            <a:extLst>
-              <a:ext uri="{FF2B5EF4-FFF2-40B4-BE49-F238E27FC236}">
-                <a16:creationId xmlns:a16="http://schemas.microsoft.com/office/drawing/2014/main" id="{3F71DE98-3311-477E-AA3B-DD3D351C3E3C}"/>
-              </a:ext>
-            </a:extLst>
-          </p:cNvPr>
-          <p:cNvSpPr>
-            <a:spLocks noGrp="1"/>
-          </p:cNvSpPr>
-          <p:nvPr>
-            <p:ph type="sldNum" sz="quarter" idx="12"/>
-          </p:nvPr>
-        </p:nvSpPr>
-        <p:spPr/>
-        <p:txBody>
-          <a:bodyPr/>
-          <a:lstStyle/>
-          <a:p>
-            <a:fld id="{BBD74847-7BE4-4E4D-8159-51DF7B93C616}" type="slidenum">
-              <a:rPr lang="en-US" smtClean="0"/>
-              <a:t>10</a:t>
-            </a:fld>
-            <a:endParaRPr lang="en-US"/>
           </a:p>
         </p:txBody>
       </p:sp>
@@ -9944,7 +15385,7 @@
           <a:p>
             <a:r>
               <a:rPr lang="en-US"/>
-              <a:t>Copyright © 2020 SPIKE Prime Lessons (primelessons.org) CC-BY-NC-SA.  (Last edit: 5/30/2020)</a:t>
+              <a:t>Copyright © 2020 Prime Lessons (primelessons.org) CC-BY-NC-SA.  (Last edit: 5/30/2020)</a:t>
             </a:r>
           </a:p>
         </p:txBody>
@@ -10054,7 +15495,15 @@
           <a:p>
             <a:r>
               <a:rPr lang="en-US" sz="1600" dirty="0"/>
-              <a:t>This lesson was created by Sanjay Seshan and Arvind Seshan for SPIKE Prime Lessons</a:t>
+              <a:t>This lesson was created by Sanjay Seshan and Arvind </a:t>
+            </a:r>
+            <a:r>
+              <a:rPr lang="en-US" sz="1600" dirty="0" err="1"/>
+              <a:t>Seshan</a:t>
+            </a:r>
+            <a:r>
+              <a:rPr lang="en-US" sz="1600" dirty="0"/>
+              <a:t> for Prime Lessons</a:t>
             </a:r>
           </a:p>
           <a:p>
@@ -10082,9 +15531,38 @@
           <a:p>
             <a:r>
               <a:rPr lang="en-US"/>
-              <a:t>Copyright © 2020 SPIKE Prime Lessons (primelessons.org) CC-BY-NC-SA.  (Last edit: 5/30/2020)</a:t>
+              <a:t>Copyright © 2020 Prime Lessons (primelessons.org) CC-BY-NC-SA.  (Last edit: 5/30/2020)</a:t>
             </a:r>
             <a:endParaRPr lang="en-US" dirty="0"/>
+          </a:p>
+        </p:txBody>
+      </p:sp>
+      <p:sp>
+        <p:nvSpPr>
+          <p:cNvPr id="8" name="Slide Number Placeholder 7">
+            <a:extLst>
+              <a:ext uri="{FF2B5EF4-FFF2-40B4-BE49-F238E27FC236}">
+                <a16:creationId xmlns:a16="http://schemas.microsoft.com/office/drawing/2014/main" id="{B6FB87FA-D9DA-4C65-91D5-78C5E9600BBD}"/>
+              </a:ext>
+            </a:extLst>
+          </p:cNvPr>
+          <p:cNvSpPr>
+            <a:spLocks noGrp="1"/>
+          </p:cNvSpPr>
+          <p:nvPr>
+            <p:ph type="sldNum" sz="quarter" idx="12"/>
+          </p:nvPr>
+        </p:nvSpPr>
+        <p:spPr/>
+        <p:txBody>
+          <a:bodyPr/>
+          <a:lstStyle/>
+          <a:p>
+            <a:fld id="{BBD74847-7BE4-4E4D-8159-51DF7B93C616}" type="slidenum">
+              <a:rPr lang="en-US" smtClean="0"/>
+              <a:t>12</a:t>
+            </a:fld>
+            <a:endParaRPr lang="en-US"/>
           </a:p>
         </p:txBody>
       </p:sp>
@@ -10113,7 +15591,7 @@
           <a:effectLst/>
           <a:extLst>
             <a:ext uri="{91240B29-F687-4f45-9708-019B960494DF}">
-              <a14:hiddenLine xmlns="" xmlns:a14="http://schemas.microsoft.com/office/drawing/2010/main" w="9525">
+              <a14:hiddenLine xmlns:a14="http://schemas.microsoft.com/office/drawing/2010/main" xmlns="" w="9525">
                 <a:solidFill>
                   <a:schemeClr val="tx1"/>
                 </a:solidFill>
@@ -10123,7 +15601,7 @@
               </a14:hiddenLine>
             </a:ext>
             <a:ext uri="{AF507438-7753-43e0-B8FC-AC1667EBCBE1}">
-              <a14:hiddenEffects xmlns="" xmlns:a14="http://schemas.microsoft.com/office/drawing/2010/main">
+              <a14:hiddenEffects xmlns:a14="http://schemas.microsoft.com/office/drawing/2010/main" xmlns="">
                 <a:effectLst>
                   <a:outerShdw dist="35921" dir="2700000" algn="ctr" rotWithShape="0">
                     <a:schemeClr val="bg2"/>
@@ -10464,7 +15942,7 @@
           <a:noFill/>
           <a:extLst>
             <a:ext uri="{909E8E84-426E-40dd-AFC4-6F175D3DCCD1}">
-              <a14:hiddenFill xmlns="" xmlns:a14="http://schemas.microsoft.com/office/drawing/2010/main">
+              <a14:hiddenFill xmlns:a14="http://schemas.microsoft.com/office/drawing/2010/main" xmlns="">
                 <a:solidFill>
                   <a:srgbClr val="FFFFFF"/>
                 </a:solidFill>
@@ -10473,35 +15951,6 @@
           </a:extLst>
         </p:spPr>
       </p:pic>
-      <p:sp>
-        <p:nvSpPr>
-          <p:cNvPr id="8" name="Slide Number Placeholder 7">
-            <a:extLst>
-              <a:ext uri="{FF2B5EF4-FFF2-40B4-BE49-F238E27FC236}">
-                <a16:creationId xmlns:a16="http://schemas.microsoft.com/office/drawing/2014/main" id="{B6FB87FA-D9DA-4C65-91D5-78C5E9600BBD}"/>
-              </a:ext>
-            </a:extLst>
-          </p:cNvPr>
-          <p:cNvSpPr>
-            <a:spLocks noGrp="1"/>
-          </p:cNvSpPr>
-          <p:nvPr>
-            <p:ph type="sldNum" sz="quarter" idx="12"/>
-          </p:nvPr>
-        </p:nvSpPr>
-        <p:spPr/>
-        <p:txBody>
-          <a:bodyPr/>
-          <a:lstStyle/>
-          <a:p>
-            <a:fld id="{BBD74847-7BE4-4E4D-8159-51DF7B93C616}" type="slidenum">
-              <a:rPr lang="en-US" smtClean="0"/>
-              <a:t>12</a:t>
-            </a:fld>
-            <a:endParaRPr lang="en-US"/>
-          </a:p>
-        </p:txBody>
-      </p:sp>
     </p:spTree>
     <p:extLst>
       <p:ext uri="{BB962C8B-B14F-4D97-AF65-F5344CB8AC3E}">
@@ -10609,7 +16058,7 @@
           <a:p>
             <a:r>
               <a:rPr lang="en-US"/>
-              <a:t>Copyright © 2020 SPIKE Prime Lessons (primelessons.org) CC-BY-NC-SA.  (Last edit: 5/30/2020)</a:t>
+              <a:t>Copyright © 2020 Prime Lessons (primelessons.org) CC-BY-NC-SA.  (Last edit: 5/30/2020)</a:t>
             </a:r>
             <a:endParaRPr lang="en-US" dirty="0"/>
           </a:p>
@@ -10714,9 +16163,38 @@
           <a:p>
             <a:r>
               <a:rPr lang="en-US"/>
-              <a:t>Copyright © 2020 SPIKE Prime Lessons (primelessons.org) CC-BY-NC-SA.  (Last edit: 5/30/2020)</a:t>
+              <a:t>Copyright © 2020 Prime Lessons (primelessons.org) CC-BY-NC-SA.  (Last edit: 5/30/2020)</a:t>
             </a:r>
             <a:endParaRPr lang="en-US" dirty="0"/>
+          </a:p>
+        </p:txBody>
+      </p:sp>
+      <p:sp>
+        <p:nvSpPr>
+          <p:cNvPr id="7" name="Slide Number Placeholder 6">
+            <a:extLst>
+              <a:ext uri="{FF2B5EF4-FFF2-40B4-BE49-F238E27FC236}">
+                <a16:creationId xmlns:a16="http://schemas.microsoft.com/office/drawing/2014/main" id="{D91E75AA-B659-4D89-A887-D927F79CF2D6}"/>
+              </a:ext>
+            </a:extLst>
+          </p:cNvPr>
+          <p:cNvSpPr>
+            <a:spLocks noGrp="1"/>
+          </p:cNvSpPr>
+          <p:nvPr>
+            <p:ph type="sldNum" sz="quarter" idx="12"/>
+          </p:nvPr>
+        </p:nvSpPr>
+        <p:spPr/>
+        <p:txBody>
+          <a:bodyPr/>
+          <a:lstStyle/>
+          <a:p>
+            <a:fld id="{BBD74847-7BE4-4E4D-8159-51DF7B93C616}" type="slidenum">
+              <a:rPr lang="en-US" smtClean="0"/>
+              <a:t>3</a:t>
+            </a:fld>
+            <a:endParaRPr lang="en-US"/>
           </a:p>
         </p:txBody>
       </p:sp>
@@ -10812,35 +16290,6 @@
           </a:graphicData>
         </a:graphic>
       </p:graphicFrame>
-      <p:sp>
-        <p:nvSpPr>
-          <p:cNvPr id="7" name="Slide Number Placeholder 6">
-            <a:extLst>
-              <a:ext uri="{FF2B5EF4-FFF2-40B4-BE49-F238E27FC236}">
-                <a16:creationId xmlns:a16="http://schemas.microsoft.com/office/drawing/2014/main" id="{D91E75AA-B659-4D89-A887-D927F79CF2D6}"/>
-              </a:ext>
-            </a:extLst>
-          </p:cNvPr>
-          <p:cNvSpPr>
-            <a:spLocks noGrp="1"/>
-          </p:cNvSpPr>
-          <p:nvPr>
-            <p:ph type="sldNum" sz="quarter" idx="12"/>
-          </p:nvPr>
-        </p:nvSpPr>
-        <p:spPr/>
-        <p:txBody>
-          <a:bodyPr/>
-          <a:lstStyle/>
-          <a:p>
-            <a:fld id="{BBD74847-7BE4-4E4D-8159-51DF7B93C616}" type="slidenum">
-              <a:rPr lang="en-US" smtClean="0"/>
-              <a:t>3</a:t>
-            </a:fld>
-            <a:endParaRPr lang="en-US"/>
-          </a:p>
-        </p:txBody>
-      </p:sp>
     </p:spTree>
     <p:extLst>
       <p:ext uri="{BB962C8B-B14F-4D97-AF65-F5344CB8AC3E}">
@@ -10963,8 +16412,37 @@
           <a:p>
             <a:r>
               <a:rPr lang="en-US"/>
-              <a:t>Copyright © 2020 SPIKE Prime Lessons (primelessons.org) CC-BY-NC-SA.  (Last edit: 5/30/2020)</a:t>
-            </a:r>
+              <a:t>Copyright © 2020 Prime Lessons (primelessons.org) CC-BY-NC-SA.  (Last edit: 5/30/2020)</a:t>
+            </a:r>
+          </a:p>
+        </p:txBody>
+      </p:sp>
+      <p:sp>
+        <p:nvSpPr>
+          <p:cNvPr id="7" name="Slide Number Placeholder 6">
+            <a:extLst>
+              <a:ext uri="{FF2B5EF4-FFF2-40B4-BE49-F238E27FC236}">
+                <a16:creationId xmlns:a16="http://schemas.microsoft.com/office/drawing/2014/main" id="{1D87D3EF-1D39-4E6A-9776-D3B8796410EA}"/>
+              </a:ext>
+            </a:extLst>
+          </p:cNvPr>
+          <p:cNvSpPr>
+            <a:spLocks noGrp="1"/>
+          </p:cNvSpPr>
+          <p:nvPr>
+            <p:ph type="sldNum" sz="quarter" idx="12"/>
+          </p:nvPr>
+        </p:nvSpPr>
+        <p:spPr/>
+        <p:txBody>
+          <a:bodyPr/>
+          <a:lstStyle/>
+          <a:p>
+            <a:fld id="{BBD74847-7BE4-4E4D-8159-51DF7B93C616}" type="slidenum">
+              <a:rPr lang="en-US" smtClean="0"/>
+              <a:t>4</a:t>
+            </a:fld>
+            <a:endParaRPr lang="en-US"/>
           </a:p>
         </p:txBody>
       </p:sp>
@@ -11004,35 +16482,6 @@
           </a:prstGeom>
         </p:spPr>
       </p:pic>
-      <p:sp>
-        <p:nvSpPr>
-          <p:cNvPr id="7" name="Slide Number Placeholder 6">
-            <a:extLst>
-              <a:ext uri="{FF2B5EF4-FFF2-40B4-BE49-F238E27FC236}">
-                <a16:creationId xmlns:a16="http://schemas.microsoft.com/office/drawing/2014/main" id="{1D87D3EF-1D39-4E6A-9776-D3B8796410EA}"/>
-              </a:ext>
-            </a:extLst>
-          </p:cNvPr>
-          <p:cNvSpPr>
-            <a:spLocks noGrp="1"/>
-          </p:cNvSpPr>
-          <p:nvPr>
-            <p:ph type="sldNum" sz="quarter" idx="12"/>
-          </p:nvPr>
-        </p:nvSpPr>
-        <p:spPr/>
-        <p:txBody>
-          <a:bodyPr/>
-          <a:lstStyle/>
-          <a:p>
-            <a:fld id="{BBD74847-7BE4-4E4D-8159-51DF7B93C616}" type="slidenum">
-              <a:rPr lang="en-US" smtClean="0"/>
-              <a:t>4</a:t>
-            </a:fld>
-            <a:endParaRPr lang="en-US"/>
-          </a:p>
-        </p:txBody>
-      </p:sp>
     </p:spTree>
     <p:extLst>
       <p:ext uri="{BB962C8B-B14F-4D97-AF65-F5344CB8AC3E}">
@@ -11190,7 +16639,7 @@
           <a:p>
             <a:r>
               <a:rPr lang="en-US"/>
-              <a:t>Copyright © 2020 SPIKE Prime Lessons (primelessons.org) CC-BY-NC-SA.  (Last edit: 5/30/2020)</a:t>
+              <a:t>Copyright © 2020 Prime Lessons (primelessons.org) CC-BY-NC-SA.  (Last edit: 5/30/2020)</a:t>
             </a:r>
           </a:p>
         </p:txBody>
@@ -11293,9 +16742,38 @@
           <a:p>
             <a:r>
               <a:rPr lang="en-US"/>
-              <a:t>Copyright © 2020 SPIKE Prime Lessons (primelessons.org) CC-BY-NC-SA.  (Last edit: 5/30/2020)</a:t>
+              <a:t>Copyright © 2020 Prime Lessons (primelessons.org) CC-BY-NC-SA.  (Last edit: 5/30/2020)</a:t>
             </a:r>
             <a:endParaRPr lang="en-US" dirty="0"/>
+          </a:p>
+        </p:txBody>
+      </p:sp>
+      <p:sp>
+        <p:nvSpPr>
+          <p:cNvPr id="6" name="Slide Number Placeholder 5">
+            <a:extLst>
+              <a:ext uri="{FF2B5EF4-FFF2-40B4-BE49-F238E27FC236}">
+                <a16:creationId xmlns:a16="http://schemas.microsoft.com/office/drawing/2014/main" id="{9F870510-7A96-4C7F-B21D-8AA5D04909C4}"/>
+              </a:ext>
+            </a:extLst>
+          </p:cNvPr>
+          <p:cNvSpPr>
+            <a:spLocks noGrp="1"/>
+          </p:cNvSpPr>
+          <p:nvPr>
+            <p:ph type="sldNum" sz="quarter" idx="12"/>
+          </p:nvPr>
+        </p:nvSpPr>
+        <p:spPr/>
+        <p:txBody>
+          <a:bodyPr/>
+          <a:lstStyle/>
+          <a:p>
+            <a:fld id="{BBD74847-7BE4-4E4D-8159-51DF7B93C616}" type="slidenum">
+              <a:rPr lang="en-US" smtClean="0"/>
+              <a:t>6</a:t>
+            </a:fld>
+            <a:endParaRPr lang="en-US"/>
           </a:p>
         </p:txBody>
       </p:sp>
@@ -11463,35 +16941,6 @@
               <a:rPr lang="en-US" dirty="0"/>
               <a:t>Accelerate over the course of 5 seconds</a:t>
             </a:r>
-          </a:p>
-        </p:txBody>
-      </p:sp>
-      <p:sp>
-        <p:nvSpPr>
-          <p:cNvPr id="6" name="Slide Number Placeholder 5">
-            <a:extLst>
-              <a:ext uri="{FF2B5EF4-FFF2-40B4-BE49-F238E27FC236}">
-                <a16:creationId xmlns:a16="http://schemas.microsoft.com/office/drawing/2014/main" id="{9F870510-7A96-4C7F-B21D-8AA5D04909C4}"/>
-              </a:ext>
-            </a:extLst>
-          </p:cNvPr>
-          <p:cNvSpPr>
-            <a:spLocks noGrp="1"/>
-          </p:cNvSpPr>
-          <p:nvPr>
-            <p:ph type="sldNum" sz="quarter" idx="12"/>
-          </p:nvPr>
-        </p:nvSpPr>
-        <p:spPr/>
-        <p:txBody>
-          <a:bodyPr/>
-          <a:lstStyle/>
-          <a:p>
-            <a:fld id="{BBD74847-7BE4-4E4D-8159-51DF7B93C616}" type="slidenum">
-              <a:rPr lang="en-US" smtClean="0"/>
-              <a:t>6</a:t>
-            </a:fld>
-            <a:endParaRPr lang="en-US"/>
           </a:p>
         </p:txBody>
       </p:sp>
@@ -11564,9 +17013,38 @@
           <a:p>
             <a:r>
               <a:rPr lang="en-US"/>
-              <a:t>Copyright © 2020 SPIKE Prime Lessons (primelessons.org) CC-BY-NC-SA.  (Last edit: 5/30/2020)</a:t>
+              <a:t>Copyright © 2020 Prime Lessons (primelessons.org) CC-BY-NC-SA.  (Last edit: 5/30/2020)</a:t>
             </a:r>
             <a:endParaRPr lang="en-US" dirty="0"/>
+          </a:p>
+        </p:txBody>
+      </p:sp>
+      <p:sp>
+        <p:nvSpPr>
+          <p:cNvPr id="4" name="Slide Number Placeholder 3">
+            <a:extLst>
+              <a:ext uri="{FF2B5EF4-FFF2-40B4-BE49-F238E27FC236}">
+                <a16:creationId xmlns:a16="http://schemas.microsoft.com/office/drawing/2014/main" id="{D003B4EA-F7C5-4432-BF75-F170F45E27AA}"/>
+              </a:ext>
+            </a:extLst>
+          </p:cNvPr>
+          <p:cNvSpPr>
+            <a:spLocks noGrp="1"/>
+          </p:cNvSpPr>
+          <p:nvPr>
+            <p:ph type="sldNum" sz="quarter" idx="12"/>
+          </p:nvPr>
+        </p:nvSpPr>
+        <p:spPr/>
+        <p:txBody>
+          <a:bodyPr/>
+          <a:lstStyle/>
+          <a:p>
+            <a:fld id="{BBD74847-7BE4-4E4D-8159-51DF7B93C616}" type="slidenum">
+              <a:rPr lang="en-US" smtClean="0"/>
+              <a:t>7</a:t>
+            </a:fld>
+            <a:endParaRPr lang="en-US"/>
           </a:p>
         </p:txBody>
       </p:sp>
@@ -11811,35 +17289,6 @@
           </a:fontRef>
         </p:style>
       </p:cxnSp>
-      <p:sp>
-        <p:nvSpPr>
-          <p:cNvPr id="4" name="Slide Number Placeholder 3">
-            <a:extLst>
-              <a:ext uri="{FF2B5EF4-FFF2-40B4-BE49-F238E27FC236}">
-                <a16:creationId xmlns:a16="http://schemas.microsoft.com/office/drawing/2014/main" id="{D003B4EA-F7C5-4432-BF75-F170F45E27AA}"/>
-              </a:ext>
-            </a:extLst>
-          </p:cNvPr>
-          <p:cNvSpPr>
-            <a:spLocks noGrp="1"/>
-          </p:cNvSpPr>
-          <p:nvPr>
-            <p:ph type="sldNum" sz="quarter" idx="12"/>
-          </p:nvPr>
-        </p:nvSpPr>
-        <p:spPr/>
-        <p:txBody>
-          <a:bodyPr/>
-          <a:lstStyle/>
-          <a:p>
-            <a:fld id="{BBD74847-7BE4-4E4D-8159-51DF7B93C616}" type="slidenum">
-              <a:rPr lang="en-US" smtClean="0"/>
-              <a:t>7</a:t>
-            </a:fld>
-            <a:endParaRPr lang="en-US"/>
-          </a:p>
-        </p:txBody>
-      </p:sp>
     </p:spTree>
     <p:extLst>
       <p:ext uri="{BB962C8B-B14F-4D97-AF65-F5344CB8AC3E}">
@@ -11987,8 +17436,37 @@
           <a:p>
             <a:r>
               <a:rPr lang="en-US"/>
-              <a:t>Copyright © 2020 SPIKE Prime Lessons (primelessons.org) CC-BY-NC-SA.  (Last edit: 5/30/2020)</a:t>
-            </a:r>
+              <a:t>Copyright © 2020 Prime Lessons (primelessons.org) CC-BY-NC-SA.  (Last edit: 5/30/2020)</a:t>
+            </a:r>
+          </a:p>
+        </p:txBody>
+      </p:sp>
+      <p:sp>
+        <p:nvSpPr>
+          <p:cNvPr id="5" name="Slide Number Placeholder 4">
+            <a:extLst>
+              <a:ext uri="{FF2B5EF4-FFF2-40B4-BE49-F238E27FC236}">
+                <a16:creationId xmlns:a16="http://schemas.microsoft.com/office/drawing/2014/main" id="{422F56E5-F272-465C-98B9-5D85D492A335}"/>
+              </a:ext>
+            </a:extLst>
+          </p:cNvPr>
+          <p:cNvSpPr>
+            <a:spLocks noGrp="1"/>
+          </p:cNvSpPr>
+          <p:nvPr>
+            <p:ph type="sldNum" sz="quarter" idx="12"/>
+          </p:nvPr>
+        </p:nvSpPr>
+        <p:spPr/>
+        <p:txBody>
+          <a:bodyPr/>
+          <a:lstStyle/>
+          <a:p>
+            <a:fld id="{BBD74847-7BE4-4E4D-8159-51DF7B93C616}" type="slidenum">
+              <a:rPr lang="en-US" smtClean="0"/>
+              <a:t>8</a:t>
+            </a:fld>
+            <a:endParaRPr lang="en-US"/>
           </a:p>
         </p:txBody>
       </p:sp>
@@ -12106,35 +17584,6 @@
               </a:rPr>
               <a:t>Seconds to ramp up</a:t>
             </a:r>
-          </a:p>
-        </p:txBody>
-      </p:sp>
-      <p:sp>
-        <p:nvSpPr>
-          <p:cNvPr id="5" name="Slide Number Placeholder 4">
-            <a:extLst>
-              <a:ext uri="{FF2B5EF4-FFF2-40B4-BE49-F238E27FC236}">
-                <a16:creationId xmlns:a16="http://schemas.microsoft.com/office/drawing/2014/main" id="{422F56E5-F272-465C-98B9-5D85D492A335}"/>
-              </a:ext>
-            </a:extLst>
-          </p:cNvPr>
-          <p:cNvSpPr>
-            <a:spLocks noGrp="1"/>
-          </p:cNvSpPr>
-          <p:nvPr>
-            <p:ph type="sldNum" sz="quarter" idx="12"/>
-          </p:nvPr>
-        </p:nvSpPr>
-        <p:spPr/>
-        <p:txBody>
-          <a:bodyPr/>
-          <a:lstStyle/>
-          <a:p>
-            <a:fld id="{BBD74847-7BE4-4E4D-8159-51DF7B93C616}" type="slidenum">
-              <a:rPr lang="en-US" smtClean="0"/>
-              <a:t>8</a:t>
-            </a:fld>
-            <a:endParaRPr lang="en-US"/>
           </a:p>
         </p:txBody>
       </p:sp>
@@ -12243,9 +17692,38 @@
           <a:p>
             <a:r>
               <a:rPr lang="en-US"/>
-              <a:t>Copyright © 2020 SPIKE Prime Lessons (primelessons.org) CC-BY-NC-SA.  (Last edit: 5/30/2020)</a:t>
+              <a:t>Copyright © 2020 Prime Lessons (primelessons.org) CC-BY-NC-SA.  (Last edit: 5/30/2020)</a:t>
             </a:r>
             <a:endParaRPr lang="en-US" dirty="0"/>
+          </a:p>
+        </p:txBody>
+      </p:sp>
+      <p:sp>
+        <p:nvSpPr>
+          <p:cNvPr id="13" name="Slide Number Placeholder 12">
+            <a:extLst>
+              <a:ext uri="{FF2B5EF4-FFF2-40B4-BE49-F238E27FC236}">
+                <a16:creationId xmlns:a16="http://schemas.microsoft.com/office/drawing/2014/main" id="{58F93B9C-0413-4C96-A7B3-4FA20D468DD4}"/>
+              </a:ext>
+            </a:extLst>
+          </p:cNvPr>
+          <p:cNvSpPr>
+            <a:spLocks noGrp="1"/>
+          </p:cNvSpPr>
+          <p:nvPr>
+            <p:ph type="sldNum" sz="quarter" idx="12"/>
+          </p:nvPr>
+        </p:nvSpPr>
+        <p:spPr/>
+        <p:txBody>
+          <a:bodyPr/>
+          <a:lstStyle/>
+          <a:p>
+            <a:fld id="{BBD74847-7BE4-4E4D-8159-51DF7B93C616}" type="slidenum">
+              <a:rPr lang="en-US" smtClean="0"/>
+              <a:t>9</a:t>
+            </a:fld>
+            <a:endParaRPr lang="en-US"/>
           </a:p>
         </p:txBody>
       </p:sp>
@@ -12360,35 +17838,6 @@
           </a:fontRef>
         </p:style>
       </p:cxnSp>
-      <p:sp>
-        <p:nvSpPr>
-          <p:cNvPr id="13" name="Slide Number Placeholder 12">
-            <a:extLst>
-              <a:ext uri="{FF2B5EF4-FFF2-40B4-BE49-F238E27FC236}">
-                <a16:creationId xmlns:a16="http://schemas.microsoft.com/office/drawing/2014/main" id="{58F93B9C-0413-4C96-A7B3-4FA20D468DD4}"/>
-              </a:ext>
-            </a:extLst>
-          </p:cNvPr>
-          <p:cNvSpPr>
-            <a:spLocks noGrp="1"/>
-          </p:cNvSpPr>
-          <p:nvPr>
-            <p:ph type="sldNum" sz="quarter" idx="12"/>
-          </p:nvPr>
-        </p:nvSpPr>
-        <p:spPr/>
-        <p:txBody>
-          <a:bodyPr/>
-          <a:lstStyle/>
-          <a:p>
-            <a:fld id="{BBD74847-7BE4-4E4D-8159-51DF7B93C616}" type="slidenum">
-              <a:rPr lang="en-US" smtClean="0"/>
-              <a:t>9</a:t>
-            </a:fld>
-            <a:endParaRPr lang="en-US"/>
-          </a:p>
-        </p:txBody>
-      </p:sp>
     </p:spTree>
     <p:extLst>
       <p:ext uri="{BB962C8B-B14F-4D97-AF65-F5344CB8AC3E}">
@@ -12672,91 +18121,58 @@
 </file>
 
 <file path=ppt/theme/theme2.xml><?xml version="1.0" encoding="utf-8"?>
-<a:theme xmlns:a="http://schemas.openxmlformats.org/drawingml/2006/main" name="Office Theme">
+<a:theme xmlns:a="http://schemas.openxmlformats.org/drawingml/2006/main" name="1_Dividend">
   <a:themeElements>
-    <a:clrScheme name="Office">
+    <a:clrScheme name="Custom 1">
       <a:dk1>
-        <a:sysClr val="windowText" lastClr="000000"/>
+        <a:srgbClr val="000000"/>
       </a:dk1>
       <a:lt1>
-        <a:sysClr val="window" lastClr="FFFFFF"/>
+        <a:srgbClr val="FFFFFF"/>
       </a:lt1>
       <a:dk2>
-        <a:srgbClr val="1F497D"/>
+        <a:srgbClr val="000000"/>
       </a:dk2>
       <a:lt2>
-        <a:srgbClr val="EEECE1"/>
+        <a:srgbClr val="F8F8F8"/>
       </a:lt2>
       <a:accent1>
-        <a:srgbClr val="4F81BD"/>
+        <a:srgbClr val="DDDDDD"/>
       </a:accent1>
       <a:accent2>
-        <a:srgbClr val="C0504D"/>
+        <a:srgbClr val="B2B2B2"/>
       </a:accent2>
       <a:accent3>
-        <a:srgbClr val="9BBB59"/>
+        <a:srgbClr val="969696"/>
       </a:accent3>
       <a:accent4>
-        <a:srgbClr val="8064A2"/>
+        <a:srgbClr val="000000"/>
       </a:accent4>
       <a:accent5>
-        <a:srgbClr val="4BACC6"/>
+        <a:srgbClr val="5F5F5F"/>
       </a:accent5>
       <a:accent6>
-        <a:srgbClr val="F79646"/>
+        <a:srgbClr val="4D4D4D"/>
       </a:accent6>
       <a:hlink>
-        <a:srgbClr val="0000FF"/>
+        <a:srgbClr val="5F5F5F"/>
       </a:hlink>
       <a:folHlink>
-        <a:srgbClr val="800080"/>
+        <a:srgbClr val="919191"/>
       </a:folHlink>
     </a:clrScheme>
-    <a:fontScheme name="Office">
+    <a:fontScheme name="Dividend">
       <a:majorFont>
-        <a:latin typeface="Calibri"/>
+        <a:latin typeface="Gill Sans MT" panose="020B0502020104020203"/>
         <a:ea typeface=""/>
         <a:cs typeface=""/>
-        <a:font script="Jpan" typeface="ＭＳ Ｐゴシック"/>
-        <a:font script="Hang" typeface="맑은 고딕"/>
-        <a:font script="Hans" typeface="宋体"/>
-        <a:font script="Hant" typeface="新細明體"/>
-        <a:font script="Arab" typeface="Times New Roman"/>
-        <a:font script="Hebr" typeface="Times New Roman"/>
-        <a:font script="Thai" typeface="Angsana New"/>
-        <a:font script="Ethi" typeface="Nyala"/>
-        <a:font script="Beng" typeface="Vrinda"/>
-        <a:font script="Gujr" typeface="Shruti"/>
-        <a:font script="Khmr" typeface="MoolBoran"/>
-        <a:font script="Knda" typeface="Tunga"/>
-        <a:font script="Guru" typeface="Raavi"/>
-        <a:font script="Cans" typeface="Euphemia"/>
-        <a:font script="Cher" typeface="Plantagenet Cherokee"/>
-        <a:font script="Yiii" typeface="Microsoft Yi Baiti"/>
-        <a:font script="Tibt" typeface="Microsoft Himalaya"/>
-        <a:font script="Thaa" typeface="MV Boli"/>
-        <a:font script="Deva" typeface="Mangal"/>
-        <a:font script="Telu" typeface="Gautami"/>
-        <a:font script="Taml" typeface="Latha"/>
-        <a:font script="Syrc" typeface="Estrangelo Edessa"/>
-        <a:font script="Orya" typeface="Kalinga"/>
-        <a:font script="Mlym" typeface="Kartika"/>
-        <a:font script="Laoo" typeface="DokChampa"/>
-        <a:font script="Sinh" typeface="Iskoola Pota"/>
-        <a:font script="Mong" typeface="Mongolian Baiti"/>
-        <a:font script="Viet" typeface="Times New Roman"/>
-        <a:font script="Uigh" typeface="Microsoft Uighur"/>
-        <a:font script="Geor" typeface="Sylfaen"/>
-      </a:majorFont>
-      <a:minorFont>
-        <a:latin typeface="Calibri"/>
-        <a:ea typeface=""/>
-        <a:cs typeface=""/>
-        <a:font script="Jpan" typeface="ＭＳ Ｐゴシック"/>
-        <a:font script="Hang" typeface="맑은 고딕"/>
-        <a:font script="Hans" typeface="宋体"/>
-        <a:font script="Hant" typeface="新細明體"/>
-        <a:font script="Arab" typeface="Arial"/>
+        <a:font script="Grek" typeface="Corbel"/>
+        <a:font script="Cyrl" typeface="Corbel"/>
+        <a:font script="Jpan" typeface="HGｺﾞｼｯｸE"/>
+        <a:font script="Hang" typeface="휴먼매직체"/>
+        <a:font script="Hans" typeface="华文中宋"/>
+        <a:font script="Hant" typeface="微軟正黑體"/>
+        <a:font script="Arab" typeface="Majalla UI"/>
         <a:font script="Hebr" typeface="Arial"/>
         <a:font script="Thai" typeface="Cordia New"/>
         <a:font script="Ethi" typeface="Nyala"/>
@@ -12779,12 +18195,49 @@
         <a:font script="Laoo" typeface="DokChampa"/>
         <a:font script="Sinh" typeface="Iskoola Pota"/>
         <a:font script="Mong" typeface="Mongolian Baiti"/>
-        <a:font script="Viet" typeface="Arial"/>
+        <a:font script="Viet" typeface="Tahoma"/>
+        <a:font script="Uigh" typeface="Microsoft Uighur"/>
+        <a:font script="Geor" typeface="Sylfaen"/>
+      </a:majorFont>
+      <a:minorFont>
+        <a:latin typeface="Gill Sans MT" panose="020B0502020104020203"/>
+        <a:ea typeface=""/>
+        <a:cs typeface=""/>
+        <a:font script="Grek" typeface="Corbel"/>
+        <a:font script="Cyrl" typeface="Corbel"/>
+        <a:font script="Jpan" typeface="HGｺﾞｼｯｸE"/>
+        <a:font script="Hang" typeface="휴먼매직체"/>
+        <a:font script="Hans" typeface="华文中宋"/>
+        <a:font script="Hant" typeface="微軟正黑體"/>
+        <a:font script="Arab" typeface="Majalla UI"/>
+        <a:font script="Hebr" typeface="Arial"/>
+        <a:font script="Thai" typeface="Cordia New"/>
+        <a:font script="Ethi" typeface="Nyala"/>
+        <a:font script="Beng" typeface="Vrinda"/>
+        <a:font script="Gujr" typeface="Shruti"/>
+        <a:font script="Khmr" typeface="DaunPenh"/>
+        <a:font script="Knda" typeface="Tunga"/>
+        <a:font script="Guru" typeface="Raavi"/>
+        <a:font script="Cans" typeface="Euphemia"/>
+        <a:font script="Cher" typeface="Plantagenet Cherokee"/>
+        <a:font script="Yiii" typeface="Microsoft Yi Baiti"/>
+        <a:font script="Tibt" typeface="Microsoft Himalaya"/>
+        <a:font script="Thaa" typeface="MV Boli"/>
+        <a:font script="Deva" typeface="Mangal"/>
+        <a:font script="Telu" typeface="Gautami"/>
+        <a:font script="Taml" typeface="Latha"/>
+        <a:font script="Syrc" typeface="Estrangelo Edessa"/>
+        <a:font script="Orya" typeface="Kalinga"/>
+        <a:font script="Mlym" typeface="Kartika"/>
+        <a:font script="Laoo" typeface="DokChampa"/>
+        <a:font script="Sinh" typeface="Iskoola Pota"/>
+        <a:font script="Mong" typeface="Mongolian Baiti"/>
+        <a:font script="Viet" typeface="Tahoma"/>
         <a:font script="Uigh" typeface="Microsoft Uighur"/>
         <a:font script="Geor" typeface="Sylfaen"/>
       </a:minorFont>
     </a:fontScheme>
-    <a:fmtScheme name="Office">
+    <a:fmtScheme name="Dividend">
       <a:fillStyleLst>
         <a:solidFill>
           <a:schemeClr val="phClr"/>
@@ -12793,62 +18246,54 @@
           <a:gsLst>
             <a:gs pos="0">
               <a:schemeClr val="phClr">
-                <a:tint val="50000"/>
-                <a:satMod val="300000"/>
-              </a:schemeClr>
-            </a:gs>
-            <a:gs pos="35000">
-              <a:schemeClr val="phClr">
-                <a:tint val="37000"/>
-                <a:satMod val="300000"/>
+                <a:tint val="68000"/>
+                <a:alpha val="90000"/>
+                <a:lumMod val="100000"/>
               </a:schemeClr>
             </a:gs>
             <a:gs pos="100000">
               <a:schemeClr val="phClr">
-                <a:tint val="15000"/>
-                <a:satMod val="350000"/>
+                <a:tint val="90000"/>
+                <a:lumMod val="95000"/>
               </a:schemeClr>
             </a:gs>
           </a:gsLst>
-          <a:lin ang="16200000" scaled="1"/>
+          <a:lin ang="5400000" scaled="1"/>
         </a:gradFill>
         <a:gradFill rotWithShape="1">
           <a:gsLst>
             <a:gs pos="0">
               <a:schemeClr val="phClr">
-                <a:tint val="100000"/>
-                <a:shade val="100000"/>
-                <a:satMod val="130000"/>
+                <a:tint val="98000"/>
+                <a:lumMod val="110000"/>
               </a:schemeClr>
             </a:gs>
-            <a:gs pos="100000">
+            <a:gs pos="84000">
               <a:schemeClr val="phClr">
-                <a:tint val="50000"/>
-                <a:shade val="100000"/>
-                <a:satMod val="350000"/>
+                <a:shade val="90000"/>
+                <a:lumMod val="88000"/>
               </a:schemeClr>
             </a:gs>
           </a:gsLst>
-          <a:lin ang="16200000" scaled="0"/>
+          <a:lin ang="5400000" scaled="0"/>
         </a:gradFill>
       </a:fillStyleLst>
       <a:lnStyleLst>
-        <a:ln w="9525" cap="flat" cmpd="sng" algn="ctr">
+        <a:ln w="12700" cap="rnd" cmpd="sng" algn="ctr">
           <a:solidFill>
             <a:schemeClr val="phClr">
-              <a:shade val="95000"/>
-              <a:satMod val="105000"/>
+              <a:lumMod val="90000"/>
             </a:schemeClr>
           </a:solidFill>
           <a:prstDash val="solid"/>
         </a:ln>
-        <a:ln w="25400" cap="flat" cmpd="sng" algn="ctr">
+        <a:ln w="22225" cap="rnd" cmpd="sng" algn="ctr">
           <a:solidFill>
             <a:schemeClr val="phClr"/>
           </a:solidFill>
           <a:prstDash val="solid"/>
         </a:ln>
-        <a:ln w="38100" cap="flat" cmpd="sng" algn="ctr">
+        <a:ln w="25400" cap="rnd" cmpd="sng" algn="ctr">
           <a:solidFill>
             <a:schemeClr val="phClr"/>
           </a:solidFill>
@@ -12857,28 +18302,22 @@
       </a:lnStyleLst>
       <a:effectStyleLst>
         <a:effectStyle>
+          <a:effectLst/>
+        </a:effectStyle>
+        <a:effectStyle>
           <a:effectLst>
-            <a:outerShdw blurRad="40000" dist="20000" dir="5400000" rotWithShape="0">
+            <a:outerShdw blurRad="38100" dist="25400" dir="5400000" rotWithShape="0">
               <a:srgbClr val="000000">
-                <a:alpha val="38000"/>
+                <a:alpha val="55000"/>
               </a:srgbClr>
             </a:outerShdw>
           </a:effectLst>
         </a:effectStyle>
         <a:effectStyle>
           <a:effectLst>
-            <a:outerShdw blurRad="40000" dist="23000" dir="5400000" rotWithShape="0">
+            <a:outerShdw blurRad="88900" dist="38100" dir="5040000" rotWithShape="0">
               <a:srgbClr val="000000">
-                <a:alpha val="35000"/>
-              </a:srgbClr>
-            </a:outerShdw>
-          </a:effectLst>
-        </a:effectStyle>
-        <a:effectStyle>
-          <a:effectLst>
-            <a:outerShdw blurRad="40000" dist="23000" dir="5400000" rotWithShape="0">
-              <a:srgbClr val="000000">
-                <a:alpha val="35000"/>
+                <a:alpha val="60000"/>
               </a:srgbClr>
             </a:outerShdw>
           </a:effectLst>
@@ -12886,12 +18325,12 @@
             <a:camera prst="orthographicFront">
               <a:rot lat="0" lon="0" rev="0"/>
             </a:camera>
-            <a:lightRig rig="threePt" dir="t">
+            <a:lightRig rig="threePt" dir="tl">
               <a:rot lat="0" lon="0" rev="1200000"/>
             </a:lightRig>
           </a:scene3d>
           <a:sp3d>
-            <a:bevelT w="63500" h="25400"/>
+            <a:bevelT w="38100" h="50800"/>
           </a:sp3d>
         </a:effectStyle>
       </a:effectStyleLst>
@@ -12903,91 +18342,50 @@
           <a:gsLst>
             <a:gs pos="0">
               <a:schemeClr val="phClr">
-                <a:tint val="40000"/>
-                <a:satMod val="350000"/>
+                <a:tint val="90000"/>
+                <a:lumMod val="110000"/>
               </a:schemeClr>
             </a:gs>
-            <a:gs pos="40000">
+            <a:gs pos="88000">
               <a:schemeClr val="phClr">
-                <a:tint val="45000"/>
-                <a:shade val="99000"/>
-                <a:satMod val="350000"/>
-              </a:schemeClr>
-            </a:gs>
-            <a:gs pos="100000">
-              <a:schemeClr val="phClr">
-                <a:shade val="20000"/>
-                <a:satMod val="255000"/>
+                <a:shade val="94000"/>
+                <a:satMod val="110000"/>
+                <a:lumMod val="88000"/>
               </a:schemeClr>
             </a:gs>
           </a:gsLst>
-          <a:path path="circle">
-            <a:fillToRect l="50000" t="-80000" r="50000" b="180000"/>
-          </a:path>
+          <a:lin ang="5400000" scaled="0"/>
         </a:gradFill>
         <a:gradFill rotWithShape="1">
           <a:gsLst>
             <a:gs pos="0">
               <a:schemeClr val="phClr">
-                <a:tint val="80000"/>
-                <a:satMod val="300000"/>
+                <a:tint val="90000"/>
+                <a:lumMod val="110000"/>
               </a:schemeClr>
             </a:gs>
             <a:gs pos="100000">
               <a:schemeClr val="phClr">
-                <a:shade val="30000"/>
-                <a:satMod val="200000"/>
+                <a:shade val="98000"/>
+                <a:satMod val="110000"/>
+                <a:lumMod val="86000"/>
               </a:schemeClr>
             </a:gs>
           </a:gsLst>
           <a:path path="circle">
-            <a:fillToRect l="50000" t="50000" r="50000" b="50000"/>
+            <a:fillToRect l="50000" t="50000" r="100000" b="100000"/>
           </a:path>
         </a:gradFill>
       </a:bgFillStyleLst>
     </a:fmtScheme>
   </a:themeElements>
-  <a:objectDefaults>
-    <a:spDef>
-      <a:spPr/>
-      <a:bodyPr/>
-      <a:lstStyle/>
-      <a:style>
-        <a:lnRef idx="1">
-          <a:schemeClr val="accent1"/>
-        </a:lnRef>
-        <a:fillRef idx="3">
-          <a:schemeClr val="accent1"/>
-        </a:fillRef>
-        <a:effectRef idx="2">
-          <a:schemeClr val="accent1"/>
-        </a:effectRef>
-        <a:fontRef idx="minor">
-          <a:schemeClr val="lt1"/>
-        </a:fontRef>
-      </a:style>
-    </a:spDef>
-    <a:lnDef>
-      <a:spPr/>
-      <a:bodyPr/>
-      <a:lstStyle/>
-      <a:style>
-        <a:lnRef idx="2">
-          <a:schemeClr val="accent1"/>
-        </a:lnRef>
-        <a:fillRef idx="0">
-          <a:schemeClr val="accent1"/>
-        </a:fillRef>
-        <a:effectRef idx="1">
-          <a:schemeClr val="accent1"/>
-        </a:effectRef>
-        <a:fontRef idx="minor">
-          <a:schemeClr val="tx1"/>
-        </a:fontRef>
-      </a:style>
-    </a:lnDef>
-  </a:objectDefaults>
+  <a:objectDefaults/>
   <a:extraClrSchemeLst/>
+  <a:extLst>
+    <a:ext uri="{05A4C25C-085E-4340-85A3-A5531E510DB2}">
+      <thm15:themeFamily xmlns:thm15="http://schemas.microsoft.com/office/thememl/2012/main" name="HowtoUse" id="{7DD8E111-BC3A-4444-A06C-BD4DCB2344B2}" vid="{5D8D2880-D206-C442-A283-BCAB763DE85D}"/>
+    </a:ext>
+  </a:extLst>
 </a:theme>
 </file>
 
@@ -13309,4 +18707,324 @@
   </a:objectDefaults>
   <a:extraClrSchemeLst/>
 </a:theme>
+</file>
+
+<file path=ppt/theme/theme4.xml><?xml version="1.0" encoding="utf-8"?>
+<a:theme xmlns:a="http://schemas.openxmlformats.org/drawingml/2006/main" name="Office Theme">
+  <a:themeElements>
+    <a:clrScheme name="Office">
+      <a:dk1>
+        <a:sysClr val="windowText" lastClr="000000"/>
+      </a:dk1>
+      <a:lt1>
+        <a:sysClr val="window" lastClr="FFFFFF"/>
+      </a:lt1>
+      <a:dk2>
+        <a:srgbClr val="1F497D"/>
+      </a:dk2>
+      <a:lt2>
+        <a:srgbClr val="EEECE1"/>
+      </a:lt2>
+      <a:accent1>
+        <a:srgbClr val="4F81BD"/>
+      </a:accent1>
+      <a:accent2>
+        <a:srgbClr val="C0504D"/>
+      </a:accent2>
+      <a:accent3>
+        <a:srgbClr val="9BBB59"/>
+      </a:accent3>
+      <a:accent4>
+        <a:srgbClr val="8064A2"/>
+      </a:accent4>
+      <a:accent5>
+        <a:srgbClr val="4BACC6"/>
+      </a:accent5>
+      <a:accent6>
+        <a:srgbClr val="F79646"/>
+      </a:accent6>
+      <a:hlink>
+        <a:srgbClr val="0000FF"/>
+      </a:hlink>
+      <a:folHlink>
+        <a:srgbClr val="800080"/>
+      </a:folHlink>
+    </a:clrScheme>
+    <a:fontScheme name="Office">
+      <a:majorFont>
+        <a:latin typeface="Calibri"/>
+        <a:ea typeface=""/>
+        <a:cs typeface=""/>
+        <a:font script="Jpan" typeface="ＭＳ Ｐゴシック"/>
+        <a:font script="Hang" typeface="맑은 고딕"/>
+        <a:font script="Hans" typeface="宋体"/>
+        <a:font script="Hant" typeface="新細明體"/>
+        <a:font script="Arab" typeface="Times New Roman"/>
+        <a:font script="Hebr" typeface="Times New Roman"/>
+        <a:font script="Thai" typeface="Angsana New"/>
+        <a:font script="Ethi" typeface="Nyala"/>
+        <a:font script="Beng" typeface="Vrinda"/>
+        <a:font script="Gujr" typeface="Shruti"/>
+        <a:font script="Khmr" typeface="MoolBoran"/>
+        <a:font script="Knda" typeface="Tunga"/>
+        <a:font script="Guru" typeface="Raavi"/>
+        <a:font script="Cans" typeface="Euphemia"/>
+        <a:font script="Cher" typeface="Plantagenet Cherokee"/>
+        <a:font script="Yiii" typeface="Microsoft Yi Baiti"/>
+        <a:font script="Tibt" typeface="Microsoft Himalaya"/>
+        <a:font script="Thaa" typeface="MV Boli"/>
+        <a:font script="Deva" typeface="Mangal"/>
+        <a:font script="Telu" typeface="Gautami"/>
+        <a:font script="Taml" typeface="Latha"/>
+        <a:font script="Syrc" typeface="Estrangelo Edessa"/>
+        <a:font script="Orya" typeface="Kalinga"/>
+        <a:font script="Mlym" typeface="Kartika"/>
+        <a:font script="Laoo" typeface="DokChampa"/>
+        <a:font script="Sinh" typeface="Iskoola Pota"/>
+        <a:font script="Mong" typeface="Mongolian Baiti"/>
+        <a:font script="Viet" typeface="Times New Roman"/>
+        <a:font script="Uigh" typeface="Microsoft Uighur"/>
+        <a:font script="Geor" typeface="Sylfaen"/>
+      </a:majorFont>
+      <a:minorFont>
+        <a:latin typeface="Calibri"/>
+        <a:ea typeface=""/>
+        <a:cs typeface=""/>
+        <a:font script="Jpan" typeface="ＭＳ Ｐゴシック"/>
+        <a:font script="Hang" typeface="맑은 고딕"/>
+        <a:font script="Hans" typeface="宋体"/>
+        <a:font script="Hant" typeface="新細明體"/>
+        <a:font script="Arab" typeface="Arial"/>
+        <a:font script="Hebr" typeface="Arial"/>
+        <a:font script="Thai" typeface="Cordia New"/>
+        <a:font script="Ethi" typeface="Nyala"/>
+        <a:font script="Beng" typeface="Vrinda"/>
+        <a:font script="Gujr" typeface="Shruti"/>
+        <a:font script="Khmr" typeface="DaunPenh"/>
+        <a:font script="Knda" typeface="Tunga"/>
+        <a:font script="Guru" typeface="Raavi"/>
+        <a:font script="Cans" typeface="Euphemia"/>
+        <a:font script="Cher" typeface="Plantagenet Cherokee"/>
+        <a:font script="Yiii" typeface="Microsoft Yi Baiti"/>
+        <a:font script="Tibt" typeface="Microsoft Himalaya"/>
+        <a:font script="Thaa" typeface="MV Boli"/>
+        <a:font script="Deva" typeface="Mangal"/>
+        <a:font script="Telu" typeface="Gautami"/>
+        <a:font script="Taml" typeface="Latha"/>
+        <a:font script="Syrc" typeface="Estrangelo Edessa"/>
+        <a:font script="Orya" typeface="Kalinga"/>
+        <a:font script="Mlym" typeface="Kartika"/>
+        <a:font script="Laoo" typeface="DokChampa"/>
+        <a:font script="Sinh" typeface="Iskoola Pota"/>
+        <a:font script="Mong" typeface="Mongolian Baiti"/>
+        <a:font script="Viet" typeface="Arial"/>
+        <a:font script="Uigh" typeface="Microsoft Uighur"/>
+        <a:font script="Geor" typeface="Sylfaen"/>
+      </a:minorFont>
+    </a:fontScheme>
+    <a:fmtScheme name="Office">
+      <a:fillStyleLst>
+        <a:solidFill>
+          <a:schemeClr val="phClr"/>
+        </a:solidFill>
+        <a:gradFill rotWithShape="1">
+          <a:gsLst>
+            <a:gs pos="0">
+              <a:schemeClr val="phClr">
+                <a:tint val="50000"/>
+                <a:satMod val="300000"/>
+              </a:schemeClr>
+            </a:gs>
+            <a:gs pos="35000">
+              <a:schemeClr val="phClr">
+                <a:tint val="37000"/>
+                <a:satMod val="300000"/>
+              </a:schemeClr>
+            </a:gs>
+            <a:gs pos="100000">
+              <a:schemeClr val="phClr">
+                <a:tint val="15000"/>
+                <a:satMod val="350000"/>
+              </a:schemeClr>
+            </a:gs>
+          </a:gsLst>
+          <a:lin ang="16200000" scaled="1"/>
+        </a:gradFill>
+        <a:gradFill rotWithShape="1">
+          <a:gsLst>
+            <a:gs pos="0">
+              <a:schemeClr val="phClr">
+                <a:tint val="100000"/>
+                <a:shade val="100000"/>
+                <a:satMod val="130000"/>
+              </a:schemeClr>
+            </a:gs>
+            <a:gs pos="100000">
+              <a:schemeClr val="phClr">
+                <a:tint val="50000"/>
+                <a:shade val="100000"/>
+                <a:satMod val="350000"/>
+              </a:schemeClr>
+            </a:gs>
+          </a:gsLst>
+          <a:lin ang="16200000" scaled="0"/>
+        </a:gradFill>
+      </a:fillStyleLst>
+      <a:lnStyleLst>
+        <a:ln w="9525" cap="flat" cmpd="sng" algn="ctr">
+          <a:solidFill>
+            <a:schemeClr val="phClr">
+              <a:shade val="95000"/>
+              <a:satMod val="105000"/>
+            </a:schemeClr>
+          </a:solidFill>
+          <a:prstDash val="solid"/>
+        </a:ln>
+        <a:ln w="25400" cap="flat" cmpd="sng" algn="ctr">
+          <a:solidFill>
+            <a:schemeClr val="phClr"/>
+          </a:solidFill>
+          <a:prstDash val="solid"/>
+        </a:ln>
+        <a:ln w="38100" cap="flat" cmpd="sng" algn="ctr">
+          <a:solidFill>
+            <a:schemeClr val="phClr"/>
+          </a:solidFill>
+          <a:prstDash val="solid"/>
+        </a:ln>
+      </a:lnStyleLst>
+      <a:effectStyleLst>
+        <a:effectStyle>
+          <a:effectLst>
+            <a:outerShdw blurRad="40000" dist="20000" dir="5400000" rotWithShape="0">
+              <a:srgbClr val="000000">
+                <a:alpha val="38000"/>
+              </a:srgbClr>
+            </a:outerShdw>
+          </a:effectLst>
+        </a:effectStyle>
+        <a:effectStyle>
+          <a:effectLst>
+            <a:outerShdw blurRad="40000" dist="23000" dir="5400000" rotWithShape="0">
+              <a:srgbClr val="000000">
+                <a:alpha val="35000"/>
+              </a:srgbClr>
+            </a:outerShdw>
+          </a:effectLst>
+        </a:effectStyle>
+        <a:effectStyle>
+          <a:effectLst>
+            <a:outerShdw blurRad="40000" dist="23000" dir="5400000" rotWithShape="0">
+              <a:srgbClr val="000000">
+                <a:alpha val="35000"/>
+              </a:srgbClr>
+            </a:outerShdw>
+          </a:effectLst>
+          <a:scene3d>
+            <a:camera prst="orthographicFront">
+              <a:rot lat="0" lon="0" rev="0"/>
+            </a:camera>
+            <a:lightRig rig="threePt" dir="t">
+              <a:rot lat="0" lon="0" rev="1200000"/>
+            </a:lightRig>
+          </a:scene3d>
+          <a:sp3d>
+            <a:bevelT w="63500" h="25400"/>
+          </a:sp3d>
+        </a:effectStyle>
+      </a:effectStyleLst>
+      <a:bgFillStyleLst>
+        <a:solidFill>
+          <a:schemeClr val="phClr"/>
+        </a:solidFill>
+        <a:gradFill rotWithShape="1">
+          <a:gsLst>
+            <a:gs pos="0">
+              <a:schemeClr val="phClr">
+                <a:tint val="40000"/>
+                <a:satMod val="350000"/>
+              </a:schemeClr>
+            </a:gs>
+            <a:gs pos="40000">
+              <a:schemeClr val="phClr">
+                <a:tint val="45000"/>
+                <a:shade val="99000"/>
+                <a:satMod val="350000"/>
+              </a:schemeClr>
+            </a:gs>
+            <a:gs pos="100000">
+              <a:schemeClr val="phClr">
+                <a:shade val="20000"/>
+                <a:satMod val="255000"/>
+              </a:schemeClr>
+            </a:gs>
+          </a:gsLst>
+          <a:path path="circle">
+            <a:fillToRect l="50000" t="-80000" r="50000" b="180000"/>
+          </a:path>
+        </a:gradFill>
+        <a:gradFill rotWithShape="1">
+          <a:gsLst>
+            <a:gs pos="0">
+              <a:schemeClr val="phClr">
+                <a:tint val="80000"/>
+                <a:satMod val="300000"/>
+              </a:schemeClr>
+            </a:gs>
+            <a:gs pos="100000">
+              <a:schemeClr val="phClr">
+                <a:shade val="30000"/>
+                <a:satMod val="200000"/>
+              </a:schemeClr>
+            </a:gs>
+          </a:gsLst>
+          <a:path path="circle">
+            <a:fillToRect l="50000" t="50000" r="50000" b="50000"/>
+          </a:path>
+        </a:gradFill>
+      </a:bgFillStyleLst>
+    </a:fmtScheme>
+  </a:themeElements>
+  <a:objectDefaults>
+    <a:spDef>
+      <a:spPr/>
+      <a:bodyPr/>
+      <a:lstStyle/>
+      <a:style>
+        <a:lnRef idx="1">
+          <a:schemeClr val="accent1"/>
+        </a:lnRef>
+        <a:fillRef idx="3">
+          <a:schemeClr val="accent1"/>
+        </a:fillRef>
+        <a:effectRef idx="2">
+          <a:schemeClr val="accent1"/>
+        </a:effectRef>
+        <a:fontRef idx="minor">
+          <a:schemeClr val="lt1"/>
+        </a:fontRef>
+      </a:style>
+    </a:spDef>
+    <a:lnDef>
+      <a:spPr/>
+      <a:bodyPr/>
+      <a:lstStyle/>
+      <a:style>
+        <a:lnRef idx="2">
+          <a:schemeClr val="accent1"/>
+        </a:lnRef>
+        <a:fillRef idx="0">
+          <a:schemeClr val="accent1"/>
+        </a:fillRef>
+        <a:effectRef idx="1">
+          <a:schemeClr val="accent1"/>
+        </a:effectRef>
+        <a:fontRef idx="minor">
+          <a:schemeClr val="tx1"/>
+        </a:fontRef>
+      </a:style>
+    </a:lnDef>
+  </a:objectDefaults>
+  <a:extraClrSchemeLst/>
+</a:theme>
 </file>